--- a/inflearn01/doc/교재_개정내용.pptx
+++ b/inflearn01/doc/교재_개정내용.pptx
@@ -5,24 +5,31 @@
     <p:sldMasterId id="2147483648" r:id="rId1"/>
   </p:sldMasterIdLst>
   <p:notesMasterIdLst>
-    <p:notesMasterId r:id="rId14"/>
+    <p:notesMasterId r:id="rId21"/>
   </p:notesMasterIdLst>
   <p:handoutMasterIdLst>
-    <p:handoutMasterId r:id="rId15"/>
+    <p:handoutMasterId r:id="rId22"/>
   </p:handoutMasterIdLst>
   <p:sldIdLst>
     <p:sldId id="261" r:id="rId2"/>
     <p:sldId id="275" r:id="rId3"/>
     <p:sldId id="271" r:id="rId4"/>
-    <p:sldId id="289" r:id="rId5"/>
-    <p:sldId id="278" r:id="rId6"/>
+    <p:sldId id="309" r:id="rId5"/>
+    <p:sldId id="311" r:id="rId6"/>
     <p:sldId id="290" r:id="rId7"/>
-    <p:sldId id="291" r:id="rId8"/>
-    <p:sldId id="292" r:id="rId9"/>
-    <p:sldId id="293" r:id="rId10"/>
-    <p:sldId id="294" r:id="rId11"/>
-    <p:sldId id="295" r:id="rId12"/>
-    <p:sldId id="296" r:id="rId13"/>
+    <p:sldId id="301" r:id="rId8"/>
+    <p:sldId id="302" r:id="rId9"/>
+    <p:sldId id="294" r:id="rId10"/>
+    <p:sldId id="295" r:id="rId11"/>
+    <p:sldId id="296" r:id="rId12"/>
+    <p:sldId id="312" r:id="rId13"/>
+    <p:sldId id="313" r:id="rId14"/>
+    <p:sldId id="314" r:id="rId15"/>
+    <p:sldId id="315" r:id="rId16"/>
+    <p:sldId id="300" r:id="rId17"/>
+    <p:sldId id="304" r:id="rId18"/>
+    <p:sldId id="306" r:id="rId19"/>
+    <p:sldId id="305" r:id="rId20"/>
   </p:sldIdLst>
   <p:sldSz cx="12192000" cy="6858000"/>
   <p:notesSz cx="6858000" cy="9144000"/>
@@ -233,7 +240,7 @@
                 <a:latin typeface="맑은 고딕" panose="020B0503020000020004" pitchFamily="50" charset="-127"/>
                 <a:ea typeface="맑은 고딕" panose="020B0503020000020004" pitchFamily="50" charset="-127"/>
               </a:rPr>
-              <a:t>2021년 5월 29일</a:t>
+              <a:t>2021년 5월 30일</a:t>
             </a:fld>
             <a:endParaRPr lang="ko-KR" altLang="en-US">
               <a:latin typeface="맑은 고딕" panose="020B0503020000020004" pitchFamily="50" charset="-127"/>
@@ -419,7 +426,7 @@
             <a:fld id="{BE16EC8A-0758-4FA9-BF4D-3119057076D1}" type="datetime4">
               <a:rPr lang="ko-KR" altLang="en-US" smtClean="0"/>
               <a:pPr/>
-              <a:t>2021년 5월 29일</a:t>
+              <a:t>2021년 5월 30일</a:t>
             </a:fld>
             <a:endParaRPr lang="ko-KR" altLang="en-US"/>
           </a:p>
@@ -3090,7 +3097,7 @@
           <a:p>
             <a:fld id="{2A5B65E4-62A8-4988-B07B-5D6D443B14ED}" type="datetime4">
               <a:rPr lang="ko-KR" altLang="en-US" smtClean="0"/>
-              <a:t>2021년 5월 29일</a:t>
+              <a:t>2021년 5월 30일</a:t>
             </a:fld>
             <a:endParaRPr lang="ko-KR" altLang="en-US"/>
           </a:p>
@@ -3346,7 +3353,7 @@
           <a:p>
             <a:fld id="{58EB6286-0DE7-4336-9826-977AD102FCF2}" type="datetime4">
               <a:rPr lang="ko-KR" altLang="en-US" noProof="0" smtClean="0"/>
-              <a:t>2021년 5월 29일</a:t>
+              <a:t>2021년 5월 30일</a:t>
             </a:fld>
             <a:endParaRPr lang="ko-KR" altLang="en-US" noProof="0"/>
           </a:p>
@@ -3542,7 +3549,7 @@
             <a:pPr rtl="0"/>
             <a:fld id="{6A5419DA-7218-42E5-A443-F000500111E1}" type="datetime4">
               <a:rPr lang="ko-KR" altLang="en-US" noProof="0" smtClean="0"/>
-              <a:t>2021년 5월 29일</a:t>
+              <a:t>2021년 5월 30일</a:t>
             </a:fld>
             <a:endParaRPr lang="ko-KR" altLang="en-US" noProof="0"/>
           </a:p>
@@ -5943,7 +5950,7 @@
           <a:p>
             <a:fld id="{E498C52F-1DF1-4226-BAB6-C1E2EE4C9D62}" type="datetime4">
               <a:rPr lang="ko-KR" altLang="en-US" noProof="0" smtClean="0"/>
-              <a:t>2021년 5월 29일</a:t>
+              <a:t>2021년 5월 30일</a:t>
             </a:fld>
             <a:endParaRPr lang="ko-KR" altLang="en-US" noProof="0"/>
           </a:p>
@@ -6462,7 +6469,7 @@
           <a:p>
             <a:fld id="{7B1E1FFC-F755-4558-8D3C-A157D1A01A8A}" type="datetime4">
               <a:rPr lang="ko-KR" altLang="en-US" noProof="0" smtClean="0"/>
-              <a:t>2021년 5월 29일</a:t>
+              <a:t>2021년 5월 30일</a:t>
             </a:fld>
             <a:endParaRPr lang="ko-KR" altLang="en-US" noProof="0"/>
           </a:p>
@@ -6606,7 +6613,7 @@
             <a:pPr rtl="0"/>
             <a:fld id="{DA2A33C0-A4A8-4C90-B6DA-35B8CF58C816}" type="datetime4">
               <a:rPr lang="ko-KR" altLang="en-US" noProof="0" smtClean="0"/>
-              <a:t>2021년 5월 29일</a:t>
+              <a:t>2021년 5월 30일</a:t>
             </a:fld>
             <a:endParaRPr lang="ko-KR" altLang="en-US" noProof="0"/>
           </a:p>
@@ -8554,7 +8561,7 @@
           <a:p>
             <a:fld id="{53CB1B8F-A14A-4BE4-A9B9-3B263F04145C}" type="datetime4">
               <a:rPr lang="ko-KR" altLang="en-US" noProof="0" smtClean="0"/>
-              <a:t>2021년 5월 29일</a:t>
+              <a:t>2021년 5월 30일</a:t>
             </a:fld>
             <a:endParaRPr lang="ko-KR" altLang="en-US" noProof="0"/>
           </a:p>
@@ -10851,7 +10858,7 @@
           <a:p>
             <a:fld id="{5B9196A3-957C-4113-A568-B6ED9AEA3D01}" type="datetime4">
               <a:rPr lang="ko-KR" altLang="en-US" noProof="0" smtClean="0"/>
-              <a:t>2021년 5월 29일</a:t>
+              <a:t>2021년 5월 30일</a:t>
             </a:fld>
             <a:endParaRPr lang="ko-KR" altLang="en-US" noProof="0"/>
           </a:p>
@@ -15168,7 +15175,7 @@
           <a:p>
             <a:fld id="{28BEB146-D335-4DA5-9826-58595BCDBE2E}" type="datetime4">
               <a:rPr lang="ko-KR" altLang="en-US" noProof="0" smtClean="0"/>
-              <a:t>2021년 5월 29일</a:t>
+              <a:t>2021년 5월 30일</a:t>
             </a:fld>
             <a:endParaRPr lang="ko-KR" altLang="en-US" noProof="0"/>
           </a:p>
@@ -15738,136 +15745,6 @@
           <p:cNvPr id="2" name="제목 1">
             <a:extLst>
               <a:ext uri="{FF2B5EF4-FFF2-40B4-BE49-F238E27FC236}">
-                <a16:creationId xmlns:a16="http://schemas.microsoft.com/office/drawing/2014/main" id="{8A483029-EECF-4B9C-A989-97DF83DF63A7}"/>
-              </a:ext>
-            </a:extLst>
-          </p:cNvPr>
-          <p:cNvSpPr>
-            <a:spLocks noGrp="1"/>
-          </p:cNvSpPr>
-          <p:nvPr>
-            <p:ph type="title"/>
-          </p:nvPr>
-        </p:nvSpPr>
-        <p:spPr/>
-        <p:txBody>
-          <a:bodyPr/>
-          <a:lstStyle/>
-          <a:p>
-            <a:r>
-              <a:rPr lang="ko-KR" altLang="en-US" dirty="0"/>
-              <a:t>게시판 만들기</a:t>
-            </a:r>
-          </a:p>
-        </p:txBody>
-      </p:sp>
-      <p:pic>
-        <p:nvPicPr>
-          <p:cNvPr id="9" name="그림 8">
-            <a:extLst>
-              <a:ext uri="{FF2B5EF4-FFF2-40B4-BE49-F238E27FC236}">
-                <a16:creationId xmlns:a16="http://schemas.microsoft.com/office/drawing/2014/main" id="{E8959689-3AD7-4374-A7AC-AA23B0F8C904}"/>
-              </a:ext>
-            </a:extLst>
-          </p:cNvPr>
-          <p:cNvPicPr>
-            <a:picLocks noChangeAspect="1"/>
-          </p:cNvPicPr>
-          <p:nvPr/>
-        </p:nvPicPr>
-        <p:blipFill>
-          <a:blip r:embed="rId2"/>
-          <a:stretch>
-            <a:fillRect/>
-          </a:stretch>
-        </p:blipFill>
-        <p:spPr>
-          <a:xfrm>
-            <a:off x="1295400" y="1920629"/>
-            <a:ext cx="3686689" cy="2200582"/>
-          </a:xfrm>
-          <a:prstGeom prst="rect">
-            <a:avLst/>
-          </a:prstGeom>
-        </p:spPr>
-      </p:pic>
-      <p:pic>
-        <p:nvPicPr>
-          <p:cNvPr id="11" name="그림 10">
-            <a:extLst>
-              <a:ext uri="{FF2B5EF4-FFF2-40B4-BE49-F238E27FC236}">
-                <a16:creationId xmlns:a16="http://schemas.microsoft.com/office/drawing/2014/main" id="{BE0D9352-321B-4751-A2A8-12B717BAC8AB}"/>
-              </a:ext>
-            </a:extLst>
-          </p:cNvPr>
-          <p:cNvPicPr>
-            <a:picLocks noChangeAspect="1"/>
-          </p:cNvPicPr>
-          <p:nvPr/>
-        </p:nvPicPr>
-        <p:blipFill>
-          <a:blip r:embed="rId3"/>
-          <a:stretch>
-            <a:fillRect/>
-          </a:stretch>
-        </p:blipFill>
-        <p:spPr>
-          <a:xfrm>
-            <a:off x="5876271" y="1975362"/>
-            <a:ext cx="3734321" cy="2438740"/>
-          </a:xfrm>
-          <a:prstGeom prst="rect">
-            <a:avLst/>
-          </a:prstGeom>
-        </p:spPr>
-      </p:pic>
-    </p:spTree>
-    <p:extLst>
-      <p:ext uri="{BB962C8B-B14F-4D97-AF65-F5344CB8AC3E}">
-        <p14:creationId xmlns:p14="http://schemas.microsoft.com/office/powerpoint/2010/main" val="1274504814"/>
-      </p:ext>
-    </p:extLst>
-  </p:cSld>
-  <p:clrMapOvr>
-    <a:masterClrMapping/>
-  </p:clrMapOvr>
-  <mc:AlternateContent xmlns:mc="http://schemas.openxmlformats.org/markup-compatibility/2006" xmlns:p14="http://schemas.microsoft.com/office/powerpoint/2010/main">
-    <mc:Choice Requires="p14">
-      <p:transition spd="med" p14:dur="700">
-        <p:fade/>
-      </p:transition>
-    </mc:Choice>
-    <mc:Fallback xmlns="">
-      <p:transition spd="med">
-        <p:fade/>
-      </p:transition>
-    </mc:Fallback>
-  </mc:AlternateContent>
-</p:sld>
-</file>
-
-<file path=ppt/slides/slide11.xml><?xml version="1.0" encoding="utf-8"?>
-<p:sld xmlns:a="http://schemas.openxmlformats.org/drawingml/2006/main" xmlns:r="http://schemas.openxmlformats.org/officeDocument/2006/relationships" xmlns:p="http://schemas.openxmlformats.org/presentationml/2006/main">
-  <p:cSld>
-    <p:spTree>
-      <p:nvGrpSpPr>
-        <p:cNvPr id="1" name=""/>
-        <p:cNvGrpSpPr/>
-        <p:nvPr/>
-      </p:nvGrpSpPr>
-      <p:grpSpPr>
-        <a:xfrm>
-          <a:off x="0" y="0"/>
-          <a:ext cx="0" cy="0"/>
-          <a:chOff x="0" y="0"/>
-          <a:chExt cx="0" cy="0"/>
-        </a:xfrm>
-      </p:grpSpPr>
-      <p:sp>
-        <p:nvSpPr>
-          <p:cNvPr id="2" name="제목 1">
-            <a:extLst>
-              <a:ext uri="{FF2B5EF4-FFF2-40B4-BE49-F238E27FC236}">
                 <a16:creationId xmlns:a16="http://schemas.microsoft.com/office/drawing/2014/main" id="{FE8FFD71-05AC-4679-9BF5-2C7FBBB4AA51}"/>
               </a:ext>
             </a:extLst>
@@ -15973,7 +15850,7 @@
 </p:sld>
 </file>
 
-<file path=ppt/slides/slide12.xml><?xml version="1.0" encoding="utf-8"?>
+<file path=ppt/slides/slide11.xml><?xml version="1.0" encoding="utf-8"?>
 <p:sld xmlns:a="http://schemas.openxmlformats.org/drawingml/2006/main" xmlns:r="http://schemas.openxmlformats.org/officeDocument/2006/relationships" xmlns:p="http://schemas.openxmlformats.org/presentationml/2006/main">
   <p:cSld>
     <p:spTree>
@@ -16052,6 +15929,2681 @@
     <p:extLst>
       <p:ext uri="{BB962C8B-B14F-4D97-AF65-F5344CB8AC3E}">
         <p14:creationId xmlns:p14="http://schemas.microsoft.com/office/powerpoint/2010/main" val="3028022120"/>
+      </p:ext>
+    </p:extLst>
+  </p:cSld>
+  <p:clrMapOvr>
+    <a:masterClrMapping/>
+  </p:clrMapOvr>
+  <mc:AlternateContent xmlns:mc="http://schemas.openxmlformats.org/markup-compatibility/2006" xmlns:p14="http://schemas.microsoft.com/office/powerpoint/2010/main">
+    <mc:Choice Requires="p14">
+      <p:transition spd="med" p14:dur="700">
+        <p:fade/>
+      </p:transition>
+    </mc:Choice>
+    <mc:Fallback xmlns="">
+      <p:transition spd="med">
+        <p:fade/>
+      </p:transition>
+    </mc:Fallback>
+  </mc:AlternateContent>
+</p:sld>
+</file>
+
+<file path=ppt/slides/slide12.xml><?xml version="1.0" encoding="utf-8"?>
+<p:sld xmlns:a="http://schemas.openxmlformats.org/drawingml/2006/main" xmlns:r="http://schemas.openxmlformats.org/officeDocument/2006/relationships" xmlns:p="http://schemas.openxmlformats.org/presentationml/2006/main">
+  <p:cSld>
+    <p:spTree>
+      <p:nvGrpSpPr>
+        <p:cNvPr id="1" name=""/>
+        <p:cNvGrpSpPr/>
+        <p:nvPr/>
+      </p:nvGrpSpPr>
+      <p:grpSpPr>
+        <a:xfrm>
+          <a:off x="0" y="0"/>
+          <a:ext cx="0" cy="0"/>
+          <a:chOff x="0" y="0"/>
+          <a:chExt cx="0" cy="0"/>
+        </a:xfrm>
+      </p:grpSpPr>
+      <p:sp>
+        <p:nvSpPr>
+          <p:cNvPr id="2" name="제목 1">
+            <a:extLst>
+              <a:ext uri="{FF2B5EF4-FFF2-40B4-BE49-F238E27FC236}">
+                <a16:creationId xmlns:a16="http://schemas.microsoft.com/office/drawing/2014/main" id="{A4022976-1DD5-4E1D-8E8F-56F702E8D3A6}"/>
+              </a:ext>
+            </a:extLst>
+          </p:cNvPr>
+          <p:cNvSpPr>
+            <a:spLocks noGrp="1"/>
+          </p:cNvSpPr>
+          <p:nvPr>
+            <p:ph type="title"/>
+          </p:nvPr>
+        </p:nvSpPr>
+        <p:spPr/>
+        <p:txBody>
+          <a:bodyPr/>
+          <a:lstStyle/>
+          <a:p>
+            <a:r>
+              <a:rPr lang="ko-KR" altLang="en-US" dirty="0" err="1"/>
+              <a:t>백엔드</a:t>
+            </a:r>
+            <a:r>
+              <a:rPr lang="ko-KR" altLang="en-US" dirty="0"/>
+              <a:t> 프레임워크 만들기</a:t>
+            </a:r>
+          </a:p>
+        </p:txBody>
+      </p:sp>
+      <p:sp>
+        <p:nvSpPr>
+          <p:cNvPr id="3" name="내용 개체 틀 2">
+            <a:extLst>
+              <a:ext uri="{FF2B5EF4-FFF2-40B4-BE49-F238E27FC236}">
+                <a16:creationId xmlns:a16="http://schemas.microsoft.com/office/drawing/2014/main" id="{25FAC798-D43A-4629-AF83-EBBE41DB06CD}"/>
+              </a:ext>
+            </a:extLst>
+          </p:cNvPr>
+          <p:cNvSpPr>
+            <a:spLocks noGrp="1"/>
+          </p:cNvSpPr>
+          <p:nvPr>
+            <p:ph idx="1"/>
+          </p:nvPr>
+        </p:nvSpPr>
+        <p:spPr/>
+        <p:txBody>
+          <a:bodyPr/>
+          <a:lstStyle/>
+          <a:p>
+            <a:r>
+              <a:rPr lang="en-US" altLang="ko-KR" dirty="0"/>
+              <a:t>1</a:t>
+            </a:r>
+            <a:r>
+              <a:rPr lang="ko-KR" altLang="en-US" dirty="0"/>
+              <a:t>주마다 섹션 </a:t>
+            </a:r>
+            <a:r>
+              <a:rPr lang="en-US" altLang="ko-KR" dirty="0"/>
+              <a:t>1</a:t>
+            </a:r>
+            <a:r>
+              <a:rPr lang="ko-KR" altLang="en-US" dirty="0"/>
+              <a:t>개 오픈</a:t>
+            </a:r>
+            <a:endParaRPr lang="en-US" altLang="ko-KR" dirty="0"/>
+          </a:p>
+          <a:p>
+            <a:pPr lvl="1"/>
+            <a:r>
+              <a:rPr lang="ko-KR" altLang="en-US" dirty="0"/>
+              <a:t>첫번째 섹션 오픈은 </a:t>
+            </a:r>
+            <a:r>
+              <a:rPr lang="en-US" altLang="ko-KR" dirty="0"/>
+              <a:t>6</a:t>
+            </a:r>
+            <a:r>
+              <a:rPr lang="ko-KR" altLang="en-US" dirty="0"/>
+              <a:t>월 </a:t>
+            </a:r>
+            <a:r>
+              <a:rPr lang="en-US" altLang="ko-KR" dirty="0"/>
+              <a:t>6</a:t>
+            </a:r>
+            <a:r>
+              <a:rPr lang="ko-KR" altLang="en-US" dirty="0"/>
+              <a:t>일</a:t>
+            </a:r>
+            <a:r>
+              <a:rPr lang="en-US" altLang="ko-KR" dirty="0"/>
+              <a:t>(</a:t>
+            </a:r>
+            <a:r>
+              <a:rPr lang="ko-KR" altLang="en-US" dirty="0"/>
+              <a:t>일</a:t>
+            </a:r>
+            <a:r>
+              <a:rPr lang="en-US" altLang="ko-KR" dirty="0"/>
+              <a:t>)</a:t>
+            </a:r>
+          </a:p>
+          <a:p>
+            <a:pPr lvl="1"/>
+            <a:r>
+              <a:rPr lang="ko-KR" altLang="en-US" dirty="0"/>
+              <a:t>총 </a:t>
+            </a:r>
+            <a:r>
+              <a:rPr lang="en-US" altLang="ko-KR" dirty="0"/>
+              <a:t>7</a:t>
+            </a:r>
+            <a:r>
+              <a:rPr lang="ko-KR" altLang="en-US" dirty="0"/>
+              <a:t>개의 섹션</a:t>
+            </a:r>
+            <a:endParaRPr lang="en-US" altLang="ko-KR" dirty="0"/>
+          </a:p>
+          <a:p>
+            <a:pPr lvl="2"/>
+            <a:r>
+              <a:rPr lang="ko-KR" altLang="en-US" dirty="0" err="1"/>
+              <a:t>비기능</a:t>
+            </a:r>
+            <a:r>
+              <a:rPr lang="ko-KR" altLang="en-US" dirty="0"/>
+              <a:t> 요구사항은 제외</a:t>
+            </a:r>
+            <a:endParaRPr lang="en-US" altLang="ko-KR" dirty="0"/>
+          </a:p>
+          <a:p>
+            <a:r>
+              <a:rPr lang="ko-KR" altLang="en-US" dirty="0"/>
+              <a:t>기존 섹션은 삭제하지 않고 뒤로 이동</a:t>
+            </a:r>
+            <a:endParaRPr lang="en-US" altLang="ko-KR" dirty="0"/>
+          </a:p>
+          <a:p>
+            <a:pPr lvl="1"/>
+            <a:endParaRPr lang="ko-KR" altLang="en-US" dirty="0"/>
+          </a:p>
+        </p:txBody>
+      </p:sp>
+    </p:spTree>
+    <p:extLst>
+      <p:ext uri="{BB962C8B-B14F-4D97-AF65-F5344CB8AC3E}">
+        <p14:creationId xmlns:p14="http://schemas.microsoft.com/office/powerpoint/2010/main" val="918003806"/>
+      </p:ext>
+    </p:extLst>
+  </p:cSld>
+  <p:clrMapOvr>
+    <a:masterClrMapping/>
+  </p:clrMapOvr>
+  <mc:AlternateContent xmlns:mc="http://schemas.openxmlformats.org/markup-compatibility/2006" xmlns:p14="http://schemas.microsoft.com/office/powerpoint/2010/main">
+    <mc:Choice Requires="p14">
+      <p:transition spd="med" p14:dur="700">
+        <p:fade/>
+      </p:transition>
+    </mc:Choice>
+    <mc:Fallback xmlns="">
+      <p:transition spd="med">
+        <p:fade/>
+      </p:transition>
+    </mc:Fallback>
+  </mc:AlternateContent>
+</p:sld>
+</file>
+
+<file path=ppt/slides/slide13.xml><?xml version="1.0" encoding="utf-8"?>
+<p:sld xmlns:a="http://schemas.openxmlformats.org/drawingml/2006/main" xmlns:r="http://schemas.openxmlformats.org/officeDocument/2006/relationships" xmlns:p="http://schemas.openxmlformats.org/presentationml/2006/main">
+  <p:cSld>
+    <p:spTree>
+      <p:nvGrpSpPr>
+        <p:cNvPr id="1" name=""/>
+        <p:cNvGrpSpPr/>
+        <p:nvPr/>
+      </p:nvGrpSpPr>
+      <p:grpSpPr>
+        <a:xfrm>
+          <a:off x="0" y="0"/>
+          <a:ext cx="0" cy="0"/>
+          <a:chOff x="0" y="0"/>
+          <a:chExt cx="0" cy="0"/>
+        </a:xfrm>
+      </p:grpSpPr>
+      <p:sp>
+        <p:nvSpPr>
+          <p:cNvPr id="2" name="제목 1">
+            <a:extLst>
+              <a:ext uri="{FF2B5EF4-FFF2-40B4-BE49-F238E27FC236}">
+                <a16:creationId xmlns:a16="http://schemas.microsoft.com/office/drawing/2014/main" id="{AAE73DD2-2542-494F-9196-ECEB111C6693}"/>
+              </a:ext>
+            </a:extLst>
+          </p:cNvPr>
+          <p:cNvSpPr>
+            <a:spLocks noGrp="1"/>
+          </p:cNvSpPr>
+          <p:nvPr>
+            <p:ph type="title"/>
+          </p:nvPr>
+        </p:nvSpPr>
+        <p:spPr/>
+        <p:txBody>
+          <a:bodyPr/>
+          <a:lstStyle/>
+          <a:p>
+            <a:endParaRPr lang="ko-KR" altLang="en-US"/>
+          </a:p>
+        </p:txBody>
+      </p:sp>
+      <p:sp>
+        <p:nvSpPr>
+          <p:cNvPr id="3" name="내용 개체 틀 2">
+            <a:extLst>
+              <a:ext uri="{FF2B5EF4-FFF2-40B4-BE49-F238E27FC236}">
+                <a16:creationId xmlns:a16="http://schemas.microsoft.com/office/drawing/2014/main" id="{8FD90A86-A97B-4CA5-BE2C-A6C65594F341}"/>
+              </a:ext>
+            </a:extLst>
+          </p:cNvPr>
+          <p:cNvSpPr>
+            <a:spLocks noGrp="1"/>
+          </p:cNvSpPr>
+          <p:nvPr>
+            <p:ph idx="1"/>
+          </p:nvPr>
+        </p:nvSpPr>
+        <p:spPr/>
+        <p:txBody>
+          <a:bodyPr/>
+          <a:lstStyle/>
+          <a:p>
+            <a:endParaRPr lang="ko-KR" altLang="en-US"/>
+          </a:p>
+        </p:txBody>
+      </p:sp>
+    </p:spTree>
+    <p:extLst>
+      <p:ext uri="{BB962C8B-B14F-4D97-AF65-F5344CB8AC3E}">
+        <p14:creationId xmlns:p14="http://schemas.microsoft.com/office/powerpoint/2010/main" val="799738532"/>
+      </p:ext>
+    </p:extLst>
+  </p:cSld>
+  <p:clrMapOvr>
+    <a:masterClrMapping/>
+  </p:clrMapOvr>
+  <mc:AlternateContent xmlns:mc="http://schemas.openxmlformats.org/markup-compatibility/2006" xmlns:p14="http://schemas.microsoft.com/office/powerpoint/2010/main">
+    <mc:Choice Requires="p14">
+      <p:transition spd="med" p14:dur="700">
+        <p:fade/>
+      </p:transition>
+    </mc:Choice>
+    <mc:Fallback xmlns="">
+      <p:transition spd="med">
+        <p:fade/>
+      </p:transition>
+    </mc:Fallback>
+  </mc:AlternateContent>
+</p:sld>
+</file>
+
+<file path=ppt/slides/slide14.xml><?xml version="1.0" encoding="utf-8"?>
+<p:sld xmlns:a="http://schemas.openxmlformats.org/drawingml/2006/main" xmlns:r="http://schemas.openxmlformats.org/officeDocument/2006/relationships" xmlns:p="http://schemas.openxmlformats.org/presentationml/2006/main">
+  <p:cSld>
+    <p:spTree>
+      <p:nvGrpSpPr>
+        <p:cNvPr id="1" name=""/>
+        <p:cNvGrpSpPr/>
+        <p:nvPr/>
+      </p:nvGrpSpPr>
+      <p:grpSpPr>
+        <a:xfrm>
+          <a:off x="0" y="0"/>
+          <a:ext cx="0" cy="0"/>
+          <a:chOff x="0" y="0"/>
+          <a:chExt cx="0" cy="0"/>
+        </a:xfrm>
+      </p:grpSpPr>
+      <p:sp>
+        <p:nvSpPr>
+          <p:cNvPr id="2" name="제목 1">
+            <a:extLst>
+              <a:ext uri="{FF2B5EF4-FFF2-40B4-BE49-F238E27FC236}">
+                <a16:creationId xmlns:a16="http://schemas.microsoft.com/office/drawing/2014/main" id="{97F8358B-7877-400C-9901-54D091608AA8}"/>
+              </a:ext>
+            </a:extLst>
+          </p:cNvPr>
+          <p:cNvSpPr>
+            <a:spLocks noGrp="1"/>
+          </p:cNvSpPr>
+          <p:nvPr>
+            <p:ph type="title"/>
+          </p:nvPr>
+        </p:nvSpPr>
+        <p:spPr/>
+        <p:txBody>
+          <a:bodyPr/>
+          <a:lstStyle/>
+          <a:p>
+            <a:endParaRPr lang="ko-KR" altLang="en-US"/>
+          </a:p>
+        </p:txBody>
+      </p:sp>
+      <p:sp>
+        <p:nvSpPr>
+          <p:cNvPr id="3" name="내용 개체 틀 2">
+            <a:extLst>
+              <a:ext uri="{FF2B5EF4-FFF2-40B4-BE49-F238E27FC236}">
+                <a16:creationId xmlns:a16="http://schemas.microsoft.com/office/drawing/2014/main" id="{E354A31C-D775-49D2-8222-036FE24A5738}"/>
+              </a:ext>
+            </a:extLst>
+          </p:cNvPr>
+          <p:cNvSpPr>
+            <a:spLocks noGrp="1"/>
+          </p:cNvSpPr>
+          <p:nvPr>
+            <p:ph idx="1"/>
+          </p:nvPr>
+        </p:nvSpPr>
+        <p:spPr/>
+        <p:txBody>
+          <a:bodyPr/>
+          <a:lstStyle/>
+          <a:p>
+            <a:endParaRPr lang="ko-KR" altLang="en-US"/>
+          </a:p>
+        </p:txBody>
+      </p:sp>
+    </p:spTree>
+    <p:extLst>
+      <p:ext uri="{BB962C8B-B14F-4D97-AF65-F5344CB8AC3E}">
+        <p14:creationId xmlns:p14="http://schemas.microsoft.com/office/powerpoint/2010/main" val="111942748"/>
+      </p:ext>
+    </p:extLst>
+  </p:cSld>
+  <p:clrMapOvr>
+    <a:masterClrMapping/>
+  </p:clrMapOvr>
+  <mc:AlternateContent xmlns:mc="http://schemas.openxmlformats.org/markup-compatibility/2006" xmlns:p14="http://schemas.microsoft.com/office/powerpoint/2010/main">
+    <mc:Choice Requires="p14">
+      <p:transition spd="med" p14:dur="700">
+        <p:fade/>
+      </p:transition>
+    </mc:Choice>
+    <mc:Fallback xmlns="">
+      <p:transition spd="med">
+        <p:fade/>
+      </p:transition>
+    </mc:Fallback>
+  </mc:AlternateContent>
+</p:sld>
+</file>
+
+<file path=ppt/slides/slide15.xml><?xml version="1.0" encoding="utf-8"?>
+<p:sld xmlns:a="http://schemas.openxmlformats.org/drawingml/2006/main" xmlns:r="http://schemas.openxmlformats.org/officeDocument/2006/relationships" xmlns:p="http://schemas.openxmlformats.org/presentationml/2006/main">
+  <p:cSld>
+    <p:spTree>
+      <p:nvGrpSpPr>
+        <p:cNvPr id="1" name=""/>
+        <p:cNvGrpSpPr/>
+        <p:nvPr/>
+      </p:nvGrpSpPr>
+      <p:grpSpPr>
+        <a:xfrm>
+          <a:off x="0" y="0"/>
+          <a:ext cx="0" cy="0"/>
+          <a:chOff x="0" y="0"/>
+          <a:chExt cx="0" cy="0"/>
+        </a:xfrm>
+      </p:grpSpPr>
+      <p:sp>
+        <p:nvSpPr>
+          <p:cNvPr id="2" name="제목 1">
+            <a:extLst>
+              <a:ext uri="{FF2B5EF4-FFF2-40B4-BE49-F238E27FC236}">
+                <a16:creationId xmlns:a16="http://schemas.microsoft.com/office/drawing/2014/main" id="{CED25931-FCB7-492F-B256-4F01F4B8B2B5}"/>
+              </a:ext>
+            </a:extLst>
+          </p:cNvPr>
+          <p:cNvSpPr>
+            <a:spLocks noGrp="1"/>
+          </p:cNvSpPr>
+          <p:nvPr>
+            <p:ph type="title"/>
+          </p:nvPr>
+        </p:nvSpPr>
+        <p:spPr/>
+        <p:txBody>
+          <a:bodyPr/>
+          <a:lstStyle/>
+          <a:p>
+            <a:endParaRPr lang="ko-KR" altLang="en-US"/>
+          </a:p>
+        </p:txBody>
+      </p:sp>
+      <p:sp>
+        <p:nvSpPr>
+          <p:cNvPr id="3" name="내용 개체 틀 2">
+            <a:extLst>
+              <a:ext uri="{FF2B5EF4-FFF2-40B4-BE49-F238E27FC236}">
+                <a16:creationId xmlns:a16="http://schemas.microsoft.com/office/drawing/2014/main" id="{80A07E91-7684-403E-A4DE-9CC4140D6F2F}"/>
+              </a:ext>
+            </a:extLst>
+          </p:cNvPr>
+          <p:cNvSpPr>
+            <a:spLocks noGrp="1"/>
+          </p:cNvSpPr>
+          <p:nvPr>
+            <p:ph idx="1"/>
+          </p:nvPr>
+        </p:nvSpPr>
+        <p:spPr/>
+        <p:txBody>
+          <a:bodyPr/>
+          <a:lstStyle/>
+          <a:p>
+            <a:endParaRPr lang="ko-KR" altLang="en-US"/>
+          </a:p>
+        </p:txBody>
+      </p:sp>
+    </p:spTree>
+    <p:extLst>
+      <p:ext uri="{BB962C8B-B14F-4D97-AF65-F5344CB8AC3E}">
+        <p14:creationId xmlns:p14="http://schemas.microsoft.com/office/powerpoint/2010/main" val="3528669573"/>
+      </p:ext>
+    </p:extLst>
+  </p:cSld>
+  <p:clrMapOvr>
+    <a:masterClrMapping/>
+  </p:clrMapOvr>
+  <mc:AlternateContent xmlns:mc="http://schemas.openxmlformats.org/markup-compatibility/2006" xmlns:p14="http://schemas.microsoft.com/office/powerpoint/2010/main">
+    <mc:Choice Requires="p14">
+      <p:transition spd="med" p14:dur="700">
+        <p:fade/>
+      </p:transition>
+    </mc:Choice>
+    <mc:Fallback xmlns="">
+      <p:transition spd="med">
+        <p:fade/>
+      </p:transition>
+    </mc:Fallback>
+  </mc:AlternateContent>
+</p:sld>
+</file>
+
+<file path=ppt/slides/slide16.xml><?xml version="1.0" encoding="utf-8"?>
+<p:sld xmlns:a="http://schemas.openxmlformats.org/drawingml/2006/main" xmlns:r="http://schemas.openxmlformats.org/officeDocument/2006/relationships" xmlns:p="http://schemas.openxmlformats.org/presentationml/2006/main">
+  <p:cSld>
+    <p:spTree>
+      <p:nvGrpSpPr>
+        <p:cNvPr id="1" name=""/>
+        <p:cNvGrpSpPr/>
+        <p:nvPr/>
+      </p:nvGrpSpPr>
+      <p:grpSpPr>
+        <a:xfrm>
+          <a:off x="0" y="0"/>
+          <a:ext cx="0" cy="0"/>
+          <a:chOff x="0" y="0"/>
+          <a:chExt cx="0" cy="0"/>
+        </a:xfrm>
+      </p:grpSpPr>
+      <p:sp>
+        <p:nvSpPr>
+          <p:cNvPr id="2" name="제목 1">
+            <a:extLst>
+              <a:ext uri="{FF2B5EF4-FFF2-40B4-BE49-F238E27FC236}">
+                <a16:creationId xmlns:a16="http://schemas.microsoft.com/office/drawing/2014/main" id="{C3DF3210-4719-486C-8BB5-9230827C840E}"/>
+              </a:ext>
+            </a:extLst>
+          </p:cNvPr>
+          <p:cNvSpPr>
+            <a:spLocks noGrp="1"/>
+          </p:cNvSpPr>
+          <p:nvPr>
+            <p:ph type="title"/>
+          </p:nvPr>
+        </p:nvSpPr>
+        <p:spPr/>
+        <p:txBody>
+          <a:bodyPr/>
+          <a:lstStyle/>
+          <a:p>
+            <a:r>
+              <a:rPr lang="ko-KR" altLang="en-US" dirty="0"/>
+              <a:t>게시판 만들기</a:t>
+            </a:r>
+          </a:p>
+        </p:txBody>
+      </p:sp>
+      <p:sp>
+        <p:nvSpPr>
+          <p:cNvPr id="4" name="직사각형 3">
+            <a:extLst>
+              <a:ext uri="{FF2B5EF4-FFF2-40B4-BE49-F238E27FC236}">
+                <a16:creationId xmlns:a16="http://schemas.microsoft.com/office/drawing/2014/main" id="{8526BF26-6D93-4D67-936D-481D96EF95E1}"/>
+              </a:ext>
+            </a:extLst>
+          </p:cNvPr>
+          <p:cNvSpPr/>
+          <p:nvPr/>
+        </p:nvSpPr>
+        <p:spPr>
+          <a:xfrm>
+            <a:off x="1493300" y="2177456"/>
+            <a:ext cx="1065703" cy="442399"/>
+          </a:xfrm>
+          <a:prstGeom prst="rect">
+            <a:avLst/>
+          </a:prstGeom>
+        </p:spPr>
+        <p:style>
+          <a:lnRef idx="2">
+            <a:schemeClr val="accent1">
+              <a:shade val="50000"/>
+            </a:schemeClr>
+          </a:lnRef>
+          <a:fillRef idx="1">
+            <a:schemeClr val="accent1"/>
+          </a:fillRef>
+          <a:effectRef idx="0">
+            <a:schemeClr val="accent1"/>
+          </a:effectRef>
+          <a:fontRef idx="minor">
+            <a:schemeClr val="lt1"/>
+          </a:fontRef>
+        </p:style>
+        <p:txBody>
+          <a:bodyPr rtlCol="0" anchor="ctr"/>
+          <a:lstStyle/>
+          <a:p>
+            <a:pPr algn="ctr"/>
+            <a:r>
+              <a:rPr lang="ko-KR" altLang="en-US" sz="1400" dirty="0"/>
+              <a:t>입력</a:t>
+            </a:r>
+          </a:p>
+        </p:txBody>
+      </p:sp>
+      <p:sp>
+        <p:nvSpPr>
+          <p:cNvPr id="5" name="직사각형 4">
+            <a:extLst>
+              <a:ext uri="{FF2B5EF4-FFF2-40B4-BE49-F238E27FC236}">
+                <a16:creationId xmlns:a16="http://schemas.microsoft.com/office/drawing/2014/main" id="{192ED789-3F9F-48DD-A936-C78ADCA44A09}"/>
+              </a:ext>
+            </a:extLst>
+          </p:cNvPr>
+          <p:cNvSpPr/>
+          <p:nvPr/>
+        </p:nvSpPr>
+        <p:spPr>
+          <a:xfrm>
+            <a:off x="1493300" y="2929873"/>
+            <a:ext cx="1065703" cy="442399"/>
+          </a:xfrm>
+          <a:prstGeom prst="rect">
+            <a:avLst/>
+          </a:prstGeom>
+        </p:spPr>
+        <p:style>
+          <a:lnRef idx="2">
+            <a:schemeClr val="accent1">
+              <a:shade val="50000"/>
+            </a:schemeClr>
+          </a:lnRef>
+          <a:fillRef idx="1">
+            <a:schemeClr val="accent1"/>
+          </a:fillRef>
+          <a:effectRef idx="0">
+            <a:schemeClr val="accent1"/>
+          </a:effectRef>
+          <a:fontRef idx="minor">
+            <a:schemeClr val="lt1"/>
+          </a:fontRef>
+        </p:style>
+        <p:txBody>
+          <a:bodyPr rtlCol="0" anchor="ctr"/>
+          <a:lstStyle/>
+          <a:p>
+            <a:pPr algn="ctr"/>
+            <a:r>
+              <a:rPr lang="ko-KR" altLang="en-US" sz="1400"/>
+              <a:t>수정</a:t>
+            </a:r>
+            <a:endParaRPr lang="ko-KR" altLang="en-US" sz="1400" dirty="0"/>
+          </a:p>
+        </p:txBody>
+      </p:sp>
+      <p:sp>
+        <p:nvSpPr>
+          <p:cNvPr id="6" name="직사각형 5">
+            <a:extLst>
+              <a:ext uri="{FF2B5EF4-FFF2-40B4-BE49-F238E27FC236}">
+                <a16:creationId xmlns:a16="http://schemas.microsoft.com/office/drawing/2014/main" id="{9887F412-954B-4CCE-A7DD-D8CEEAB0618D}"/>
+              </a:ext>
+            </a:extLst>
+          </p:cNvPr>
+          <p:cNvSpPr/>
+          <p:nvPr/>
+        </p:nvSpPr>
+        <p:spPr>
+          <a:xfrm>
+            <a:off x="1493299" y="3682290"/>
+            <a:ext cx="1065703" cy="442399"/>
+          </a:xfrm>
+          <a:prstGeom prst="rect">
+            <a:avLst/>
+          </a:prstGeom>
+        </p:spPr>
+        <p:style>
+          <a:lnRef idx="2">
+            <a:schemeClr val="accent1">
+              <a:shade val="50000"/>
+            </a:schemeClr>
+          </a:lnRef>
+          <a:fillRef idx="1">
+            <a:schemeClr val="accent1"/>
+          </a:fillRef>
+          <a:effectRef idx="0">
+            <a:schemeClr val="accent1"/>
+          </a:effectRef>
+          <a:fontRef idx="minor">
+            <a:schemeClr val="lt1"/>
+          </a:fontRef>
+        </p:style>
+        <p:txBody>
+          <a:bodyPr rtlCol="0" anchor="ctr"/>
+          <a:lstStyle/>
+          <a:p>
+            <a:pPr algn="ctr"/>
+            <a:r>
+              <a:rPr lang="ko-KR" altLang="en-US" sz="1400" dirty="0"/>
+              <a:t>삭제</a:t>
+            </a:r>
+          </a:p>
+        </p:txBody>
+      </p:sp>
+      <p:sp>
+        <p:nvSpPr>
+          <p:cNvPr id="7" name="직사각형 6">
+            <a:extLst>
+              <a:ext uri="{FF2B5EF4-FFF2-40B4-BE49-F238E27FC236}">
+                <a16:creationId xmlns:a16="http://schemas.microsoft.com/office/drawing/2014/main" id="{72A308C0-BBEA-443F-8C87-B588928F0744}"/>
+              </a:ext>
+            </a:extLst>
+          </p:cNvPr>
+          <p:cNvSpPr/>
+          <p:nvPr/>
+        </p:nvSpPr>
+        <p:spPr>
+          <a:xfrm>
+            <a:off x="1493299" y="4488957"/>
+            <a:ext cx="1065703" cy="442399"/>
+          </a:xfrm>
+          <a:prstGeom prst="rect">
+            <a:avLst/>
+          </a:prstGeom>
+        </p:spPr>
+        <p:style>
+          <a:lnRef idx="2">
+            <a:schemeClr val="accent1">
+              <a:shade val="50000"/>
+            </a:schemeClr>
+          </a:lnRef>
+          <a:fillRef idx="1">
+            <a:schemeClr val="accent1"/>
+          </a:fillRef>
+          <a:effectRef idx="0">
+            <a:schemeClr val="accent1"/>
+          </a:effectRef>
+          <a:fontRef idx="minor">
+            <a:schemeClr val="lt1"/>
+          </a:fontRef>
+        </p:style>
+        <p:txBody>
+          <a:bodyPr rtlCol="0" anchor="ctr"/>
+          <a:lstStyle/>
+          <a:p>
+            <a:pPr algn="ctr"/>
+            <a:r>
+              <a:rPr lang="ko-KR" altLang="en-US" sz="1400"/>
+              <a:t>조회</a:t>
+            </a:r>
+            <a:endParaRPr lang="ko-KR" altLang="en-US" sz="1400" dirty="0"/>
+          </a:p>
+        </p:txBody>
+      </p:sp>
+    </p:spTree>
+    <p:extLst>
+      <p:ext uri="{BB962C8B-B14F-4D97-AF65-F5344CB8AC3E}">
+        <p14:creationId xmlns:p14="http://schemas.microsoft.com/office/powerpoint/2010/main" val="650091539"/>
+      </p:ext>
+    </p:extLst>
+  </p:cSld>
+  <p:clrMapOvr>
+    <a:masterClrMapping/>
+  </p:clrMapOvr>
+  <mc:AlternateContent xmlns:mc="http://schemas.openxmlformats.org/markup-compatibility/2006" xmlns:p14="http://schemas.microsoft.com/office/powerpoint/2010/main">
+    <mc:Choice Requires="p14">
+      <p:transition spd="med" p14:dur="700">
+        <p:fade/>
+      </p:transition>
+    </mc:Choice>
+    <mc:Fallback xmlns="">
+      <p:transition spd="med">
+        <p:fade/>
+      </p:transition>
+    </mc:Fallback>
+  </mc:AlternateContent>
+</p:sld>
+</file>
+
+<file path=ppt/slides/slide17.xml><?xml version="1.0" encoding="utf-8"?>
+<p:sld xmlns:a="http://schemas.openxmlformats.org/drawingml/2006/main" xmlns:r="http://schemas.openxmlformats.org/officeDocument/2006/relationships" xmlns:p="http://schemas.openxmlformats.org/presentationml/2006/main">
+  <p:cSld>
+    <p:spTree>
+      <p:nvGrpSpPr>
+        <p:cNvPr id="1" name=""/>
+        <p:cNvGrpSpPr/>
+        <p:nvPr/>
+      </p:nvGrpSpPr>
+      <p:grpSpPr>
+        <a:xfrm>
+          <a:off x="0" y="0"/>
+          <a:ext cx="0" cy="0"/>
+          <a:chOff x="0" y="0"/>
+          <a:chExt cx="0" cy="0"/>
+        </a:xfrm>
+      </p:grpSpPr>
+      <p:sp>
+        <p:nvSpPr>
+          <p:cNvPr id="2" name="제목 1">
+            <a:extLst>
+              <a:ext uri="{FF2B5EF4-FFF2-40B4-BE49-F238E27FC236}">
+                <a16:creationId xmlns:a16="http://schemas.microsoft.com/office/drawing/2014/main" id="{C3DF3210-4719-486C-8BB5-9230827C840E}"/>
+              </a:ext>
+            </a:extLst>
+          </p:cNvPr>
+          <p:cNvSpPr>
+            <a:spLocks noGrp="1"/>
+          </p:cNvSpPr>
+          <p:nvPr>
+            <p:ph type="title"/>
+          </p:nvPr>
+        </p:nvSpPr>
+        <p:spPr/>
+        <p:txBody>
+          <a:bodyPr/>
+          <a:lstStyle/>
+          <a:p>
+            <a:r>
+              <a:rPr lang="ko-KR" altLang="en-US" dirty="0"/>
+              <a:t>게시판 만들기</a:t>
+            </a:r>
+          </a:p>
+        </p:txBody>
+      </p:sp>
+      <p:sp>
+        <p:nvSpPr>
+          <p:cNvPr id="4" name="직사각형 3">
+            <a:extLst>
+              <a:ext uri="{FF2B5EF4-FFF2-40B4-BE49-F238E27FC236}">
+                <a16:creationId xmlns:a16="http://schemas.microsoft.com/office/drawing/2014/main" id="{8526BF26-6D93-4D67-936D-481D96EF95E1}"/>
+              </a:ext>
+            </a:extLst>
+          </p:cNvPr>
+          <p:cNvSpPr/>
+          <p:nvPr/>
+        </p:nvSpPr>
+        <p:spPr>
+          <a:xfrm>
+            <a:off x="1493300" y="2177456"/>
+            <a:ext cx="1065703" cy="442399"/>
+          </a:xfrm>
+          <a:prstGeom prst="rect">
+            <a:avLst/>
+          </a:prstGeom>
+        </p:spPr>
+        <p:style>
+          <a:lnRef idx="2">
+            <a:schemeClr val="accent1">
+              <a:shade val="50000"/>
+            </a:schemeClr>
+          </a:lnRef>
+          <a:fillRef idx="1">
+            <a:schemeClr val="accent1"/>
+          </a:fillRef>
+          <a:effectRef idx="0">
+            <a:schemeClr val="accent1"/>
+          </a:effectRef>
+          <a:fontRef idx="minor">
+            <a:schemeClr val="lt1"/>
+          </a:fontRef>
+        </p:style>
+        <p:txBody>
+          <a:bodyPr rtlCol="0" anchor="ctr"/>
+          <a:lstStyle/>
+          <a:p>
+            <a:pPr algn="ctr"/>
+            <a:r>
+              <a:rPr lang="ko-KR" altLang="en-US" sz="1400" dirty="0"/>
+              <a:t>입력</a:t>
+            </a:r>
+          </a:p>
+        </p:txBody>
+      </p:sp>
+      <p:sp>
+        <p:nvSpPr>
+          <p:cNvPr id="5" name="직사각형 4">
+            <a:extLst>
+              <a:ext uri="{FF2B5EF4-FFF2-40B4-BE49-F238E27FC236}">
+                <a16:creationId xmlns:a16="http://schemas.microsoft.com/office/drawing/2014/main" id="{192ED789-3F9F-48DD-A936-C78ADCA44A09}"/>
+              </a:ext>
+            </a:extLst>
+          </p:cNvPr>
+          <p:cNvSpPr/>
+          <p:nvPr/>
+        </p:nvSpPr>
+        <p:spPr>
+          <a:xfrm>
+            <a:off x="1493300" y="2929873"/>
+            <a:ext cx="1065703" cy="442399"/>
+          </a:xfrm>
+          <a:prstGeom prst="rect">
+            <a:avLst/>
+          </a:prstGeom>
+        </p:spPr>
+        <p:style>
+          <a:lnRef idx="2">
+            <a:schemeClr val="accent1">
+              <a:shade val="50000"/>
+            </a:schemeClr>
+          </a:lnRef>
+          <a:fillRef idx="1">
+            <a:schemeClr val="accent1"/>
+          </a:fillRef>
+          <a:effectRef idx="0">
+            <a:schemeClr val="accent1"/>
+          </a:effectRef>
+          <a:fontRef idx="minor">
+            <a:schemeClr val="lt1"/>
+          </a:fontRef>
+        </p:style>
+        <p:txBody>
+          <a:bodyPr rtlCol="0" anchor="ctr"/>
+          <a:lstStyle/>
+          <a:p>
+            <a:pPr algn="ctr"/>
+            <a:r>
+              <a:rPr lang="ko-KR" altLang="en-US" sz="1400"/>
+              <a:t>수정</a:t>
+            </a:r>
+            <a:endParaRPr lang="ko-KR" altLang="en-US" sz="1400" dirty="0"/>
+          </a:p>
+        </p:txBody>
+      </p:sp>
+      <p:sp>
+        <p:nvSpPr>
+          <p:cNvPr id="6" name="직사각형 5">
+            <a:extLst>
+              <a:ext uri="{FF2B5EF4-FFF2-40B4-BE49-F238E27FC236}">
+                <a16:creationId xmlns:a16="http://schemas.microsoft.com/office/drawing/2014/main" id="{9887F412-954B-4CCE-A7DD-D8CEEAB0618D}"/>
+              </a:ext>
+            </a:extLst>
+          </p:cNvPr>
+          <p:cNvSpPr/>
+          <p:nvPr/>
+        </p:nvSpPr>
+        <p:spPr>
+          <a:xfrm>
+            <a:off x="1493299" y="3682290"/>
+            <a:ext cx="1065703" cy="442399"/>
+          </a:xfrm>
+          <a:prstGeom prst="rect">
+            <a:avLst/>
+          </a:prstGeom>
+        </p:spPr>
+        <p:style>
+          <a:lnRef idx="2">
+            <a:schemeClr val="accent1">
+              <a:shade val="50000"/>
+            </a:schemeClr>
+          </a:lnRef>
+          <a:fillRef idx="1">
+            <a:schemeClr val="accent1"/>
+          </a:fillRef>
+          <a:effectRef idx="0">
+            <a:schemeClr val="accent1"/>
+          </a:effectRef>
+          <a:fontRef idx="minor">
+            <a:schemeClr val="lt1"/>
+          </a:fontRef>
+        </p:style>
+        <p:txBody>
+          <a:bodyPr rtlCol="0" anchor="ctr"/>
+          <a:lstStyle/>
+          <a:p>
+            <a:pPr algn="ctr"/>
+            <a:r>
+              <a:rPr lang="ko-KR" altLang="en-US" sz="1400" dirty="0"/>
+              <a:t>삭제</a:t>
+            </a:r>
+          </a:p>
+        </p:txBody>
+      </p:sp>
+      <p:sp>
+        <p:nvSpPr>
+          <p:cNvPr id="7" name="직사각형 6">
+            <a:extLst>
+              <a:ext uri="{FF2B5EF4-FFF2-40B4-BE49-F238E27FC236}">
+                <a16:creationId xmlns:a16="http://schemas.microsoft.com/office/drawing/2014/main" id="{72A308C0-BBEA-443F-8C87-B588928F0744}"/>
+              </a:ext>
+            </a:extLst>
+          </p:cNvPr>
+          <p:cNvSpPr/>
+          <p:nvPr/>
+        </p:nvSpPr>
+        <p:spPr>
+          <a:xfrm>
+            <a:off x="1493299" y="4488957"/>
+            <a:ext cx="1065703" cy="442399"/>
+          </a:xfrm>
+          <a:prstGeom prst="rect">
+            <a:avLst/>
+          </a:prstGeom>
+        </p:spPr>
+        <p:style>
+          <a:lnRef idx="2">
+            <a:schemeClr val="accent1">
+              <a:shade val="50000"/>
+            </a:schemeClr>
+          </a:lnRef>
+          <a:fillRef idx="1">
+            <a:schemeClr val="accent1"/>
+          </a:fillRef>
+          <a:effectRef idx="0">
+            <a:schemeClr val="accent1"/>
+          </a:effectRef>
+          <a:fontRef idx="minor">
+            <a:schemeClr val="lt1"/>
+          </a:fontRef>
+        </p:style>
+        <p:txBody>
+          <a:bodyPr rtlCol="0" anchor="ctr"/>
+          <a:lstStyle/>
+          <a:p>
+            <a:pPr algn="ctr"/>
+            <a:r>
+              <a:rPr lang="ko-KR" altLang="en-US" sz="1400"/>
+              <a:t>조회</a:t>
+            </a:r>
+            <a:endParaRPr lang="ko-KR" altLang="en-US" sz="1400" dirty="0"/>
+          </a:p>
+        </p:txBody>
+      </p:sp>
+      <p:sp>
+        <p:nvSpPr>
+          <p:cNvPr id="12" name="직사각형 11">
+            <a:extLst>
+              <a:ext uri="{FF2B5EF4-FFF2-40B4-BE49-F238E27FC236}">
+                <a16:creationId xmlns:a16="http://schemas.microsoft.com/office/drawing/2014/main" id="{F0317928-2B73-45A2-B70F-D4F4CBD11AF8}"/>
+              </a:ext>
+            </a:extLst>
+          </p:cNvPr>
+          <p:cNvSpPr/>
+          <p:nvPr/>
+        </p:nvSpPr>
+        <p:spPr>
+          <a:xfrm>
+            <a:off x="3051405" y="2487474"/>
+            <a:ext cx="1065703" cy="442399"/>
+          </a:xfrm>
+          <a:prstGeom prst="rect">
+            <a:avLst/>
+          </a:prstGeom>
+        </p:spPr>
+        <p:style>
+          <a:lnRef idx="2">
+            <a:schemeClr val="accent1">
+              <a:shade val="50000"/>
+            </a:schemeClr>
+          </a:lnRef>
+          <a:fillRef idx="1">
+            <a:schemeClr val="accent1"/>
+          </a:fillRef>
+          <a:effectRef idx="0">
+            <a:schemeClr val="accent1"/>
+          </a:effectRef>
+          <a:fontRef idx="minor">
+            <a:schemeClr val="lt1"/>
+          </a:fontRef>
+        </p:style>
+        <p:txBody>
+          <a:bodyPr rtlCol="0" anchor="ctr"/>
+          <a:lstStyle/>
+          <a:p>
+            <a:pPr algn="ctr"/>
+            <a:r>
+              <a:rPr lang="ko-KR" altLang="en-US" sz="1400" dirty="0" err="1"/>
+              <a:t>서블릿</a:t>
+            </a:r>
+            <a:endParaRPr lang="ko-KR" altLang="en-US" sz="1400" dirty="0"/>
+          </a:p>
+        </p:txBody>
+      </p:sp>
+      <p:sp>
+        <p:nvSpPr>
+          <p:cNvPr id="13" name="직사각형 12">
+            <a:extLst>
+              <a:ext uri="{FF2B5EF4-FFF2-40B4-BE49-F238E27FC236}">
+                <a16:creationId xmlns:a16="http://schemas.microsoft.com/office/drawing/2014/main" id="{DDCE4059-DD10-4A18-AFA8-CCF63BD52C12}"/>
+              </a:ext>
+            </a:extLst>
+          </p:cNvPr>
+          <p:cNvSpPr/>
+          <p:nvPr/>
+        </p:nvSpPr>
+        <p:spPr>
+          <a:xfrm>
+            <a:off x="3051404" y="3284300"/>
+            <a:ext cx="1065703" cy="442399"/>
+          </a:xfrm>
+          <a:prstGeom prst="rect">
+            <a:avLst/>
+          </a:prstGeom>
+        </p:spPr>
+        <p:style>
+          <a:lnRef idx="2">
+            <a:schemeClr val="accent1">
+              <a:shade val="50000"/>
+            </a:schemeClr>
+          </a:lnRef>
+          <a:fillRef idx="1">
+            <a:schemeClr val="accent1"/>
+          </a:fillRef>
+          <a:effectRef idx="0">
+            <a:schemeClr val="accent1"/>
+          </a:effectRef>
+          <a:fontRef idx="minor">
+            <a:schemeClr val="lt1"/>
+          </a:fontRef>
+        </p:style>
+        <p:txBody>
+          <a:bodyPr rtlCol="0" anchor="ctr"/>
+          <a:lstStyle/>
+          <a:p>
+            <a:pPr algn="ctr"/>
+            <a:r>
+              <a:rPr lang="en-US" altLang="ko-KR" sz="1400" dirty="0"/>
+              <a:t>MVC</a:t>
+            </a:r>
+            <a:endParaRPr lang="ko-KR" altLang="en-US" sz="1400" dirty="0"/>
+          </a:p>
+        </p:txBody>
+      </p:sp>
+      <p:sp>
+        <p:nvSpPr>
+          <p:cNvPr id="14" name="직사각형 13">
+            <a:extLst>
+              <a:ext uri="{FF2B5EF4-FFF2-40B4-BE49-F238E27FC236}">
+                <a16:creationId xmlns:a16="http://schemas.microsoft.com/office/drawing/2014/main" id="{1B6E7718-D658-440F-86BB-90D98FA02CDA}"/>
+              </a:ext>
+            </a:extLst>
+          </p:cNvPr>
+          <p:cNvSpPr/>
+          <p:nvPr/>
+        </p:nvSpPr>
+        <p:spPr>
+          <a:xfrm>
+            <a:off x="3051404" y="4079456"/>
+            <a:ext cx="1065703" cy="442399"/>
+          </a:xfrm>
+          <a:prstGeom prst="rect">
+            <a:avLst/>
+          </a:prstGeom>
+        </p:spPr>
+        <p:style>
+          <a:lnRef idx="2">
+            <a:schemeClr val="accent1">
+              <a:shade val="50000"/>
+            </a:schemeClr>
+          </a:lnRef>
+          <a:fillRef idx="1">
+            <a:schemeClr val="accent1"/>
+          </a:fillRef>
+          <a:effectRef idx="0">
+            <a:schemeClr val="accent1"/>
+          </a:effectRef>
+          <a:fontRef idx="minor">
+            <a:schemeClr val="lt1"/>
+          </a:fontRef>
+        </p:style>
+        <p:txBody>
+          <a:bodyPr rtlCol="0" anchor="ctr"/>
+          <a:lstStyle/>
+          <a:p>
+            <a:pPr algn="ctr"/>
+            <a:r>
+              <a:rPr lang="ko-KR" altLang="en-US" sz="1200" dirty="0"/>
+              <a:t>프레임워크</a:t>
+            </a:r>
+          </a:p>
+        </p:txBody>
+      </p:sp>
+    </p:spTree>
+    <p:extLst>
+      <p:ext uri="{BB962C8B-B14F-4D97-AF65-F5344CB8AC3E}">
+        <p14:creationId xmlns:p14="http://schemas.microsoft.com/office/powerpoint/2010/main" val="1236967284"/>
+      </p:ext>
+    </p:extLst>
+  </p:cSld>
+  <p:clrMapOvr>
+    <a:masterClrMapping/>
+  </p:clrMapOvr>
+  <mc:AlternateContent xmlns:mc="http://schemas.openxmlformats.org/markup-compatibility/2006" xmlns:p14="http://schemas.microsoft.com/office/powerpoint/2010/main">
+    <mc:Choice Requires="p14">
+      <p:transition spd="med" p14:dur="700">
+        <p:fade/>
+      </p:transition>
+    </mc:Choice>
+    <mc:Fallback xmlns="">
+      <p:transition spd="med">
+        <p:fade/>
+      </p:transition>
+    </mc:Fallback>
+  </mc:AlternateContent>
+</p:sld>
+</file>
+
+<file path=ppt/slides/slide18.xml><?xml version="1.0" encoding="utf-8"?>
+<p:sld xmlns:a="http://schemas.openxmlformats.org/drawingml/2006/main" xmlns:r="http://schemas.openxmlformats.org/officeDocument/2006/relationships" xmlns:p="http://schemas.openxmlformats.org/presentationml/2006/main">
+  <p:cSld>
+    <p:spTree>
+      <p:nvGrpSpPr>
+        <p:cNvPr id="1" name=""/>
+        <p:cNvGrpSpPr/>
+        <p:nvPr/>
+      </p:nvGrpSpPr>
+      <p:grpSpPr>
+        <a:xfrm>
+          <a:off x="0" y="0"/>
+          <a:ext cx="0" cy="0"/>
+          <a:chOff x="0" y="0"/>
+          <a:chExt cx="0" cy="0"/>
+        </a:xfrm>
+      </p:grpSpPr>
+      <p:sp>
+        <p:nvSpPr>
+          <p:cNvPr id="2" name="제목 1">
+            <a:extLst>
+              <a:ext uri="{FF2B5EF4-FFF2-40B4-BE49-F238E27FC236}">
+                <a16:creationId xmlns:a16="http://schemas.microsoft.com/office/drawing/2014/main" id="{C3DF3210-4719-486C-8BB5-9230827C840E}"/>
+              </a:ext>
+            </a:extLst>
+          </p:cNvPr>
+          <p:cNvSpPr>
+            <a:spLocks noGrp="1"/>
+          </p:cNvSpPr>
+          <p:nvPr>
+            <p:ph type="title"/>
+          </p:nvPr>
+        </p:nvSpPr>
+        <p:spPr/>
+        <p:txBody>
+          <a:bodyPr/>
+          <a:lstStyle/>
+          <a:p>
+            <a:r>
+              <a:rPr lang="ko-KR" altLang="en-US" dirty="0"/>
+              <a:t>게시판 만들기</a:t>
+            </a:r>
+          </a:p>
+        </p:txBody>
+      </p:sp>
+      <p:sp>
+        <p:nvSpPr>
+          <p:cNvPr id="4" name="직사각형 3">
+            <a:extLst>
+              <a:ext uri="{FF2B5EF4-FFF2-40B4-BE49-F238E27FC236}">
+                <a16:creationId xmlns:a16="http://schemas.microsoft.com/office/drawing/2014/main" id="{8526BF26-6D93-4D67-936D-481D96EF95E1}"/>
+              </a:ext>
+            </a:extLst>
+          </p:cNvPr>
+          <p:cNvSpPr/>
+          <p:nvPr/>
+        </p:nvSpPr>
+        <p:spPr>
+          <a:xfrm>
+            <a:off x="1493300" y="2177456"/>
+            <a:ext cx="1065703" cy="442399"/>
+          </a:xfrm>
+          <a:prstGeom prst="rect">
+            <a:avLst/>
+          </a:prstGeom>
+        </p:spPr>
+        <p:style>
+          <a:lnRef idx="2">
+            <a:schemeClr val="accent1">
+              <a:shade val="50000"/>
+            </a:schemeClr>
+          </a:lnRef>
+          <a:fillRef idx="1">
+            <a:schemeClr val="accent1"/>
+          </a:fillRef>
+          <a:effectRef idx="0">
+            <a:schemeClr val="accent1"/>
+          </a:effectRef>
+          <a:fontRef idx="minor">
+            <a:schemeClr val="lt1"/>
+          </a:fontRef>
+        </p:style>
+        <p:txBody>
+          <a:bodyPr rtlCol="0" anchor="ctr"/>
+          <a:lstStyle/>
+          <a:p>
+            <a:pPr algn="ctr"/>
+            <a:r>
+              <a:rPr lang="ko-KR" altLang="en-US" sz="1400" dirty="0"/>
+              <a:t>입력</a:t>
+            </a:r>
+          </a:p>
+        </p:txBody>
+      </p:sp>
+      <p:sp>
+        <p:nvSpPr>
+          <p:cNvPr id="5" name="직사각형 4">
+            <a:extLst>
+              <a:ext uri="{FF2B5EF4-FFF2-40B4-BE49-F238E27FC236}">
+                <a16:creationId xmlns:a16="http://schemas.microsoft.com/office/drawing/2014/main" id="{192ED789-3F9F-48DD-A936-C78ADCA44A09}"/>
+              </a:ext>
+            </a:extLst>
+          </p:cNvPr>
+          <p:cNvSpPr/>
+          <p:nvPr/>
+        </p:nvSpPr>
+        <p:spPr>
+          <a:xfrm>
+            <a:off x="1493300" y="2929873"/>
+            <a:ext cx="1065703" cy="442399"/>
+          </a:xfrm>
+          <a:prstGeom prst="rect">
+            <a:avLst/>
+          </a:prstGeom>
+        </p:spPr>
+        <p:style>
+          <a:lnRef idx="2">
+            <a:schemeClr val="accent1">
+              <a:shade val="50000"/>
+            </a:schemeClr>
+          </a:lnRef>
+          <a:fillRef idx="1">
+            <a:schemeClr val="accent1"/>
+          </a:fillRef>
+          <a:effectRef idx="0">
+            <a:schemeClr val="accent1"/>
+          </a:effectRef>
+          <a:fontRef idx="minor">
+            <a:schemeClr val="lt1"/>
+          </a:fontRef>
+        </p:style>
+        <p:txBody>
+          <a:bodyPr rtlCol="0" anchor="ctr"/>
+          <a:lstStyle/>
+          <a:p>
+            <a:pPr algn="ctr"/>
+            <a:r>
+              <a:rPr lang="ko-KR" altLang="en-US" sz="1400"/>
+              <a:t>수정</a:t>
+            </a:r>
+            <a:endParaRPr lang="ko-KR" altLang="en-US" sz="1400" dirty="0"/>
+          </a:p>
+        </p:txBody>
+      </p:sp>
+      <p:sp>
+        <p:nvSpPr>
+          <p:cNvPr id="6" name="직사각형 5">
+            <a:extLst>
+              <a:ext uri="{FF2B5EF4-FFF2-40B4-BE49-F238E27FC236}">
+                <a16:creationId xmlns:a16="http://schemas.microsoft.com/office/drawing/2014/main" id="{9887F412-954B-4CCE-A7DD-D8CEEAB0618D}"/>
+              </a:ext>
+            </a:extLst>
+          </p:cNvPr>
+          <p:cNvSpPr/>
+          <p:nvPr/>
+        </p:nvSpPr>
+        <p:spPr>
+          <a:xfrm>
+            <a:off x="1493299" y="3682290"/>
+            <a:ext cx="1065703" cy="442399"/>
+          </a:xfrm>
+          <a:prstGeom prst="rect">
+            <a:avLst/>
+          </a:prstGeom>
+        </p:spPr>
+        <p:style>
+          <a:lnRef idx="2">
+            <a:schemeClr val="accent1">
+              <a:shade val="50000"/>
+            </a:schemeClr>
+          </a:lnRef>
+          <a:fillRef idx="1">
+            <a:schemeClr val="accent1"/>
+          </a:fillRef>
+          <a:effectRef idx="0">
+            <a:schemeClr val="accent1"/>
+          </a:effectRef>
+          <a:fontRef idx="minor">
+            <a:schemeClr val="lt1"/>
+          </a:fontRef>
+        </p:style>
+        <p:txBody>
+          <a:bodyPr rtlCol="0" anchor="ctr"/>
+          <a:lstStyle/>
+          <a:p>
+            <a:pPr algn="ctr"/>
+            <a:r>
+              <a:rPr lang="ko-KR" altLang="en-US" sz="1400" dirty="0"/>
+              <a:t>삭제</a:t>
+            </a:r>
+          </a:p>
+        </p:txBody>
+      </p:sp>
+      <p:sp>
+        <p:nvSpPr>
+          <p:cNvPr id="7" name="직사각형 6">
+            <a:extLst>
+              <a:ext uri="{FF2B5EF4-FFF2-40B4-BE49-F238E27FC236}">
+                <a16:creationId xmlns:a16="http://schemas.microsoft.com/office/drawing/2014/main" id="{72A308C0-BBEA-443F-8C87-B588928F0744}"/>
+              </a:ext>
+            </a:extLst>
+          </p:cNvPr>
+          <p:cNvSpPr/>
+          <p:nvPr/>
+        </p:nvSpPr>
+        <p:spPr>
+          <a:xfrm>
+            <a:off x="1493299" y="4488957"/>
+            <a:ext cx="1065703" cy="442399"/>
+          </a:xfrm>
+          <a:prstGeom prst="rect">
+            <a:avLst/>
+          </a:prstGeom>
+        </p:spPr>
+        <p:style>
+          <a:lnRef idx="2">
+            <a:schemeClr val="accent1">
+              <a:shade val="50000"/>
+            </a:schemeClr>
+          </a:lnRef>
+          <a:fillRef idx="1">
+            <a:schemeClr val="accent1"/>
+          </a:fillRef>
+          <a:effectRef idx="0">
+            <a:schemeClr val="accent1"/>
+          </a:effectRef>
+          <a:fontRef idx="minor">
+            <a:schemeClr val="lt1"/>
+          </a:fontRef>
+        </p:style>
+        <p:txBody>
+          <a:bodyPr rtlCol="0" anchor="ctr"/>
+          <a:lstStyle/>
+          <a:p>
+            <a:pPr algn="ctr"/>
+            <a:r>
+              <a:rPr lang="ko-KR" altLang="en-US" sz="1400"/>
+              <a:t>조회</a:t>
+            </a:r>
+            <a:endParaRPr lang="ko-KR" altLang="en-US" sz="1400" dirty="0"/>
+          </a:p>
+        </p:txBody>
+      </p:sp>
+      <p:sp>
+        <p:nvSpPr>
+          <p:cNvPr id="9" name="직사각형 8">
+            <a:extLst>
+              <a:ext uri="{FF2B5EF4-FFF2-40B4-BE49-F238E27FC236}">
+                <a16:creationId xmlns:a16="http://schemas.microsoft.com/office/drawing/2014/main" id="{38C3107B-5253-4A5D-9B5B-3D1FFB0FE964}"/>
+              </a:ext>
+            </a:extLst>
+          </p:cNvPr>
+          <p:cNvSpPr/>
+          <p:nvPr/>
+        </p:nvSpPr>
+        <p:spPr>
+          <a:xfrm>
+            <a:off x="4649408" y="2895183"/>
+            <a:ext cx="1065703" cy="486255"/>
+          </a:xfrm>
+          <a:prstGeom prst="rect">
+            <a:avLst/>
+          </a:prstGeom>
+        </p:spPr>
+        <p:style>
+          <a:lnRef idx="2">
+            <a:schemeClr val="accent1">
+              <a:shade val="50000"/>
+            </a:schemeClr>
+          </a:lnRef>
+          <a:fillRef idx="1">
+            <a:schemeClr val="accent1"/>
+          </a:fillRef>
+          <a:effectRef idx="0">
+            <a:schemeClr val="accent1"/>
+          </a:effectRef>
+          <a:fontRef idx="minor">
+            <a:schemeClr val="lt1"/>
+          </a:fontRef>
+        </p:style>
+        <p:txBody>
+          <a:bodyPr rtlCol="0" anchor="ctr"/>
+          <a:lstStyle/>
+          <a:p>
+            <a:pPr algn="ctr"/>
+            <a:r>
+              <a:rPr lang="ko-KR" altLang="en-US" sz="1400" dirty="0"/>
+              <a:t>인증</a:t>
+            </a:r>
+          </a:p>
+        </p:txBody>
+      </p:sp>
+      <p:sp>
+        <p:nvSpPr>
+          <p:cNvPr id="10" name="직사각형 9">
+            <a:extLst>
+              <a:ext uri="{FF2B5EF4-FFF2-40B4-BE49-F238E27FC236}">
+                <a16:creationId xmlns:a16="http://schemas.microsoft.com/office/drawing/2014/main" id="{21BBC8A5-5FAC-43E5-94BC-6CE26648934F}"/>
+              </a:ext>
+            </a:extLst>
+          </p:cNvPr>
+          <p:cNvSpPr/>
+          <p:nvPr/>
+        </p:nvSpPr>
+        <p:spPr>
+          <a:xfrm>
+            <a:off x="4649408" y="3640737"/>
+            <a:ext cx="1065703" cy="486255"/>
+          </a:xfrm>
+          <a:prstGeom prst="rect">
+            <a:avLst/>
+          </a:prstGeom>
+        </p:spPr>
+        <p:style>
+          <a:lnRef idx="2">
+            <a:schemeClr val="accent1">
+              <a:shade val="50000"/>
+            </a:schemeClr>
+          </a:lnRef>
+          <a:fillRef idx="1">
+            <a:schemeClr val="accent1"/>
+          </a:fillRef>
+          <a:effectRef idx="0">
+            <a:schemeClr val="accent1"/>
+          </a:effectRef>
+          <a:fontRef idx="minor">
+            <a:schemeClr val="lt1"/>
+          </a:fontRef>
+        </p:style>
+        <p:txBody>
+          <a:bodyPr rtlCol="0" anchor="ctr"/>
+          <a:lstStyle/>
+          <a:p>
+            <a:pPr algn="ctr"/>
+            <a:r>
+              <a:rPr lang="ko-KR" altLang="en-US" sz="1400" dirty="0"/>
+              <a:t>접근제어</a:t>
+            </a:r>
+          </a:p>
+        </p:txBody>
+      </p:sp>
+      <p:sp>
+        <p:nvSpPr>
+          <p:cNvPr id="11" name="직사각형 10">
+            <a:extLst>
+              <a:ext uri="{FF2B5EF4-FFF2-40B4-BE49-F238E27FC236}">
+                <a16:creationId xmlns:a16="http://schemas.microsoft.com/office/drawing/2014/main" id="{55C63355-0F5A-4838-B0B2-98959EA5FBD4}"/>
+              </a:ext>
+            </a:extLst>
+          </p:cNvPr>
+          <p:cNvSpPr/>
+          <p:nvPr/>
+        </p:nvSpPr>
+        <p:spPr>
+          <a:xfrm>
+            <a:off x="4649408" y="4387256"/>
+            <a:ext cx="1065703" cy="486255"/>
+          </a:xfrm>
+          <a:prstGeom prst="rect">
+            <a:avLst/>
+          </a:prstGeom>
+        </p:spPr>
+        <p:style>
+          <a:lnRef idx="2">
+            <a:schemeClr val="accent1">
+              <a:shade val="50000"/>
+            </a:schemeClr>
+          </a:lnRef>
+          <a:fillRef idx="1">
+            <a:schemeClr val="accent1"/>
+          </a:fillRef>
+          <a:effectRef idx="0">
+            <a:schemeClr val="accent1"/>
+          </a:effectRef>
+          <a:fontRef idx="minor">
+            <a:schemeClr val="lt1"/>
+          </a:fontRef>
+        </p:style>
+        <p:txBody>
+          <a:bodyPr rtlCol="0" anchor="ctr"/>
+          <a:lstStyle/>
+          <a:p>
+            <a:pPr algn="ctr"/>
+            <a:r>
+              <a:rPr lang="ko-KR" altLang="en-US" sz="1400" dirty="0"/>
+              <a:t>암호화</a:t>
+            </a:r>
+          </a:p>
+        </p:txBody>
+      </p:sp>
+      <p:sp>
+        <p:nvSpPr>
+          <p:cNvPr id="12" name="직사각형 11">
+            <a:extLst>
+              <a:ext uri="{FF2B5EF4-FFF2-40B4-BE49-F238E27FC236}">
+                <a16:creationId xmlns:a16="http://schemas.microsoft.com/office/drawing/2014/main" id="{F0317928-2B73-45A2-B70F-D4F4CBD11AF8}"/>
+              </a:ext>
+            </a:extLst>
+          </p:cNvPr>
+          <p:cNvSpPr/>
+          <p:nvPr/>
+        </p:nvSpPr>
+        <p:spPr>
+          <a:xfrm>
+            <a:off x="3051405" y="2487474"/>
+            <a:ext cx="1065703" cy="442399"/>
+          </a:xfrm>
+          <a:prstGeom prst="rect">
+            <a:avLst/>
+          </a:prstGeom>
+        </p:spPr>
+        <p:style>
+          <a:lnRef idx="2">
+            <a:schemeClr val="accent1">
+              <a:shade val="50000"/>
+            </a:schemeClr>
+          </a:lnRef>
+          <a:fillRef idx="1">
+            <a:schemeClr val="accent1"/>
+          </a:fillRef>
+          <a:effectRef idx="0">
+            <a:schemeClr val="accent1"/>
+          </a:effectRef>
+          <a:fontRef idx="minor">
+            <a:schemeClr val="lt1"/>
+          </a:fontRef>
+        </p:style>
+        <p:txBody>
+          <a:bodyPr rtlCol="0" anchor="ctr"/>
+          <a:lstStyle/>
+          <a:p>
+            <a:pPr algn="ctr"/>
+            <a:r>
+              <a:rPr lang="ko-KR" altLang="en-US" sz="1400" dirty="0" err="1"/>
+              <a:t>서블릿</a:t>
+            </a:r>
+            <a:endParaRPr lang="ko-KR" altLang="en-US" sz="1400" dirty="0"/>
+          </a:p>
+        </p:txBody>
+      </p:sp>
+      <p:sp>
+        <p:nvSpPr>
+          <p:cNvPr id="13" name="직사각형 12">
+            <a:extLst>
+              <a:ext uri="{FF2B5EF4-FFF2-40B4-BE49-F238E27FC236}">
+                <a16:creationId xmlns:a16="http://schemas.microsoft.com/office/drawing/2014/main" id="{DDCE4059-DD10-4A18-AFA8-CCF63BD52C12}"/>
+              </a:ext>
+            </a:extLst>
+          </p:cNvPr>
+          <p:cNvSpPr/>
+          <p:nvPr/>
+        </p:nvSpPr>
+        <p:spPr>
+          <a:xfrm>
+            <a:off x="3051404" y="3284300"/>
+            <a:ext cx="1065703" cy="442399"/>
+          </a:xfrm>
+          <a:prstGeom prst="rect">
+            <a:avLst/>
+          </a:prstGeom>
+        </p:spPr>
+        <p:style>
+          <a:lnRef idx="2">
+            <a:schemeClr val="accent1">
+              <a:shade val="50000"/>
+            </a:schemeClr>
+          </a:lnRef>
+          <a:fillRef idx="1">
+            <a:schemeClr val="accent1"/>
+          </a:fillRef>
+          <a:effectRef idx="0">
+            <a:schemeClr val="accent1"/>
+          </a:effectRef>
+          <a:fontRef idx="minor">
+            <a:schemeClr val="lt1"/>
+          </a:fontRef>
+        </p:style>
+        <p:txBody>
+          <a:bodyPr rtlCol="0" anchor="ctr"/>
+          <a:lstStyle/>
+          <a:p>
+            <a:pPr algn="ctr"/>
+            <a:r>
+              <a:rPr lang="en-US" altLang="ko-KR" sz="1400" dirty="0"/>
+              <a:t>MVC</a:t>
+            </a:r>
+            <a:endParaRPr lang="ko-KR" altLang="en-US" sz="1400" dirty="0"/>
+          </a:p>
+        </p:txBody>
+      </p:sp>
+      <p:sp>
+        <p:nvSpPr>
+          <p:cNvPr id="14" name="직사각형 13">
+            <a:extLst>
+              <a:ext uri="{FF2B5EF4-FFF2-40B4-BE49-F238E27FC236}">
+                <a16:creationId xmlns:a16="http://schemas.microsoft.com/office/drawing/2014/main" id="{1B6E7718-D658-440F-86BB-90D98FA02CDA}"/>
+              </a:ext>
+            </a:extLst>
+          </p:cNvPr>
+          <p:cNvSpPr/>
+          <p:nvPr/>
+        </p:nvSpPr>
+        <p:spPr>
+          <a:xfrm>
+            <a:off x="3051404" y="4079456"/>
+            <a:ext cx="1065703" cy="442399"/>
+          </a:xfrm>
+          <a:prstGeom prst="rect">
+            <a:avLst/>
+          </a:prstGeom>
+        </p:spPr>
+        <p:style>
+          <a:lnRef idx="2">
+            <a:schemeClr val="accent1">
+              <a:shade val="50000"/>
+            </a:schemeClr>
+          </a:lnRef>
+          <a:fillRef idx="1">
+            <a:schemeClr val="accent1"/>
+          </a:fillRef>
+          <a:effectRef idx="0">
+            <a:schemeClr val="accent1"/>
+          </a:effectRef>
+          <a:fontRef idx="minor">
+            <a:schemeClr val="lt1"/>
+          </a:fontRef>
+        </p:style>
+        <p:txBody>
+          <a:bodyPr rtlCol="0" anchor="ctr"/>
+          <a:lstStyle/>
+          <a:p>
+            <a:pPr algn="ctr"/>
+            <a:r>
+              <a:rPr lang="ko-KR" altLang="en-US" sz="1200" dirty="0"/>
+              <a:t>프레임워크</a:t>
+            </a:r>
+          </a:p>
+        </p:txBody>
+      </p:sp>
+      <p:sp>
+        <p:nvSpPr>
+          <p:cNvPr id="15" name="직사각형 14">
+            <a:extLst>
+              <a:ext uri="{FF2B5EF4-FFF2-40B4-BE49-F238E27FC236}">
+                <a16:creationId xmlns:a16="http://schemas.microsoft.com/office/drawing/2014/main" id="{6C33FABE-FB93-47DD-8109-2521306D056C}"/>
+              </a:ext>
+            </a:extLst>
+          </p:cNvPr>
+          <p:cNvSpPr/>
+          <p:nvPr/>
+        </p:nvSpPr>
+        <p:spPr>
+          <a:xfrm>
+            <a:off x="4649408" y="2149629"/>
+            <a:ext cx="1065703" cy="486255"/>
+          </a:xfrm>
+          <a:prstGeom prst="rect">
+            <a:avLst/>
+          </a:prstGeom>
+        </p:spPr>
+        <p:style>
+          <a:lnRef idx="2">
+            <a:schemeClr val="accent1">
+              <a:shade val="50000"/>
+            </a:schemeClr>
+          </a:lnRef>
+          <a:fillRef idx="1">
+            <a:schemeClr val="accent1"/>
+          </a:fillRef>
+          <a:effectRef idx="0">
+            <a:schemeClr val="accent1"/>
+          </a:effectRef>
+          <a:fontRef idx="minor">
+            <a:schemeClr val="lt1"/>
+          </a:fontRef>
+        </p:style>
+        <p:txBody>
+          <a:bodyPr rtlCol="0" anchor="ctr"/>
+          <a:lstStyle/>
+          <a:p>
+            <a:pPr algn="ctr"/>
+            <a:r>
+              <a:rPr lang="ko-KR" altLang="en-US" sz="1400" dirty="0"/>
+              <a:t>트랜잭션</a:t>
+            </a:r>
+          </a:p>
+        </p:txBody>
+      </p:sp>
+      <p:sp>
+        <p:nvSpPr>
+          <p:cNvPr id="16" name="직사각형 15">
+            <a:extLst>
+              <a:ext uri="{FF2B5EF4-FFF2-40B4-BE49-F238E27FC236}">
+                <a16:creationId xmlns:a16="http://schemas.microsoft.com/office/drawing/2014/main" id="{924B1DF4-6A35-42DB-8C7F-392B2DB1B9AA}"/>
+              </a:ext>
+            </a:extLst>
+          </p:cNvPr>
+          <p:cNvSpPr/>
+          <p:nvPr/>
+        </p:nvSpPr>
+        <p:spPr>
+          <a:xfrm>
+            <a:off x="4649407" y="5133775"/>
+            <a:ext cx="1065703" cy="486255"/>
+          </a:xfrm>
+          <a:prstGeom prst="rect">
+            <a:avLst/>
+          </a:prstGeom>
+        </p:spPr>
+        <p:style>
+          <a:lnRef idx="2">
+            <a:schemeClr val="accent1">
+              <a:shade val="50000"/>
+            </a:schemeClr>
+          </a:lnRef>
+          <a:fillRef idx="1">
+            <a:schemeClr val="accent1"/>
+          </a:fillRef>
+          <a:effectRef idx="0">
+            <a:schemeClr val="accent1"/>
+          </a:effectRef>
+          <a:fontRef idx="minor">
+            <a:schemeClr val="lt1"/>
+          </a:fontRef>
+        </p:style>
+        <p:txBody>
+          <a:bodyPr rtlCol="0" anchor="ctr"/>
+          <a:lstStyle/>
+          <a:p>
+            <a:pPr algn="ctr"/>
+            <a:r>
+              <a:rPr lang="ko-KR" altLang="en-US" sz="1400" dirty="0"/>
+              <a:t>로그</a:t>
+            </a:r>
+          </a:p>
+        </p:txBody>
+      </p:sp>
+      <p:sp>
+        <p:nvSpPr>
+          <p:cNvPr id="17" name="직사각형 16">
+            <a:extLst>
+              <a:ext uri="{FF2B5EF4-FFF2-40B4-BE49-F238E27FC236}">
+                <a16:creationId xmlns:a16="http://schemas.microsoft.com/office/drawing/2014/main" id="{CA3E20DB-8F45-4171-9DFB-FBD0E4DF807C}"/>
+              </a:ext>
+            </a:extLst>
+          </p:cNvPr>
+          <p:cNvSpPr/>
+          <p:nvPr/>
+        </p:nvSpPr>
+        <p:spPr>
+          <a:xfrm>
+            <a:off x="4666948" y="1403110"/>
+            <a:ext cx="1065703" cy="486255"/>
+          </a:xfrm>
+          <a:prstGeom prst="rect">
+            <a:avLst/>
+          </a:prstGeom>
+        </p:spPr>
+        <p:style>
+          <a:lnRef idx="2">
+            <a:schemeClr val="accent1">
+              <a:shade val="50000"/>
+            </a:schemeClr>
+          </a:lnRef>
+          <a:fillRef idx="1">
+            <a:schemeClr val="accent1"/>
+          </a:fillRef>
+          <a:effectRef idx="0">
+            <a:schemeClr val="accent1"/>
+          </a:effectRef>
+          <a:fontRef idx="minor">
+            <a:schemeClr val="lt1"/>
+          </a:fontRef>
+        </p:style>
+        <p:txBody>
+          <a:bodyPr rtlCol="0" anchor="ctr"/>
+          <a:lstStyle/>
+          <a:p>
+            <a:pPr algn="ctr"/>
+            <a:r>
+              <a:rPr lang="ko-KR" altLang="en-US" sz="1400" dirty="0"/>
+              <a:t>입력</a:t>
+            </a:r>
+            <a:r>
+              <a:rPr lang="en-US" altLang="ko-KR" sz="1400" dirty="0"/>
+              <a:t>/</a:t>
+            </a:r>
+            <a:r>
+              <a:rPr lang="ko-KR" altLang="en-US" sz="1400" dirty="0"/>
+              <a:t>출력</a:t>
+            </a:r>
+          </a:p>
+        </p:txBody>
+      </p:sp>
+    </p:spTree>
+    <p:extLst>
+      <p:ext uri="{BB962C8B-B14F-4D97-AF65-F5344CB8AC3E}">
+        <p14:creationId xmlns:p14="http://schemas.microsoft.com/office/powerpoint/2010/main" val="3651741227"/>
+      </p:ext>
+    </p:extLst>
+  </p:cSld>
+  <p:clrMapOvr>
+    <a:masterClrMapping/>
+  </p:clrMapOvr>
+  <mc:AlternateContent xmlns:mc="http://schemas.openxmlformats.org/markup-compatibility/2006" xmlns:p14="http://schemas.microsoft.com/office/powerpoint/2010/main">
+    <mc:Choice Requires="p14">
+      <p:transition spd="med" p14:dur="700">
+        <p:fade/>
+      </p:transition>
+    </mc:Choice>
+    <mc:Fallback xmlns="">
+      <p:transition spd="med">
+        <p:fade/>
+      </p:transition>
+    </mc:Fallback>
+  </mc:AlternateContent>
+</p:sld>
+</file>
+
+<file path=ppt/slides/slide19.xml><?xml version="1.0" encoding="utf-8"?>
+<p:sld xmlns:a="http://schemas.openxmlformats.org/drawingml/2006/main" xmlns:r="http://schemas.openxmlformats.org/officeDocument/2006/relationships" xmlns:p="http://schemas.openxmlformats.org/presentationml/2006/main">
+  <p:cSld>
+    <p:spTree>
+      <p:nvGrpSpPr>
+        <p:cNvPr id="1" name=""/>
+        <p:cNvGrpSpPr/>
+        <p:nvPr/>
+      </p:nvGrpSpPr>
+      <p:grpSpPr>
+        <a:xfrm>
+          <a:off x="0" y="0"/>
+          <a:ext cx="0" cy="0"/>
+          <a:chOff x="0" y="0"/>
+          <a:chExt cx="0" cy="0"/>
+        </a:xfrm>
+      </p:grpSpPr>
+      <p:sp>
+        <p:nvSpPr>
+          <p:cNvPr id="2" name="제목 1">
+            <a:extLst>
+              <a:ext uri="{FF2B5EF4-FFF2-40B4-BE49-F238E27FC236}">
+                <a16:creationId xmlns:a16="http://schemas.microsoft.com/office/drawing/2014/main" id="{C3DF3210-4719-486C-8BB5-9230827C840E}"/>
+              </a:ext>
+            </a:extLst>
+          </p:cNvPr>
+          <p:cNvSpPr>
+            <a:spLocks noGrp="1"/>
+          </p:cNvSpPr>
+          <p:nvPr>
+            <p:ph type="title"/>
+          </p:nvPr>
+        </p:nvSpPr>
+        <p:spPr/>
+        <p:txBody>
+          <a:bodyPr/>
+          <a:lstStyle/>
+          <a:p>
+            <a:r>
+              <a:rPr lang="ko-KR" altLang="en-US" dirty="0"/>
+              <a:t>게시판 만들기</a:t>
+            </a:r>
+          </a:p>
+        </p:txBody>
+      </p:sp>
+      <p:sp>
+        <p:nvSpPr>
+          <p:cNvPr id="4" name="직사각형 3">
+            <a:extLst>
+              <a:ext uri="{FF2B5EF4-FFF2-40B4-BE49-F238E27FC236}">
+                <a16:creationId xmlns:a16="http://schemas.microsoft.com/office/drawing/2014/main" id="{8526BF26-6D93-4D67-936D-481D96EF95E1}"/>
+              </a:ext>
+            </a:extLst>
+          </p:cNvPr>
+          <p:cNvSpPr/>
+          <p:nvPr/>
+        </p:nvSpPr>
+        <p:spPr>
+          <a:xfrm>
+            <a:off x="1493300" y="2177456"/>
+            <a:ext cx="1065703" cy="442399"/>
+          </a:xfrm>
+          <a:prstGeom prst="rect">
+            <a:avLst/>
+          </a:prstGeom>
+        </p:spPr>
+        <p:style>
+          <a:lnRef idx="2">
+            <a:schemeClr val="accent1">
+              <a:shade val="50000"/>
+            </a:schemeClr>
+          </a:lnRef>
+          <a:fillRef idx="1">
+            <a:schemeClr val="accent1"/>
+          </a:fillRef>
+          <a:effectRef idx="0">
+            <a:schemeClr val="accent1"/>
+          </a:effectRef>
+          <a:fontRef idx="minor">
+            <a:schemeClr val="lt1"/>
+          </a:fontRef>
+        </p:style>
+        <p:txBody>
+          <a:bodyPr rtlCol="0" anchor="ctr"/>
+          <a:lstStyle/>
+          <a:p>
+            <a:pPr algn="ctr"/>
+            <a:r>
+              <a:rPr lang="ko-KR" altLang="en-US" sz="1400" dirty="0"/>
+              <a:t>입력</a:t>
+            </a:r>
+          </a:p>
+        </p:txBody>
+      </p:sp>
+      <p:sp>
+        <p:nvSpPr>
+          <p:cNvPr id="5" name="직사각형 4">
+            <a:extLst>
+              <a:ext uri="{FF2B5EF4-FFF2-40B4-BE49-F238E27FC236}">
+                <a16:creationId xmlns:a16="http://schemas.microsoft.com/office/drawing/2014/main" id="{192ED789-3F9F-48DD-A936-C78ADCA44A09}"/>
+              </a:ext>
+            </a:extLst>
+          </p:cNvPr>
+          <p:cNvSpPr/>
+          <p:nvPr/>
+        </p:nvSpPr>
+        <p:spPr>
+          <a:xfrm>
+            <a:off x="1493300" y="2929873"/>
+            <a:ext cx="1065703" cy="442399"/>
+          </a:xfrm>
+          <a:prstGeom prst="rect">
+            <a:avLst/>
+          </a:prstGeom>
+        </p:spPr>
+        <p:style>
+          <a:lnRef idx="2">
+            <a:schemeClr val="accent1">
+              <a:shade val="50000"/>
+            </a:schemeClr>
+          </a:lnRef>
+          <a:fillRef idx="1">
+            <a:schemeClr val="accent1"/>
+          </a:fillRef>
+          <a:effectRef idx="0">
+            <a:schemeClr val="accent1"/>
+          </a:effectRef>
+          <a:fontRef idx="minor">
+            <a:schemeClr val="lt1"/>
+          </a:fontRef>
+        </p:style>
+        <p:txBody>
+          <a:bodyPr rtlCol="0" anchor="ctr"/>
+          <a:lstStyle/>
+          <a:p>
+            <a:pPr algn="ctr"/>
+            <a:r>
+              <a:rPr lang="ko-KR" altLang="en-US" sz="1400"/>
+              <a:t>수정</a:t>
+            </a:r>
+            <a:endParaRPr lang="ko-KR" altLang="en-US" sz="1400" dirty="0"/>
+          </a:p>
+        </p:txBody>
+      </p:sp>
+      <p:sp>
+        <p:nvSpPr>
+          <p:cNvPr id="6" name="직사각형 5">
+            <a:extLst>
+              <a:ext uri="{FF2B5EF4-FFF2-40B4-BE49-F238E27FC236}">
+                <a16:creationId xmlns:a16="http://schemas.microsoft.com/office/drawing/2014/main" id="{9887F412-954B-4CCE-A7DD-D8CEEAB0618D}"/>
+              </a:ext>
+            </a:extLst>
+          </p:cNvPr>
+          <p:cNvSpPr/>
+          <p:nvPr/>
+        </p:nvSpPr>
+        <p:spPr>
+          <a:xfrm>
+            <a:off x="1493299" y="3682290"/>
+            <a:ext cx="1065703" cy="442399"/>
+          </a:xfrm>
+          <a:prstGeom prst="rect">
+            <a:avLst/>
+          </a:prstGeom>
+        </p:spPr>
+        <p:style>
+          <a:lnRef idx="2">
+            <a:schemeClr val="accent1">
+              <a:shade val="50000"/>
+            </a:schemeClr>
+          </a:lnRef>
+          <a:fillRef idx="1">
+            <a:schemeClr val="accent1"/>
+          </a:fillRef>
+          <a:effectRef idx="0">
+            <a:schemeClr val="accent1"/>
+          </a:effectRef>
+          <a:fontRef idx="minor">
+            <a:schemeClr val="lt1"/>
+          </a:fontRef>
+        </p:style>
+        <p:txBody>
+          <a:bodyPr rtlCol="0" anchor="ctr"/>
+          <a:lstStyle/>
+          <a:p>
+            <a:pPr algn="ctr"/>
+            <a:r>
+              <a:rPr lang="ko-KR" altLang="en-US" sz="1400" dirty="0"/>
+              <a:t>삭제</a:t>
+            </a:r>
+          </a:p>
+        </p:txBody>
+      </p:sp>
+      <p:sp>
+        <p:nvSpPr>
+          <p:cNvPr id="7" name="직사각형 6">
+            <a:extLst>
+              <a:ext uri="{FF2B5EF4-FFF2-40B4-BE49-F238E27FC236}">
+                <a16:creationId xmlns:a16="http://schemas.microsoft.com/office/drawing/2014/main" id="{72A308C0-BBEA-443F-8C87-B588928F0744}"/>
+              </a:ext>
+            </a:extLst>
+          </p:cNvPr>
+          <p:cNvSpPr/>
+          <p:nvPr/>
+        </p:nvSpPr>
+        <p:spPr>
+          <a:xfrm>
+            <a:off x="1493299" y="4488957"/>
+            <a:ext cx="1065703" cy="442399"/>
+          </a:xfrm>
+          <a:prstGeom prst="rect">
+            <a:avLst/>
+          </a:prstGeom>
+        </p:spPr>
+        <p:style>
+          <a:lnRef idx="2">
+            <a:schemeClr val="accent1">
+              <a:shade val="50000"/>
+            </a:schemeClr>
+          </a:lnRef>
+          <a:fillRef idx="1">
+            <a:schemeClr val="accent1"/>
+          </a:fillRef>
+          <a:effectRef idx="0">
+            <a:schemeClr val="accent1"/>
+          </a:effectRef>
+          <a:fontRef idx="minor">
+            <a:schemeClr val="lt1"/>
+          </a:fontRef>
+        </p:style>
+        <p:txBody>
+          <a:bodyPr rtlCol="0" anchor="ctr"/>
+          <a:lstStyle/>
+          <a:p>
+            <a:pPr algn="ctr"/>
+            <a:r>
+              <a:rPr lang="ko-KR" altLang="en-US" sz="1400"/>
+              <a:t>조회</a:t>
+            </a:r>
+            <a:endParaRPr lang="ko-KR" altLang="en-US" sz="1400" dirty="0"/>
+          </a:p>
+        </p:txBody>
+      </p:sp>
+      <p:sp>
+        <p:nvSpPr>
+          <p:cNvPr id="9" name="직사각형 8">
+            <a:extLst>
+              <a:ext uri="{FF2B5EF4-FFF2-40B4-BE49-F238E27FC236}">
+                <a16:creationId xmlns:a16="http://schemas.microsoft.com/office/drawing/2014/main" id="{38C3107B-5253-4A5D-9B5B-3D1FFB0FE964}"/>
+              </a:ext>
+            </a:extLst>
+          </p:cNvPr>
+          <p:cNvSpPr/>
+          <p:nvPr/>
+        </p:nvSpPr>
+        <p:spPr>
+          <a:xfrm>
+            <a:off x="4649408" y="2895183"/>
+            <a:ext cx="1065703" cy="486255"/>
+          </a:xfrm>
+          <a:prstGeom prst="rect">
+            <a:avLst/>
+          </a:prstGeom>
+        </p:spPr>
+        <p:style>
+          <a:lnRef idx="2">
+            <a:schemeClr val="accent1">
+              <a:shade val="50000"/>
+            </a:schemeClr>
+          </a:lnRef>
+          <a:fillRef idx="1">
+            <a:schemeClr val="accent1"/>
+          </a:fillRef>
+          <a:effectRef idx="0">
+            <a:schemeClr val="accent1"/>
+          </a:effectRef>
+          <a:fontRef idx="minor">
+            <a:schemeClr val="lt1"/>
+          </a:fontRef>
+        </p:style>
+        <p:txBody>
+          <a:bodyPr rtlCol="0" anchor="ctr"/>
+          <a:lstStyle/>
+          <a:p>
+            <a:pPr algn="ctr"/>
+            <a:r>
+              <a:rPr lang="ko-KR" altLang="en-US" sz="1400" dirty="0"/>
+              <a:t>인증</a:t>
+            </a:r>
+          </a:p>
+        </p:txBody>
+      </p:sp>
+      <p:sp>
+        <p:nvSpPr>
+          <p:cNvPr id="10" name="직사각형 9">
+            <a:extLst>
+              <a:ext uri="{FF2B5EF4-FFF2-40B4-BE49-F238E27FC236}">
+                <a16:creationId xmlns:a16="http://schemas.microsoft.com/office/drawing/2014/main" id="{21BBC8A5-5FAC-43E5-94BC-6CE26648934F}"/>
+              </a:ext>
+            </a:extLst>
+          </p:cNvPr>
+          <p:cNvSpPr/>
+          <p:nvPr/>
+        </p:nvSpPr>
+        <p:spPr>
+          <a:xfrm>
+            <a:off x="4649408" y="3640737"/>
+            <a:ext cx="1065703" cy="486255"/>
+          </a:xfrm>
+          <a:prstGeom prst="rect">
+            <a:avLst/>
+          </a:prstGeom>
+        </p:spPr>
+        <p:style>
+          <a:lnRef idx="2">
+            <a:schemeClr val="accent1">
+              <a:shade val="50000"/>
+            </a:schemeClr>
+          </a:lnRef>
+          <a:fillRef idx="1">
+            <a:schemeClr val="accent1"/>
+          </a:fillRef>
+          <a:effectRef idx="0">
+            <a:schemeClr val="accent1"/>
+          </a:effectRef>
+          <a:fontRef idx="minor">
+            <a:schemeClr val="lt1"/>
+          </a:fontRef>
+        </p:style>
+        <p:txBody>
+          <a:bodyPr rtlCol="0" anchor="ctr"/>
+          <a:lstStyle/>
+          <a:p>
+            <a:pPr algn="ctr"/>
+            <a:r>
+              <a:rPr lang="ko-KR" altLang="en-US" sz="1400" dirty="0"/>
+              <a:t>접근제어</a:t>
+            </a:r>
+          </a:p>
+        </p:txBody>
+      </p:sp>
+      <p:sp>
+        <p:nvSpPr>
+          <p:cNvPr id="11" name="직사각형 10">
+            <a:extLst>
+              <a:ext uri="{FF2B5EF4-FFF2-40B4-BE49-F238E27FC236}">
+                <a16:creationId xmlns:a16="http://schemas.microsoft.com/office/drawing/2014/main" id="{55C63355-0F5A-4838-B0B2-98959EA5FBD4}"/>
+              </a:ext>
+            </a:extLst>
+          </p:cNvPr>
+          <p:cNvSpPr/>
+          <p:nvPr/>
+        </p:nvSpPr>
+        <p:spPr>
+          <a:xfrm>
+            <a:off x="4649408" y="4387256"/>
+            <a:ext cx="1065703" cy="486255"/>
+          </a:xfrm>
+          <a:prstGeom prst="rect">
+            <a:avLst/>
+          </a:prstGeom>
+        </p:spPr>
+        <p:style>
+          <a:lnRef idx="2">
+            <a:schemeClr val="accent1">
+              <a:shade val="50000"/>
+            </a:schemeClr>
+          </a:lnRef>
+          <a:fillRef idx="1">
+            <a:schemeClr val="accent1"/>
+          </a:fillRef>
+          <a:effectRef idx="0">
+            <a:schemeClr val="accent1"/>
+          </a:effectRef>
+          <a:fontRef idx="minor">
+            <a:schemeClr val="lt1"/>
+          </a:fontRef>
+        </p:style>
+        <p:txBody>
+          <a:bodyPr rtlCol="0" anchor="ctr"/>
+          <a:lstStyle/>
+          <a:p>
+            <a:pPr algn="ctr"/>
+            <a:r>
+              <a:rPr lang="ko-KR" altLang="en-US" sz="1400" dirty="0"/>
+              <a:t>암호화</a:t>
+            </a:r>
+          </a:p>
+        </p:txBody>
+      </p:sp>
+      <p:sp>
+        <p:nvSpPr>
+          <p:cNvPr id="12" name="직사각형 11">
+            <a:extLst>
+              <a:ext uri="{FF2B5EF4-FFF2-40B4-BE49-F238E27FC236}">
+                <a16:creationId xmlns:a16="http://schemas.microsoft.com/office/drawing/2014/main" id="{F0317928-2B73-45A2-B70F-D4F4CBD11AF8}"/>
+              </a:ext>
+            </a:extLst>
+          </p:cNvPr>
+          <p:cNvSpPr/>
+          <p:nvPr/>
+        </p:nvSpPr>
+        <p:spPr>
+          <a:xfrm>
+            <a:off x="3051405" y="2487474"/>
+            <a:ext cx="1065703" cy="442399"/>
+          </a:xfrm>
+          <a:prstGeom prst="rect">
+            <a:avLst/>
+          </a:prstGeom>
+        </p:spPr>
+        <p:style>
+          <a:lnRef idx="2">
+            <a:schemeClr val="accent1">
+              <a:shade val="50000"/>
+            </a:schemeClr>
+          </a:lnRef>
+          <a:fillRef idx="1">
+            <a:schemeClr val="accent1"/>
+          </a:fillRef>
+          <a:effectRef idx="0">
+            <a:schemeClr val="accent1"/>
+          </a:effectRef>
+          <a:fontRef idx="minor">
+            <a:schemeClr val="lt1"/>
+          </a:fontRef>
+        </p:style>
+        <p:txBody>
+          <a:bodyPr rtlCol="0" anchor="ctr"/>
+          <a:lstStyle/>
+          <a:p>
+            <a:pPr algn="ctr"/>
+            <a:r>
+              <a:rPr lang="ko-KR" altLang="en-US" sz="1400" dirty="0" err="1"/>
+              <a:t>서블릿</a:t>
+            </a:r>
+            <a:endParaRPr lang="ko-KR" altLang="en-US" sz="1400" dirty="0"/>
+          </a:p>
+        </p:txBody>
+      </p:sp>
+      <p:sp>
+        <p:nvSpPr>
+          <p:cNvPr id="13" name="직사각형 12">
+            <a:extLst>
+              <a:ext uri="{FF2B5EF4-FFF2-40B4-BE49-F238E27FC236}">
+                <a16:creationId xmlns:a16="http://schemas.microsoft.com/office/drawing/2014/main" id="{DDCE4059-DD10-4A18-AFA8-CCF63BD52C12}"/>
+              </a:ext>
+            </a:extLst>
+          </p:cNvPr>
+          <p:cNvSpPr/>
+          <p:nvPr/>
+        </p:nvSpPr>
+        <p:spPr>
+          <a:xfrm>
+            <a:off x="3051404" y="3284300"/>
+            <a:ext cx="1065703" cy="442399"/>
+          </a:xfrm>
+          <a:prstGeom prst="rect">
+            <a:avLst/>
+          </a:prstGeom>
+        </p:spPr>
+        <p:style>
+          <a:lnRef idx="2">
+            <a:schemeClr val="accent1">
+              <a:shade val="50000"/>
+            </a:schemeClr>
+          </a:lnRef>
+          <a:fillRef idx="1">
+            <a:schemeClr val="accent1"/>
+          </a:fillRef>
+          <a:effectRef idx="0">
+            <a:schemeClr val="accent1"/>
+          </a:effectRef>
+          <a:fontRef idx="minor">
+            <a:schemeClr val="lt1"/>
+          </a:fontRef>
+        </p:style>
+        <p:txBody>
+          <a:bodyPr rtlCol="0" anchor="ctr"/>
+          <a:lstStyle/>
+          <a:p>
+            <a:pPr algn="ctr"/>
+            <a:r>
+              <a:rPr lang="en-US" altLang="ko-KR" sz="1400" dirty="0"/>
+              <a:t>MVC</a:t>
+            </a:r>
+            <a:endParaRPr lang="ko-KR" altLang="en-US" sz="1400" dirty="0"/>
+          </a:p>
+        </p:txBody>
+      </p:sp>
+      <p:sp>
+        <p:nvSpPr>
+          <p:cNvPr id="14" name="직사각형 13">
+            <a:extLst>
+              <a:ext uri="{FF2B5EF4-FFF2-40B4-BE49-F238E27FC236}">
+                <a16:creationId xmlns:a16="http://schemas.microsoft.com/office/drawing/2014/main" id="{1B6E7718-D658-440F-86BB-90D98FA02CDA}"/>
+              </a:ext>
+            </a:extLst>
+          </p:cNvPr>
+          <p:cNvSpPr/>
+          <p:nvPr/>
+        </p:nvSpPr>
+        <p:spPr>
+          <a:xfrm>
+            <a:off x="3051404" y="4079456"/>
+            <a:ext cx="1065703" cy="442399"/>
+          </a:xfrm>
+          <a:prstGeom prst="rect">
+            <a:avLst/>
+          </a:prstGeom>
+        </p:spPr>
+        <p:style>
+          <a:lnRef idx="2">
+            <a:schemeClr val="accent1">
+              <a:shade val="50000"/>
+            </a:schemeClr>
+          </a:lnRef>
+          <a:fillRef idx="1">
+            <a:schemeClr val="accent1"/>
+          </a:fillRef>
+          <a:effectRef idx="0">
+            <a:schemeClr val="accent1"/>
+          </a:effectRef>
+          <a:fontRef idx="minor">
+            <a:schemeClr val="lt1"/>
+          </a:fontRef>
+        </p:style>
+        <p:txBody>
+          <a:bodyPr rtlCol="0" anchor="ctr"/>
+          <a:lstStyle/>
+          <a:p>
+            <a:pPr algn="ctr"/>
+            <a:r>
+              <a:rPr lang="ko-KR" altLang="en-US" sz="1200" dirty="0"/>
+              <a:t>프레임워크</a:t>
+            </a:r>
+          </a:p>
+        </p:txBody>
+      </p:sp>
+      <p:sp>
+        <p:nvSpPr>
+          <p:cNvPr id="15" name="직사각형 14">
+            <a:extLst>
+              <a:ext uri="{FF2B5EF4-FFF2-40B4-BE49-F238E27FC236}">
+                <a16:creationId xmlns:a16="http://schemas.microsoft.com/office/drawing/2014/main" id="{6C33FABE-FB93-47DD-8109-2521306D056C}"/>
+              </a:ext>
+            </a:extLst>
+          </p:cNvPr>
+          <p:cNvSpPr/>
+          <p:nvPr/>
+        </p:nvSpPr>
+        <p:spPr>
+          <a:xfrm>
+            <a:off x="4649408" y="2149629"/>
+            <a:ext cx="1065703" cy="486255"/>
+          </a:xfrm>
+          <a:prstGeom prst="rect">
+            <a:avLst/>
+          </a:prstGeom>
+        </p:spPr>
+        <p:style>
+          <a:lnRef idx="2">
+            <a:schemeClr val="accent1">
+              <a:shade val="50000"/>
+            </a:schemeClr>
+          </a:lnRef>
+          <a:fillRef idx="1">
+            <a:schemeClr val="accent1"/>
+          </a:fillRef>
+          <a:effectRef idx="0">
+            <a:schemeClr val="accent1"/>
+          </a:effectRef>
+          <a:fontRef idx="minor">
+            <a:schemeClr val="lt1"/>
+          </a:fontRef>
+        </p:style>
+        <p:txBody>
+          <a:bodyPr rtlCol="0" anchor="ctr"/>
+          <a:lstStyle/>
+          <a:p>
+            <a:pPr algn="ctr"/>
+            <a:r>
+              <a:rPr lang="ko-KR" altLang="en-US" sz="1400" dirty="0"/>
+              <a:t>트랜잭션</a:t>
+            </a:r>
+          </a:p>
+        </p:txBody>
+      </p:sp>
+      <p:sp>
+        <p:nvSpPr>
+          <p:cNvPr id="16" name="직사각형 15">
+            <a:extLst>
+              <a:ext uri="{FF2B5EF4-FFF2-40B4-BE49-F238E27FC236}">
+                <a16:creationId xmlns:a16="http://schemas.microsoft.com/office/drawing/2014/main" id="{924B1DF4-6A35-42DB-8C7F-392B2DB1B9AA}"/>
+              </a:ext>
+            </a:extLst>
+          </p:cNvPr>
+          <p:cNvSpPr/>
+          <p:nvPr/>
+        </p:nvSpPr>
+        <p:spPr>
+          <a:xfrm>
+            <a:off x="4649407" y="5133775"/>
+            <a:ext cx="1065703" cy="486255"/>
+          </a:xfrm>
+          <a:prstGeom prst="rect">
+            <a:avLst/>
+          </a:prstGeom>
+        </p:spPr>
+        <p:style>
+          <a:lnRef idx="2">
+            <a:schemeClr val="accent1">
+              <a:shade val="50000"/>
+            </a:schemeClr>
+          </a:lnRef>
+          <a:fillRef idx="1">
+            <a:schemeClr val="accent1"/>
+          </a:fillRef>
+          <a:effectRef idx="0">
+            <a:schemeClr val="accent1"/>
+          </a:effectRef>
+          <a:fontRef idx="minor">
+            <a:schemeClr val="lt1"/>
+          </a:fontRef>
+        </p:style>
+        <p:txBody>
+          <a:bodyPr rtlCol="0" anchor="ctr"/>
+          <a:lstStyle/>
+          <a:p>
+            <a:pPr algn="ctr"/>
+            <a:r>
+              <a:rPr lang="ko-KR" altLang="en-US" sz="1400" dirty="0"/>
+              <a:t>로그</a:t>
+            </a:r>
+          </a:p>
+        </p:txBody>
+      </p:sp>
+      <p:sp>
+        <p:nvSpPr>
+          <p:cNvPr id="17" name="직사각형 16">
+            <a:extLst>
+              <a:ext uri="{FF2B5EF4-FFF2-40B4-BE49-F238E27FC236}">
+                <a16:creationId xmlns:a16="http://schemas.microsoft.com/office/drawing/2014/main" id="{CA3E20DB-8F45-4171-9DFB-FBD0E4DF807C}"/>
+              </a:ext>
+            </a:extLst>
+          </p:cNvPr>
+          <p:cNvSpPr/>
+          <p:nvPr/>
+        </p:nvSpPr>
+        <p:spPr>
+          <a:xfrm>
+            <a:off x="4666948" y="1403110"/>
+            <a:ext cx="1065703" cy="486255"/>
+          </a:xfrm>
+          <a:prstGeom prst="rect">
+            <a:avLst/>
+          </a:prstGeom>
+        </p:spPr>
+        <p:style>
+          <a:lnRef idx="2">
+            <a:schemeClr val="accent1">
+              <a:shade val="50000"/>
+            </a:schemeClr>
+          </a:lnRef>
+          <a:fillRef idx="1">
+            <a:schemeClr val="accent1"/>
+          </a:fillRef>
+          <a:effectRef idx="0">
+            <a:schemeClr val="accent1"/>
+          </a:effectRef>
+          <a:fontRef idx="minor">
+            <a:schemeClr val="lt1"/>
+          </a:fontRef>
+        </p:style>
+        <p:txBody>
+          <a:bodyPr rtlCol="0" anchor="ctr"/>
+          <a:lstStyle/>
+          <a:p>
+            <a:pPr algn="ctr"/>
+            <a:r>
+              <a:rPr lang="ko-KR" altLang="en-US" sz="1400" dirty="0"/>
+              <a:t>입력</a:t>
+            </a:r>
+            <a:r>
+              <a:rPr lang="en-US" altLang="ko-KR" sz="1400" dirty="0"/>
+              <a:t>/</a:t>
+            </a:r>
+            <a:r>
+              <a:rPr lang="ko-KR" altLang="en-US" sz="1400" dirty="0"/>
+              <a:t>출력</a:t>
+            </a:r>
+          </a:p>
+        </p:txBody>
+      </p:sp>
+      <p:sp>
+        <p:nvSpPr>
+          <p:cNvPr id="18" name="직사각형 17">
+            <a:extLst>
+              <a:ext uri="{FF2B5EF4-FFF2-40B4-BE49-F238E27FC236}">
+                <a16:creationId xmlns:a16="http://schemas.microsoft.com/office/drawing/2014/main" id="{58D47F3B-0CE4-496D-B2DB-70E18D7B8BFE}"/>
+              </a:ext>
+            </a:extLst>
+          </p:cNvPr>
+          <p:cNvSpPr/>
+          <p:nvPr/>
+        </p:nvSpPr>
+        <p:spPr>
+          <a:xfrm>
+            <a:off x="6209316" y="1992187"/>
+            <a:ext cx="1198370" cy="3000311"/>
+          </a:xfrm>
+          <a:prstGeom prst="rect">
+            <a:avLst/>
+          </a:prstGeom>
+        </p:spPr>
+        <p:style>
+          <a:lnRef idx="2">
+            <a:schemeClr val="accent1">
+              <a:shade val="50000"/>
+            </a:schemeClr>
+          </a:lnRef>
+          <a:fillRef idx="1">
+            <a:schemeClr val="accent1"/>
+          </a:fillRef>
+          <a:effectRef idx="0">
+            <a:schemeClr val="accent1"/>
+          </a:effectRef>
+          <a:fontRef idx="minor">
+            <a:schemeClr val="lt1"/>
+          </a:fontRef>
+        </p:style>
+        <p:txBody>
+          <a:bodyPr rtlCol="0" anchor="ctr"/>
+          <a:lstStyle/>
+          <a:p>
+            <a:pPr algn="ctr"/>
+            <a:r>
+              <a:rPr lang="ko-KR" altLang="en-US" sz="1400" dirty="0" err="1"/>
+              <a:t>비기능</a:t>
+            </a:r>
+            <a:endParaRPr lang="en-US" altLang="ko-KR" sz="1400" dirty="0"/>
+          </a:p>
+          <a:p>
+            <a:pPr algn="ctr"/>
+            <a:r>
+              <a:rPr lang="ko-KR" altLang="en-US" sz="1400" dirty="0"/>
+              <a:t>품질속성</a:t>
+            </a:r>
+          </a:p>
+        </p:txBody>
+      </p:sp>
+      <p:pic>
+        <p:nvPicPr>
+          <p:cNvPr id="19" name="그림 18">
+            <a:extLst>
+              <a:ext uri="{FF2B5EF4-FFF2-40B4-BE49-F238E27FC236}">
+                <a16:creationId xmlns:a16="http://schemas.microsoft.com/office/drawing/2014/main" id="{41121A81-91A9-4E25-9938-E6AC07A3970E}"/>
+              </a:ext>
+            </a:extLst>
+          </p:cNvPr>
+          <p:cNvPicPr>
+            <a:picLocks noChangeAspect="1"/>
+          </p:cNvPicPr>
+          <p:nvPr/>
+        </p:nvPicPr>
+        <p:blipFill>
+          <a:blip r:embed="rId2"/>
+          <a:stretch>
+            <a:fillRect/>
+          </a:stretch>
+        </p:blipFill>
+        <p:spPr>
+          <a:xfrm>
+            <a:off x="7997163" y="677232"/>
+            <a:ext cx="3488914" cy="3171740"/>
+          </a:xfrm>
+          <a:prstGeom prst="rect">
+            <a:avLst/>
+          </a:prstGeom>
+        </p:spPr>
+      </p:pic>
+    </p:spTree>
+    <p:extLst>
+      <p:ext uri="{BB962C8B-B14F-4D97-AF65-F5344CB8AC3E}">
+        <p14:creationId xmlns:p14="http://schemas.microsoft.com/office/powerpoint/2010/main" val="3198798244"/>
       </p:ext>
     </p:extLst>
   </p:cSld>
@@ -16148,7 +18700,7 @@
           <a:p>
             <a:r>
               <a:rPr lang="ko-KR" altLang="en-US" dirty="0"/>
-              <a:t>더욱 편한 기능 추가</a:t>
+              <a:t>더욱 개발하기 편하게</a:t>
             </a:r>
             <a:endParaRPr lang="en-US" altLang="ko-KR" dirty="0"/>
           </a:p>
@@ -16267,9 +18819,16 @@
               <a:rPr lang="en-US" altLang="ko-KR" dirty="0"/>
               <a:t>)</a:t>
             </a:r>
+          </a:p>
+          <a:p>
+            <a:pPr lvl="1"/>
+            <a:r>
+              <a:rPr lang="en-US" altLang="ko-KR" dirty="0"/>
+              <a:t>WAS </a:t>
+            </a:r>
             <a:r>
               <a:rPr lang="ko-KR" altLang="en-US" dirty="0"/>
-              <a:t> 사용</a:t>
+              <a:t>설정이 필요하지 않음</a:t>
             </a:r>
             <a:endParaRPr lang="en-US" altLang="ko-KR" dirty="0"/>
           </a:p>
@@ -16277,49 +18836,14 @@
             <a:pPr lvl="1"/>
             <a:r>
               <a:rPr lang="en-US" altLang="ko-KR" dirty="0"/>
-              <a:t>Java </a:t>
-            </a:r>
-            <a:r>
-              <a:rPr lang="ko-KR" altLang="en-US" dirty="0"/>
-              <a:t>프로젝트만 있어도 실행 가능</a:t>
-            </a:r>
-            <a:endParaRPr lang="en-US" altLang="ko-KR" dirty="0"/>
-          </a:p>
-          <a:p>
-            <a:r>
-              <a:rPr lang="en-US" altLang="ko-KR" dirty="0"/>
-              <a:t>YAML </a:t>
-            </a:r>
-            <a:r>
-              <a:rPr lang="ko-KR" altLang="en-US" dirty="0"/>
-              <a:t>사용</a:t>
-            </a:r>
-            <a:endParaRPr lang="en-US" altLang="ko-KR" dirty="0"/>
-          </a:p>
-          <a:p>
-            <a:pPr lvl="1"/>
+              <a:t>YAML</a:t>
+            </a:r>
+          </a:p>
+          <a:p>
+            <a:pPr lvl="2"/>
             <a:r>
               <a:rPr lang="ko-KR" altLang="en-US" dirty="0"/>
               <a:t>실행하는 환경에 자동 적용</a:t>
-            </a:r>
-            <a:endParaRPr lang="en-US" altLang="ko-KR" dirty="0"/>
-          </a:p>
-          <a:p>
-            <a:r>
-              <a:rPr lang="en-US" altLang="ko-KR" dirty="0"/>
-              <a:t>DB </a:t>
-            </a:r>
-            <a:r>
-              <a:rPr lang="ko-KR" altLang="en-US" dirty="0"/>
-              <a:t>사용 최소화</a:t>
-            </a:r>
-            <a:endParaRPr lang="en-US" altLang="ko-KR" dirty="0"/>
-          </a:p>
-          <a:p>
-            <a:pPr lvl="1"/>
-            <a:r>
-              <a:rPr lang="ko-KR" altLang="en-US" dirty="0"/>
-              <a:t>필요한 경우만 사용 작동이 쉽도록</a:t>
             </a:r>
             <a:endParaRPr lang="en-US" altLang="ko-KR" dirty="0"/>
           </a:p>
@@ -16372,7 +18896,7 @@
           <p:cNvPr id="2" name="제목 1">
             <a:extLst>
               <a:ext uri="{FF2B5EF4-FFF2-40B4-BE49-F238E27FC236}">
-                <a16:creationId xmlns:a16="http://schemas.microsoft.com/office/drawing/2014/main" id="{9E3549F5-3608-4F3E-A7E6-D172508D7C0A}"/>
+                <a16:creationId xmlns:a16="http://schemas.microsoft.com/office/drawing/2014/main" id="{BA5D0597-4C5A-4BCD-822E-643F66B48745}"/>
               </a:ext>
             </a:extLst>
           </p:cNvPr>
@@ -16390,7 +18914,7 @@
           <a:p>
             <a:r>
               <a:rPr lang="ko-KR" altLang="en-US" dirty="0"/>
-              <a:t>더욱 편한 기능 추가</a:t>
+              <a:t>더욱 개발하기 편하게</a:t>
             </a:r>
           </a:p>
         </p:txBody>
@@ -16400,7 +18924,7 @@
           <p:cNvPr id="3" name="내용 개체 틀 2">
             <a:extLst>
               <a:ext uri="{FF2B5EF4-FFF2-40B4-BE49-F238E27FC236}">
-                <a16:creationId xmlns:a16="http://schemas.microsoft.com/office/drawing/2014/main" id="{888FBD93-2DEE-43F1-AF9B-CA8C41CA5656}"/>
+                <a16:creationId xmlns:a16="http://schemas.microsoft.com/office/drawing/2014/main" id="{0C9231FF-28EB-4164-A188-3E920050747B}"/>
               </a:ext>
             </a:extLst>
           </p:cNvPr>
@@ -16417,47 +18941,82 @@
           <a:lstStyle/>
           <a:p>
             <a:r>
+              <a:rPr lang="en-US" altLang="ko-KR" dirty="0"/>
+              <a:t>DB </a:t>
+            </a:r>
+            <a:r>
+              <a:rPr lang="ko-KR" altLang="en-US" dirty="0"/>
+              <a:t>사용 최소화</a:t>
+            </a:r>
+            <a:endParaRPr lang="en-US" altLang="ko-KR" dirty="0"/>
+          </a:p>
+          <a:p>
+            <a:pPr lvl="1"/>
+            <a:r>
+              <a:rPr lang="en-US" altLang="ko-KR" dirty="0"/>
+              <a:t>SQL </a:t>
+            </a:r>
+            <a:r>
+              <a:rPr lang="ko-KR" altLang="en-US" dirty="0"/>
+              <a:t>은 </a:t>
+            </a:r>
+            <a:r>
+              <a:rPr lang="en-US" altLang="ko-KR" dirty="0" err="1"/>
+              <a:t>sql</a:t>
+            </a:r>
+            <a:r>
+              <a:rPr lang="en-US" altLang="ko-KR" dirty="0"/>
+              <a:t> </a:t>
+            </a:r>
+            <a:r>
+              <a:rPr lang="ko-KR" altLang="en-US" dirty="0"/>
+              <a:t>파일에 저장</a:t>
+            </a:r>
+            <a:endParaRPr lang="en-US" altLang="ko-KR" dirty="0"/>
+          </a:p>
+          <a:p>
+            <a:pPr lvl="1"/>
+            <a:r>
+              <a:rPr lang="ko-KR" altLang="en-US" dirty="0"/>
+              <a:t>커스텀 </a:t>
+            </a:r>
+            <a:r>
               <a:rPr lang="ko-KR" altLang="en-US" dirty="0" err="1"/>
               <a:t>어노테이션</a:t>
             </a:r>
             <a:endParaRPr lang="en-US" altLang="ko-KR" dirty="0"/>
           </a:p>
           <a:p>
+            <a:r>
+              <a:rPr lang="ko-KR" altLang="en-US" dirty="0"/>
+              <a:t>한번의 </a:t>
+            </a:r>
+            <a:r>
+              <a:rPr lang="en-US" altLang="ko-KR" dirty="0"/>
+              <a:t>copy and paste </a:t>
+            </a:r>
+            <a:r>
+              <a:rPr lang="ko-KR" altLang="en-US" dirty="0"/>
+              <a:t>로 프로젝트 구성</a:t>
+            </a:r>
+            <a:endParaRPr lang="en-US" altLang="ko-KR" dirty="0"/>
+          </a:p>
+          <a:p>
             <a:pPr lvl="1"/>
             <a:r>
-              <a:rPr lang="ko-KR" altLang="en-US" dirty="0"/>
-              <a:t>메타정보 활용</a:t>
-            </a:r>
+              <a:rPr lang="en-US" altLang="ko-KR" dirty="0"/>
+              <a:t>C:/public/code, c:/public/lib</a:t>
+            </a:r>
+          </a:p>
+          <a:p>
             <a:endParaRPr lang="en-US" altLang="ko-KR" dirty="0"/>
-          </a:p>
-          <a:p>
-            <a:r>
-              <a:rPr lang="en-US" altLang="ko-KR" dirty="0"/>
-              <a:t>SQL </a:t>
-            </a:r>
-            <a:r>
-              <a:rPr lang="ko-KR" altLang="en-US" dirty="0"/>
-              <a:t>작성 기능 개선</a:t>
-            </a:r>
-            <a:endParaRPr lang="en-US" altLang="ko-KR" dirty="0"/>
-          </a:p>
-          <a:p>
-            <a:pPr lvl="1"/>
-            <a:r>
-              <a:rPr lang="en-US" altLang="ko-KR" dirty="0"/>
-              <a:t>DB</a:t>
-            </a:r>
-            <a:r>
-              <a:rPr lang="ko-KR" altLang="en-US" dirty="0"/>
-              <a:t> 에서 파일로</a:t>
-            </a:r>
           </a:p>
         </p:txBody>
       </p:sp>
     </p:spTree>
     <p:extLst>
       <p:ext uri="{BB962C8B-B14F-4D97-AF65-F5344CB8AC3E}">
-        <p14:creationId xmlns:p14="http://schemas.microsoft.com/office/powerpoint/2010/main" val="1820087473"/>
+        <p14:creationId xmlns:p14="http://schemas.microsoft.com/office/powerpoint/2010/main" val="1580850249"/>
       </p:ext>
     </p:extLst>
   </p:cSld>
@@ -16519,7 +19078,7 @@
           <a:p>
             <a:r>
               <a:rPr lang="ko-KR" altLang="en-US" dirty="0"/>
-              <a:t>방향성 제시에 그치지 않기</a:t>
+              <a:t>방향성의 제시에 그치지 않음</a:t>
             </a:r>
           </a:p>
         </p:txBody>
@@ -16547,7 +19106,7 @@
           <a:p>
             <a:r>
               <a:rPr lang="ko-KR" altLang="en-US" dirty="0"/>
-              <a:t>게시판 만들기 프로젝트</a:t>
+              <a:t>게시판 만들기</a:t>
             </a:r>
             <a:endParaRPr lang="en-US" altLang="ko-KR" dirty="0"/>
           </a:p>
@@ -16555,23 +19114,22 @@
             <a:pPr lvl="1"/>
             <a:r>
               <a:rPr lang="ko-KR" altLang="en-US" dirty="0"/>
-              <a:t>입력</a:t>
-            </a:r>
-            <a:r>
-              <a:rPr lang="en-US" altLang="ko-KR" dirty="0"/>
-              <a:t>/</a:t>
-            </a:r>
+              <a:t>프로젝트의 표준</a:t>
+            </a:r>
+            <a:endParaRPr lang="en-US" altLang="ko-KR" dirty="0"/>
+          </a:p>
+          <a:p>
+            <a:pPr lvl="1"/>
             <a:r>
               <a:rPr lang="ko-KR" altLang="en-US" dirty="0"/>
-              <a:t>수정</a:t>
-            </a:r>
-            <a:r>
-              <a:rPr lang="en-US" altLang="ko-KR" dirty="0"/>
-              <a:t>/</a:t>
-            </a:r>
+              <a:t>프로젝트가 완성되는 관점으로 프레임워크 설명</a:t>
+            </a:r>
+            <a:endParaRPr lang="en-US" altLang="ko-KR" dirty="0"/>
+          </a:p>
+          <a:p>
             <a:r>
               <a:rPr lang="ko-KR" altLang="en-US" dirty="0"/>
-              <a:t>삭제 그리고 조회</a:t>
+              <a:t>섹션마다 심화 내용 설명</a:t>
             </a:r>
             <a:endParaRPr lang="en-US" altLang="ko-KR" dirty="0"/>
           </a:p>
@@ -16579,30 +19137,7 @@
             <a:pPr lvl="1"/>
             <a:r>
               <a:rPr lang="ko-KR" altLang="en-US" dirty="0"/>
-              <a:t>실무에 요구되는 </a:t>
-            </a:r>
-            <a:r>
-              <a:rPr lang="ko-KR" altLang="en-US" dirty="0" err="1"/>
-              <a:t>비기능</a:t>
-            </a:r>
-            <a:r>
-              <a:rPr lang="ko-KR" altLang="en-US" dirty="0"/>
-              <a:t> 품질 속성 사용</a:t>
-            </a:r>
-            <a:endParaRPr lang="en-US" altLang="ko-KR" dirty="0"/>
-          </a:p>
-          <a:p>
-            <a:r>
-              <a:rPr lang="ko-KR" altLang="en-US" dirty="0"/>
-              <a:t>심화과정</a:t>
-            </a:r>
-            <a:endParaRPr lang="en-US" altLang="ko-KR" dirty="0"/>
-          </a:p>
-          <a:p>
-            <a:pPr lvl="1"/>
-            <a:r>
-              <a:rPr lang="ko-KR" altLang="en-US" dirty="0"/>
-              <a:t>방향성의 결과 설명</a:t>
+              <a:t>방향성 제시에 그치지 않음</a:t>
             </a:r>
             <a:endParaRPr lang="en-US" altLang="ko-KR" dirty="0"/>
           </a:p>
@@ -16611,7 +19146,7 @@
     </p:spTree>
     <p:extLst>
       <p:ext uri="{BB962C8B-B14F-4D97-AF65-F5344CB8AC3E}">
-        <p14:creationId xmlns:p14="http://schemas.microsoft.com/office/powerpoint/2010/main" val="1420897720"/>
+        <p14:creationId xmlns:p14="http://schemas.microsoft.com/office/powerpoint/2010/main" val="1260600661"/>
       </p:ext>
     </p:extLst>
   </p:cSld>
@@ -16758,7 +19293,7 @@
           <p:cNvPr id="2" name="제목 1">
             <a:extLst>
               <a:ext uri="{FF2B5EF4-FFF2-40B4-BE49-F238E27FC236}">
-                <a16:creationId xmlns:a16="http://schemas.microsoft.com/office/drawing/2014/main" id="{C3DF3210-4719-486C-8BB5-9230827C840E}"/>
+                <a16:creationId xmlns:a16="http://schemas.microsoft.com/office/drawing/2014/main" id="{DA025078-A6EB-4793-BF9E-30A86A83B69F}"/>
               </a:ext>
             </a:extLst>
           </p:cNvPr>
@@ -16783,206 +19318,113 @@
       </p:sp>
       <p:sp>
         <p:nvSpPr>
-          <p:cNvPr id="4" name="직사각형 3">
+          <p:cNvPr id="3" name="내용 개체 틀 2">
             <a:extLst>
               <a:ext uri="{FF2B5EF4-FFF2-40B4-BE49-F238E27FC236}">
-                <a16:creationId xmlns:a16="http://schemas.microsoft.com/office/drawing/2014/main" id="{8526BF26-6D93-4D67-936D-481D96EF95E1}"/>
+                <a16:creationId xmlns:a16="http://schemas.microsoft.com/office/drawing/2014/main" id="{BC5E4DF8-CFD6-4461-838C-0090AF0CC4ED}"/>
               </a:ext>
             </a:extLst>
           </p:cNvPr>
-          <p:cNvSpPr/>
-          <p:nvPr/>
+          <p:cNvSpPr>
+            <a:spLocks noGrp="1"/>
+          </p:cNvSpPr>
+          <p:nvPr>
+            <p:ph idx="1"/>
+          </p:nvPr>
         </p:nvSpPr>
-        <p:spPr>
-          <a:xfrm>
-            <a:off x="1493300" y="2177456"/>
-            <a:ext cx="1065703" cy="442399"/>
-          </a:xfrm>
-          <a:prstGeom prst="rect">
-            <a:avLst/>
-          </a:prstGeom>
-        </p:spPr>
-        <p:style>
-          <a:lnRef idx="2">
-            <a:schemeClr val="accent2">
-              <a:shade val="50000"/>
-            </a:schemeClr>
-          </a:lnRef>
-          <a:fillRef idx="1">
-            <a:schemeClr val="accent2"/>
-          </a:fillRef>
-          <a:effectRef idx="0">
-            <a:schemeClr val="accent2"/>
-          </a:effectRef>
-          <a:fontRef idx="minor">
-            <a:schemeClr val="lt1"/>
-          </a:fontRef>
-        </p:style>
+        <p:spPr/>
         <p:txBody>
-          <a:bodyPr rtlCol="0" anchor="ctr"/>
+          <a:bodyPr/>
           <a:lstStyle/>
           <a:p>
-            <a:pPr algn="ctr"/>
-            <a:r>
-              <a:rPr lang="ko-KR" altLang="en-US" sz="1600" dirty="0"/>
-              <a:t>입력</a:t>
-            </a:r>
-          </a:p>
-        </p:txBody>
-      </p:sp>
-      <p:sp>
-        <p:nvSpPr>
-          <p:cNvPr id="5" name="직사각형 4">
-            <a:extLst>
-              <a:ext uri="{FF2B5EF4-FFF2-40B4-BE49-F238E27FC236}">
-                <a16:creationId xmlns:a16="http://schemas.microsoft.com/office/drawing/2014/main" id="{192ED789-3F9F-48DD-A936-C78ADCA44A09}"/>
-              </a:ext>
-            </a:extLst>
-          </p:cNvPr>
-          <p:cNvSpPr/>
-          <p:nvPr/>
-        </p:nvSpPr>
-        <p:spPr>
-          <a:xfrm>
-            <a:off x="1493300" y="2929873"/>
-            <a:ext cx="1065703" cy="442399"/>
-          </a:xfrm>
-          <a:prstGeom prst="rect">
-            <a:avLst/>
-          </a:prstGeom>
-        </p:spPr>
-        <p:style>
-          <a:lnRef idx="2">
-            <a:schemeClr val="accent2">
-              <a:shade val="50000"/>
-            </a:schemeClr>
-          </a:lnRef>
-          <a:fillRef idx="1">
-            <a:schemeClr val="accent2"/>
-          </a:fillRef>
-          <a:effectRef idx="0">
-            <a:schemeClr val="accent2"/>
-          </a:effectRef>
-          <a:fontRef idx="minor">
-            <a:schemeClr val="lt1"/>
-          </a:fontRef>
-        </p:style>
-        <p:txBody>
-          <a:bodyPr rtlCol="0" anchor="ctr"/>
-          <a:lstStyle/>
-          <a:p>
-            <a:pPr algn="ctr"/>
-            <a:r>
-              <a:rPr lang="ko-KR" altLang="en-US" sz="1600"/>
-              <a:t>수정</a:t>
-            </a:r>
-            <a:endParaRPr lang="ko-KR" altLang="en-US" sz="1600" dirty="0"/>
-          </a:p>
-        </p:txBody>
-      </p:sp>
-      <p:sp>
-        <p:nvSpPr>
-          <p:cNvPr id="6" name="직사각형 5">
-            <a:extLst>
-              <a:ext uri="{FF2B5EF4-FFF2-40B4-BE49-F238E27FC236}">
-                <a16:creationId xmlns:a16="http://schemas.microsoft.com/office/drawing/2014/main" id="{9887F412-954B-4CCE-A7DD-D8CEEAB0618D}"/>
-              </a:ext>
-            </a:extLst>
-          </p:cNvPr>
-          <p:cNvSpPr/>
-          <p:nvPr/>
-        </p:nvSpPr>
-        <p:spPr>
-          <a:xfrm>
-            <a:off x="1493299" y="3682290"/>
-            <a:ext cx="1065703" cy="442399"/>
-          </a:xfrm>
-          <a:prstGeom prst="rect">
-            <a:avLst/>
-          </a:prstGeom>
-        </p:spPr>
-        <p:style>
-          <a:lnRef idx="2">
-            <a:schemeClr val="accent2">
-              <a:shade val="50000"/>
-            </a:schemeClr>
-          </a:lnRef>
-          <a:fillRef idx="1">
-            <a:schemeClr val="accent2"/>
-          </a:fillRef>
-          <a:effectRef idx="0">
-            <a:schemeClr val="accent2"/>
-          </a:effectRef>
-          <a:fontRef idx="minor">
-            <a:schemeClr val="lt1"/>
-          </a:fontRef>
-        </p:style>
-        <p:txBody>
-          <a:bodyPr rtlCol="0" anchor="ctr"/>
-          <a:lstStyle/>
-          <a:p>
-            <a:pPr algn="ctr"/>
-            <a:r>
-              <a:rPr lang="ko-KR" altLang="en-US" sz="1600" dirty="0"/>
-              <a:t>삭제</a:t>
-            </a:r>
-          </a:p>
-        </p:txBody>
-      </p:sp>
-      <p:sp>
-        <p:nvSpPr>
-          <p:cNvPr id="7" name="직사각형 6">
-            <a:extLst>
-              <a:ext uri="{FF2B5EF4-FFF2-40B4-BE49-F238E27FC236}">
-                <a16:creationId xmlns:a16="http://schemas.microsoft.com/office/drawing/2014/main" id="{72A308C0-BBEA-443F-8C87-B588928F0744}"/>
-              </a:ext>
-            </a:extLst>
-          </p:cNvPr>
-          <p:cNvSpPr/>
-          <p:nvPr/>
-        </p:nvSpPr>
-        <p:spPr>
-          <a:xfrm>
-            <a:off x="1493299" y="4488957"/>
-            <a:ext cx="1065703" cy="442399"/>
-          </a:xfrm>
-          <a:prstGeom prst="rect">
-            <a:avLst/>
-          </a:prstGeom>
-        </p:spPr>
-        <p:style>
-          <a:lnRef idx="2">
-            <a:schemeClr val="accent2">
-              <a:shade val="50000"/>
-            </a:schemeClr>
-          </a:lnRef>
-          <a:fillRef idx="1">
-            <a:schemeClr val="accent2"/>
-          </a:fillRef>
-          <a:effectRef idx="0">
-            <a:schemeClr val="accent2"/>
-          </a:effectRef>
-          <a:fontRef idx="minor">
-            <a:schemeClr val="lt1"/>
-          </a:fontRef>
-        </p:style>
-        <p:txBody>
-          <a:bodyPr rtlCol="0" anchor="ctr"/>
-          <a:lstStyle/>
-          <a:p>
-            <a:pPr algn="ctr"/>
-            <a:r>
-              <a:rPr lang="ko-KR" altLang="en-US" sz="1600"/>
-              <a:t>조회</a:t>
-            </a:r>
-            <a:endParaRPr lang="ko-KR" altLang="en-US" sz="1600" dirty="0"/>
+            <a:r>
+              <a:rPr lang="ko-KR" altLang="en-US" dirty="0"/>
+              <a:t>게시물은 누구나 조회 가능하다</a:t>
+            </a:r>
+            <a:endParaRPr lang="en-US" altLang="ko-KR" dirty="0"/>
+          </a:p>
+          <a:p>
+            <a:r>
+              <a:rPr lang="ko-KR" altLang="en-US" dirty="0"/>
+              <a:t>쓰기와 수정 화면이 있다</a:t>
+            </a:r>
+            <a:r>
+              <a:rPr lang="en-US" altLang="ko-KR" dirty="0"/>
+              <a:t>.</a:t>
+            </a:r>
+          </a:p>
+          <a:p>
+            <a:pPr lvl="1"/>
+            <a:r>
+              <a:rPr lang="ko-KR" altLang="en-US" dirty="0"/>
+              <a:t>로그인한 사용자만 쓰기와 수정이 가능</a:t>
+            </a:r>
+            <a:endParaRPr lang="en-US" altLang="ko-KR" dirty="0"/>
+          </a:p>
+          <a:p>
+            <a:pPr lvl="1"/>
+            <a:r>
+              <a:rPr lang="ko-KR" altLang="en-US" dirty="0"/>
+              <a:t>자신의 글만 수정</a:t>
+            </a:r>
+            <a:r>
+              <a:rPr lang="en-US" altLang="ko-KR" dirty="0"/>
+              <a:t>, </a:t>
+            </a:r>
+            <a:r>
+              <a:rPr lang="ko-KR" altLang="en-US" dirty="0"/>
+              <a:t>삭제가 가능</a:t>
+            </a:r>
+            <a:endParaRPr lang="en-US" altLang="ko-KR" dirty="0"/>
+          </a:p>
+          <a:p>
+            <a:r>
+              <a:rPr lang="ko-KR" altLang="en-US" dirty="0"/>
+              <a:t>관리자는 모든 글에 대해 수정과 삭제가 가능</a:t>
+            </a:r>
+            <a:endParaRPr lang="en-US" altLang="ko-KR" dirty="0"/>
+          </a:p>
+          <a:p>
+            <a:pPr lvl="1"/>
+            <a:r>
+              <a:rPr lang="ko-KR" altLang="en-US" dirty="0"/>
+              <a:t>여러 개의 글 제목을 한번에 수정하는 기능</a:t>
+            </a:r>
+            <a:endParaRPr lang="en-US" altLang="ko-KR" dirty="0"/>
+          </a:p>
+          <a:p>
+            <a:pPr lvl="1"/>
+            <a:r>
+              <a:rPr lang="ko-KR" altLang="en-US" dirty="0"/>
+              <a:t>게시물 전체 삭제 기능</a:t>
+            </a:r>
+            <a:endParaRPr lang="en-US" altLang="ko-KR" dirty="0"/>
+          </a:p>
+          <a:p>
+            <a:pPr lvl="2"/>
+            <a:r>
+              <a:rPr lang="ko-KR" altLang="en-US" dirty="0"/>
+              <a:t>전체 </a:t>
+            </a:r>
+            <a:r>
+              <a:rPr lang="ko-KR" altLang="en-US" dirty="0" err="1"/>
+              <a:t>삭제시</a:t>
+            </a:r>
+            <a:r>
+              <a:rPr lang="ko-KR" altLang="en-US" dirty="0"/>
+              <a:t> 관리자 아이피를 확인한다</a:t>
+            </a:r>
+            <a:r>
+              <a:rPr lang="en-US" altLang="ko-KR" dirty="0"/>
+              <a:t>.</a:t>
+            </a:r>
           </a:p>
         </p:txBody>
       </p:sp>
     </p:spTree>
     <p:extLst>
       <p:ext uri="{BB962C8B-B14F-4D97-AF65-F5344CB8AC3E}">
-        <p14:creationId xmlns:p14="http://schemas.microsoft.com/office/powerpoint/2010/main" val="2815746200"/>
+        <p14:creationId xmlns:p14="http://schemas.microsoft.com/office/powerpoint/2010/main" val="657425010"/>
       </p:ext>
     </p:extLst>
   </p:cSld>
@@ -17026,7 +19468,7 @@
           <p:cNvPr id="2" name="제목 1">
             <a:extLst>
               <a:ext uri="{FF2B5EF4-FFF2-40B4-BE49-F238E27FC236}">
-                <a16:creationId xmlns:a16="http://schemas.microsoft.com/office/drawing/2014/main" id="{C3DF3210-4719-486C-8BB5-9230827C840E}"/>
+                <a16:creationId xmlns:a16="http://schemas.microsoft.com/office/drawing/2014/main" id="{85606143-7793-490C-ABFB-AD6BFC0B52B1}"/>
               </a:ext>
             </a:extLst>
           </p:cNvPr>
@@ -17051,354 +19493,91 @@
       </p:sp>
       <p:sp>
         <p:nvSpPr>
-          <p:cNvPr id="4" name="직사각형 3">
+          <p:cNvPr id="3" name="내용 개체 틀 2">
             <a:extLst>
               <a:ext uri="{FF2B5EF4-FFF2-40B4-BE49-F238E27FC236}">
-                <a16:creationId xmlns:a16="http://schemas.microsoft.com/office/drawing/2014/main" id="{8526BF26-6D93-4D67-936D-481D96EF95E1}"/>
+                <a16:creationId xmlns:a16="http://schemas.microsoft.com/office/drawing/2014/main" id="{6CF79056-C7A1-4A8A-B67C-18C83FF2DB81}"/>
               </a:ext>
             </a:extLst>
           </p:cNvPr>
-          <p:cNvSpPr/>
-          <p:nvPr/>
+          <p:cNvSpPr>
+            <a:spLocks noGrp="1"/>
+          </p:cNvSpPr>
+          <p:nvPr>
+            <p:ph idx="1"/>
+          </p:nvPr>
         </p:nvSpPr>
-        <p:spPr>
-          <a:xfrm>
-            <a:off x="1493300" y="2177456"/>
-            <a:ext cx="1065703" cy="442399"/>
-          </a:xfrm>
-          <a:prstGeom prst="rect">
-            <a:avLst/>
-          </a:prstGeom>
-        </p:spPr>
-        <p:style>
-          <a:lnRef idx="2">
-            <a:schemeClr val="accent2">
-              <a:shade val="50000"/>
-            </a:schemeClr>
-          </a:lnRef>
-          <a:fillRef idx="1">
-            <a:schemeClr val="accent2"/>
-          </a:fillRef>
-          <a:effectRef idx="0">
-            <a:schemeClr val="accent2"/>
-          </a:effectRef>
-          <a:fontRef idx="minor">
-            <a:schemeClr val="lt1"/>
-          </a:fontRef>
-        </p:style>
+        <p:spPr/>
         <p:txBody>
-          <a:bodyPr rtlCol="0" anchor="ctr"/>
+          <a:bodyPr/>
           <a:lstStyle/>
           <a:p>
-            <a:pPr algn="ctr"/>
-            <a:r>
-              <a:rPr lang="ko-KR" altLang="en-US" sz="1600" dirty="0"/>
-              <a:t>입력</a:t>
-            </a:r>
-          </a:p>
-        </p:txBody>
-      </p:sp>
-      <p:sp>
-        <p:nvSpPr>
-          <p:cNvPr id="5" name="직사각형 4">
-            <a:extLst>
-              <a:ext uri="{FF2B5EF4-FFF2-40B4-BE49-F238E27FC236}">
-                <a16:creationId xmlns:a16="http://schemas.microsoft.com/office/drawing/2014/main" id="{192ED789-3F9F-48DD-A936-C78ADCA44A09}"/>
-              </a:ext>
-            </a:extLst>
-          </p:cNvPr>
-          <p:cNvSpPr/>
-          <p:nvPr/>
-        </p:nvSpPr>
-        <p:spPr>
-          <a:xfrm>
-            <a:off x="1493300" y="2929873"/>
-            <a:ext cx="1065703" cy="442399"/>
-          </a:xfrm>
-          <a:prstGeom prst="rect">
-            <a:avLst/>
-          </a:prstGeom>
-        </p:spPr>
-        <p:style>
-          <a:lnRef idx="2">
-            <a:schemeClr val="accent2">
-              <a:shade val="50000"/>
-            </a:schemeClr>
-          </a:lnRef>
-          <a:fillRef idx="1">
-            <a:schemeClr val="accent2"/>
-          </a:fillRef>
-          <a:effectRef idx="0">
-            <a:schemeClr val="accent2"/>
-          </a:effectRef>
-          <a:fontRef idx="minor">
-            <a:schemeClr val="lt1"/>
-          </a:fontRef>
-        </p:style>
-        <p:txBody>
-          <a:bodyPr rtlCol="0" anchor="ctr"/>
-          <a:lstStyle/>
-          <a:p>
-            <a:pPr algn="ctr"/>
-            <a:r>
-              <a:rPr lang="ko-KR" altLang="en-US" sz="1600"/>
-              <a:t>수정</a:t>
-            </a:r>
-            <a:endParaRPr lang="ko-KR" altLang="en-US" sz="1600" dirty="0"/>
-          </a:p>
-        </p:txBody>
-      </p:sp>
-      <p:sp>
-        <p:nvSpPr>
-          <p:cNvPr id="6" name="직사각형 5">
-            <a:extLst>
-              <a:ext uri="{FF2B5EF4-FFF2-40B4-BE49-F238E27FC236}">
-                <a16:creationId xmlns:a16="http://schemas.microsoft.com/office/drawing/2014/main" id="{9887F412-954B-4CCE-A7DD-D8CEEAB0618D}"/>
-              </a:ext>
-            </a:extLst>
-          </p:cNvPr>
-          <p:cNvSpPr/>
-          <p:nvPr/>
-        </p:nvSpPr>
-        <p:spPr>
-          <a:xfrm>
-            <a:off x="1493299" y="3682290"/>
-            <a:ext cx="1065703" cy="442399"/>
-          </a:xfrm>
-          <a:prstGeom prst="rect">
-            <a:avLst/>
-          </a:prstGeom>
-        </p:spPr>
-        <p:style>
-          <a:lnRef idx="2">
-            <a:schemeClr val="accent2">
-              <a:shade val="50000"/>
-            </a:schemeClr>
-          </a:lnRef>
-          <a:fillRef idx="1">
-            <a:schemeClr val="accent2"/>
-          </a:fillRef>
-          <a:effectRef idx="0">
-            <a:schemeClr val="accent2"/>
-          </a:effectRef>
-          <a:fontRef idx="minor">
-            <a:schemeClr val="lt1"/>
-          </a:fontRef>
-        </p:style>
-        <p:txBody>
-          <a:bodyPr rtlCol="0" anchor="ctr"/>
-          <a:lstStyle/>
-          <a:p>
-            <a:pPr algn="ctr"/>
-            <a:r>
-              <a:rPr lang="ko-KR" altLang="en-US" sz="1600" dirty="0"/>
-              <a:t>삭제</a:t>
-            </a:r>
-          </a:p>
-        </p:txBody>
-      </p:sp>
-      <p:sp>
-        <p:nvSpPr>
-          <p:cNvPr id="7" name="직사각형 6">
-            <a:extLst>
-              <a:ext uri="{FF2B5EF4-FFF2-40B4-BE49-F238E27FC236}">
-                <a16:creationId xmlns:a16="http://schemas.microsoft.com/office/drawing/2014/main" id="{72A308C0-BBEA-443F-8C87-B588928F0744}"/>
-              </a:ext>
-            </a:extLst>
-          </p:cNvPr>
-          <p:cNvSpPr/>
-          <p:nvPr/>
-        </p:nvSpPr>
-        <p:spPr>
-          <a:xfrm>
-            <a:off x="1493299" y="4488957"/>
-            <a:ext cx="1065703" cy="442399"/>
-          </a:xfrm>
-          <a:prstGeom prst="rect">
-            <a:avLst/>
-          </a:prstGeom>
-        </p:spPr>
-        <p:style>
-          <a:lnRef idx="2">
-            <a:schemeClr val="accent2">
-              <a:shade val="50000"/>
-            </a:schemeClr>
-          </a:lnRef>
-          <a:fillRef idx="1">
-            <a:schemeClr val="accent2"/>
-          </a:fillRef>
-          <a:effectRef idx="0">
-            <a:schemeClr val="accent2"/>
-          </a:effectRef>
-          <a:fontRef idx="minor">
-            <a:schemeClr val="lt1"/>
-          </a:fontRef>
-        </p:style>
-        <p:txBody>
-          <a:bodyPr rtlCol="0" anchor="ctr"/>
-          <a:lstStyle/>
-          <a:p>
-            <a:pPr algn="ctr"/>
-            <a:r>
-              <a:rPr lang="ko-KR" altLang="en-US" sz="1600"/>
-              <a:t>조회</a:t>
-            </a:r>
-            <a:endParaRPr lang="ko-KR" altLang="en-US" sz="1600" dirty="0"/>
-          </a:p>
-        </p:txBody>
-      </p:sp>
-      <p:sp>
-        <p:nvSpPr>
-          <p:cNvPr id="9" name="직사각형 8">
-            <a:extLst>
-              <a:ext uri="{FF2B5EF4-FFF2-40B4-BE49-F238E27FC236}">
-                <a16:creationId xmlns:a16="http://schemas.microsoft.com/office/drawing/2014/main" id="{38C3107B-5253-4A5D-9B5B-3D1FFB0FE964}"/>
-              </a:ext>
-            </a:extLst>
-          </p:cNvPr>
-          <p:cNvSpPr/>
-          <p:nvPr/>
-        </p:nvSpPr>
-        <p:spPr>
-          <a:xfrm>
-            <a:off x="3461343" y="2556000"/>
-            <a:ext cx="1065703" cy="442399"/>
-          </a:xfrm>
-          <a:prstGeom prst="rect">
-            <a:avLst/>
-          </a:prstGeom>
-        </p:spPr>
-        <p:style>
-          <a:lnRef idx="2">
-            <a:schemeClr val="accent2">
-              <a:shade val="50000"/>
-            </a:schemeClr>
-          </a:lnRef>
-          <a:fillRef idx="1">
-            <a:schemeClr val="accent2"/>
-          </a:fillRef>
-          <a:effectRef idx="0">
-            <a:schemeClr val="accent2"/>
-          </a:effectRef>
-          <a:fontRef idx="minor">
-            <a:schemeClr val="lt1"/>
-          </a:fontRef>
-        </p:style>
-        <p:txBody>
-          <a:bodyPr rtlCol="0" anchor="ctr"/>
-          <a:lstStyle/>
-          <a:p>
-            <a:pPr algn="ctr"/>
-            <a:r>
-              <a:rPr lang="ko-KR" altLang="en-US" sz="1600"/>
-              <a:t>인증</a:t>
-            </a:r>
-            <a:endParaRPr lang="ko-KR" altLang="en-US" sz="1600" dirty="0"/>
-          </a:p>
-        </p:txBody>
-      </p:sp>
-      <p:sp>
-        <p:nvSpPr>
-          <p:cNvPr id="10" name="직사각형 9">
-            <a:extLst>
-              <a:ext uri="{FF2B5EF4-FFF2-40B4-BE49-F238E27FC236}">
-                <a16:creationId xmlns:a16="http://schemas.microsoft.com/office/drawing/2014/main" id="{21BBC8A5-5FAC-43E5-94BC-6CE26648934F}"/>
-              </a:ext>
-            </a:extLst>
-          </p:cNvPr>
-          <p:cNvSpPr/>
-          <p:nvPr/>
-        </p:nvSpPr>
-        <p:spPr>
-          <a:xfrm>
-            <a:off x="3461343" y="3239891"/>
-            <a:ext cx="1065703" cy="442399"/>
-          </a:xfrm>
-          <a:prstGeom prst="rect">
-            <a:avLst/>
-          </a:prstGeom>
-        </p:spPr>
-        <p:style>
-          <a:lnRef idx="2">
-            <a:schemeClr val="accent2">
-              <a:shade val="50000"/>
-            </a:schemeClr>
-          </a:lnRef>
-          <a:fillRef idx="1">
-            <a:schemeClr val="accent2"/>
-          </a:fillRef>
-          <a:effectRef idx="0">
-            <a:schemeClr val="accent2"/>
-          </a:effectRef>
-          <a:fontRef idx="minor">
-            <a:schemeClr val="lt1"/>
-          </a:fontRef>
-        </p:style>
-        <p:txBody>
-          <a:bodyPr rtlCol="0" anchor="ctr"/>
-          <a:lstStyle/>
-          <a:p>
-            <a:pPr algn="ctr"/>
-            <a:r>
-              <a:rPr lang="ko-KR" altLang="en-US" sz="1600" dirty="0"/>
-              <a:t>접근제어</a:t>
-            </a:r>
-          </a:p>
-        </p:txBody>
-      </p:sp>
-      <p:sp>
-        <p:nvSpPr>
-          <p:cNvPr id="11" name="직사각형 10">
-            <a:extLst>
-              <a:ext uri="{FF2B5EF4-FFF2-40B4-BE49-F238E27FC236}">
-                <a16:creationId xmlns:a16="http://schemas.microsoft.com/office/drawing/2014/main" id="{55C63355-0F5A-4838-B0B2-98959EA5FBD4}"/>
-              </a:ext>
-            </a:extLst>
-          </p:cNvPr>
-          <p:cNvSpPr/>
-          <p:nvPr/>
-        </p:nvSpPr>
-        <p:spPr>
-          <a:xfrm>
-            <a:off x="3461343" y="3971192"/>
-            <a:ext cx="1065703" cy="442399"/>
-          </a:xfrm>
-          <a:prstGeom prst="rect">
-            <a:avLst/>
-          </a:prstGeom>
-        </p:spPr>
-        <p:style>
-          <a:lnRef idx="2">
-            <a:schemeClr val="accent2">
-              <a:shade val="50000"/>
-            </a:schemeClr>
-          </a:lnRef>
-          <a:fillRef idx="1">
-            <a:schemeClr val="accent2"/>
-          </a:fillRef>
-          <a:effectRef idx="0">
-            <a:schemeClr val="accent2"/>
-          </a:effectRef>
-          <a:fontRef idx="minor">
-            <a:schemeClr val="lt1"/>
-          </a:fontRef>
-        </p:style>
-        <p:txBody>
-          <a:bodyPr rtlCol="0" anchor="ctr"/>
-          <a:lstStyle/>
-          <a:p>
-            <a:pPr algn="ctr"/>
-            <a:r>
-              <a:rPr lang="ko-KR" altLang="en-US" sz="1600" dirty="0"/>
-              <a:t>파일관리</a:t>
-            </a:r>
+            <a:r>
+              <a:rPr lang="ko-KR" altLang="en-US" dirty="0"/>
+              <a:t>글에는 첨부파일을 등록할 수 있다</a:t>
+            </a:r>
+            <a:r>
+              <a:rPr lang="en-US" altLang="ko-KR" dirty="0"/>
+              <a:t>.</a:t>
+            </a:r>
+          </a:p>
+          <a:p>
+            <a:pPr lvl="1"/>
+            <a:r>
+              <a:rPr lang="en-US" altLang="ko-KR" dirty="0"/>
+              <a:t>2</a:t>
+            </a:r>
+            <a:r>
+              <a:rPr lang="ko-KR" altLang="en-US" dirty="0"/>
+              <a:t>개의 첨부파일 등록</a:t>
+            </a:r>
+            <a:endParaRPr lang="en-US" altLang="ko-KR" dirty="0"/>
+          </a:p>
+          <a:p>
+            <a:pPr lvl="1"/>
+            <a:r>
+              <a:rPr lang="ko-KR" altLang="en-US" dirty="0"/>
+              <a:t>글 </a:t>
+            </a:r>
+            <a:r>
+              <a:rPr lang="ko-KR" altLang="en-US" dirty="0" err="1"/>
+              <a:t>수정시</a:t>
+            </a:r>
+            <a:r>
+              <a:rPr lang="ko-KR" altLang="en-US" dirty="0"/>
+              <a:t> 첨부파일을 교체할 수 있다</a:t>
+            </a:r>
+            <a:r>
+              <a:rPr lang="en-US" altLang="ko-KR" dirty="0"/>
+              <a:t>.</a:t>
+            </a:r>
+          </a:p>
+          <a:p>
+            <a:r>
+              <a:rPr lang="ko-KR" altLang="en-US" dirty="0" err="1"/>
+              <a:t>프론트엔드</a:t>
+            </a:r>
+            <a:r>
+              <a:rPr lang="ko-KR" altLang="en-US" dirty="0"/>
+              <a:t> 기술은 사용 하지 않습니다</a:t>
+            </a:r>
+            <a:r>
+              <a:rPr lang="en-US" altLang="ko-KR" dirty="0"/>
+              <a:t>.</a:t>
+            </a:r>
+          </a:p>
+          <a:p>
+            <a:pPr marL="0" indent="0">
+              <a:buNone/>
+            </a:pPr>
+            <a:endParaRPr lang="ko-KR" altLang="en-US" dirty="0"/>
           </a:p>
         </p:txBody>
       </p:sp>
     </p:spTree>
     <p:extLst>
       <p:ext uri="{BB962C8B-B14F-4D97-AF65-F5344CB8AC3E}">
-        <p14:creationId xmlns:p14="http://schemas.microsoft.com/office/powerpoint/2010/main" val="861799053"/>
+        <p14:creationId xmlns:p14="http://schemas.microsoft.com/office/powerpoint/2010/main" val="3080948619"/>
       </p:ext>
     </p:extLst>
   </p:cSld>
@@ -17442,7 +19621,7 @@
           <p:cNvPr id="2" name="제목 1">
             <a:extLst>
               <a:ext uri="{FF2B5EF4-FFF2-40B4-BE49-F238E27FC236}">
-                <a16:creationId xmlns:a16="http://schemas.microsoft.com/office/drawing/2014/main" id="{C3DF3210-4719-486C-8BB5-9230827C840E}"/>
+                <a16:creationId xmlns:a16="http://schemas.microsoft.com/office/drawing/2014/main" id="{8A483029-EECF-4B9C-A989-97DF83DF63A7}"/>
               </a:ext>
             </a:extLst>
           </p:cNvPr>
@@ -17465,504 +19644,12 @@
           </a:p>
         </p:txBody>
       </p:sp>
-      <p:sp>
-        <p:nvSpPr>
-          <p:cNvPr id="4" name="직사각형 3">
+      <p:pic>
+        <p:nvPicPr>
+          <p:cNvPr id="9" name="그림 8">
             <a:extLst>
               <a:ext uri="{FF2B5EF4-FFF2-40B4-BE49-F238E27FC236}">
-                <a16:creationId xmlns:a16="http://schemas.microsoft.com/office/drawing/2014/main" id="{8526BF26-6D93-4D67-936D-481D96EF95E1}"/>
-              </a:ext>
-            </a:extLst>
-          </p:cNvPr>
-          <p:cNvSpPr/>
-          <p:nvPr/>
-        </p:nvSpPr>
-        <p:spPr>
-          <a:xfrm>
-            <a:off x="1493300" y="2177456"/>
-            <a:ext cx="1065703" cy="442399"/>
-          </a:xfrm>
-          <a:prstGeom prst="rect">
-            <a:avLst/>
-          </a:prstGeom>
-        </p:spPr>
-        <p:style>
-          <a:lnRef idx="2">
-            <a:schemeClr val="accent2">
-              <a:shade val="50000"/>
-            </a:schemeClr>
-          </a:lnRef>
-          <a:fillRef idx="1">
-            <a:schemeClr val="accent2"/>
-          </a:fillRef>
-          <a:effectRef idx="0">
-            <a:schemeClr val="accent2"/>
-          </a:effectRef>
-          <a:fontRef idx="minor">
-            <a:schemeClr val="lt1"/>
-          </a:fontRef>
-        </p:style>
-        <p:txBody>
-          <a:bodyPr rtlCol="0" anchor="ctr"/>
-          <a:lstStyle/>
-          <a:p>
-            <a:pPr algn="ctr"/>
-            <a:r>
-              <a:rPr lang="ko-KR" altLang="en-US" sz="1600" dirty="0"/>
-              <a:t>입력</a:t>
-            </a:r>
-          </a:p>
-        </p:txBody>
-      </p:sp>
-      <p:sp>
-        <p:nvSpPr>
-          <p:cNvPr id="5" name="직사각형 4">
-            <a:extLst>
-              <a:ext uri="{FF2B5EF4-FFF2-40B4-BE49-F238E27FC236}">
-                <a16:creationId xmlns:a16="http://schemas.microsoft.com/office/drawing/2014/main" id="{192ED789-3F9F-48DD-A936-C78ADCA44A09}"/>
-              </a:ext>
-            </a:extLst>
-          </p:cNvPr>
-          <p:cNvSpPr/>
-          <p:nvPr/>
-        </p:nvSpPr>
-        <p:spPr>
-          <a:xfrm>
-            <a:off x="1493300" y="2929873"/>
-            <a:ext cx="1065703" cy="442399"/>
-          </a:xfrm>
-          <a:prstGeom prst="rect">
-            <a:avLst/>
-          </a:prstGeom>
-        </p:spPr>
-        <p:style>
-          <a:lnRef idx="2">
-            <a:schemeClr val="accent2">
-              <a:shade val="50000"/>
-            </a:schemeClr>
-          </a:lnRef>
-          <a:fillRef idx="1">
-            <a:schemeClr val="accent2"/>
-          </a:fillRef>
-          <a:effectRef idx="0">
-            <a:schemeClr val="accent2"/>
-          </a:effectRef>
-          <a:fontRef idx="minor">
-            <a:schemeClr val="lt1"/>
-          </a:fontRef>
-        </p:style>
-        <p:txBody>
-          <a:bodyPr rtlCol="0" anchor="ctr"/>
-          <a:lstStyle/>
-          <a:p>
-            <a:pPr algn="ctr"/>
-            <a:r>
-              <a:rPr lang="ko-KR" altLang="en-US" sz="1600"/>
-              <a:t>수정</a:t>
-            </a:r>
-            <a:endParaRPr lang="ko-KR" altLang="en-US" sz="1600" dirty="0"/>
-          </a:p>
-        </p:txBody>
-      </p:sp>
-      <p:sp>
-        <p:nvSpPr>
-          <p:cNvPr id="6" name="직사각형 5">
-            <a:extLst>
-              <a:ext uri="{FF2B5EF4-FFF2-40B4-BE49-F238E27FC236}">
-                <a16:creationId xmlns:a16="http://schemas.microsoft.com/office/drawing/2014/main" id="{9887F412-954B-4CCE-A7DD-D8CEEAB0618D}"/>
-              </a:ext>
-            </a:extLst>
-          </p:cNvPr>
-          <p:cNvSpPr/>
-          <p:nvPr/>
-        </p:nvSpPr>
-        <p:spPr>
-          <a:xfrm>
-            <a:off x="1493299" y="3682290"/>
-            <a:ext cx="1065703" cy="442399"/>
-          </a:xfrm>
-          <a:prstGeom prst="rect">
-            <a:avLst/>
-          </a:prstGeom>
-        </p:spPr>
-        <p:style>
-          <a:lnRef idx="2">
-            <a:schemeClr val="accent2">
-              <a:shade val="50000"/>
-            </a:schemeClr>
-          </a:lnRef>
-          <a:fillRef idx="1">
-            <a:schemeClr val="accent2"/>
-          </a:fillRef>
-          <a:effectRef idx="0">
-            <a:schemeClr val="accent2"/>
-          </a:effectRef>
-          <a:fontRef idx="minor">
-            <a:schemeClr val="lt1"/>
-          </a:fontRef>
-        </p:style>
-        <p:txBody>
-          <a:bodyPr rtlCol="0" anchor="ctr"/>
-          <a:lstStyle/>
-          <a:p>
-            <a:pPr algn="ctr"/>
-            <a:r>
-              <a:rPr lang="ko-KR" altLang="en-US" sz="1600" dirty="0"/>
-              <a:t>삭제</a:t>
-            </a:r>
-          </a:p>
-        </p:txBody>
-      </p:sp>
-      <p:sp>
-        <p:nvSpPr>
-          <p:cNvPr id="7" name="직사각형 6">
-            <a:extLst>
-              <a:ext uri="{FF2B5EF4-FFF2-40B4-BE49-F238E27FC236}">
-                <a16:creationId xmlns:a16="http://schemas.microsoft.com/office/drawing/2014/main" id="{72A308C0-BBEA-443F-8C87-B588928F0744}"/>
-              </a:ext>
-            </a:extLst>
-          </p:cNvPr>
-          <p:cNvSpPr/>
-          <p:nvPr/>
-        </p:nvSpPr>
-        <p:spPr>
-          <a:xfrm>
-            <a:off x="1493299" y="4488957"/>
-            <a:ext cx="1065703" cy="442399"/>
-          </a:xfrm>
-          <a:prstGeom prst="rect">
-            <a:avLst/>
-          </a:prstGeom>
-        </p:spPr>
-        <p:style>
-          <a:lnRef idx="2">
-            <a:schemeClr val="accent2">
-              <a:shade val="50000"/>
-            </a:schemeClr>
-          </a:lnRef>
-          <a:fillRef idx="1">
-            <a:schemeClr val="accent2"/>
-          </a:fillRef>
-          <a:effectRef idx="0">
-            <a:schemeClr val="accent2"/>
-          </a:effectRef>
-          <a:fontRef idx="minor">
-            <a:schemeClr val="lt1"/>
-          </a:fontRef>
-        </p:style>
-        <p:txBody>
-          <a:bodyPr rtlCol="0" anchor="ctr"/>
-          <a:lstStyle/>
-          <a:p>
-            <a:pPr algn="ctr"/>
-            <a:r>
-              <a:rPr lang="ko-KR" altLang="en-US" sz="1600"/>
-              <a:t>조회</a:t>
-            </a:r>
-            <a:endParaRPr lang="ko-KR" altLang="en-US" sz="1600" dirty="0"/>
-          </a:p>
-        </p:txBody>
-      </p:sp>
-      <p:sp>
-        <p:nvSpPr>
-          <p:cNvPr id="9" name="직사각형 8">
-            <a:extLst>
-              <a:ext uri="{FF2B5EF4-FFF2-40B4-BE49-F238E27FC236}">
-                <a16:creationId xmlns:a16="http://schemas.microsoft.com/office/drawing/2014/main" id="{38C3107B-5253-4A5D-9B5B-3D1FFB0FE964}"/>
-              </a:ext>
-            </a:extLst>
-          </p:cNvPr>
-          <p:cNvSpPr/>
-          <p:nvPr/>
-        </p:nvSpPr>
-        <p:spPr>
-          <a:xfrm>
-            <a:off x="3461343" y="2556000"/>
-            <a:ext cx="1065703" cy="442399"/>
-          </a:xfrm>
-          <a:prstGeom prst="rect">
-            <a:avLst/>
-          </a:prstGeom>
-        </p:spPr>
-        <p:style>
-          <a:lnRef idx="2">
-            <a:schemeClr val="accent2">
-              <a:shade val="50000"/>
-            </a:schemeClr>
-          </a:lnRef>
-          <a:fillRef idx="1">
-            <a:schemeClr val="accent2"/>
-          </a:fillRef>
-          <a:effectRef idx="0">
-            <a:schemeClr val="accent2"/>
-          </a:effectRef>
-          <a:fontRef idx="minor">
-            <a:schemeClr val="lt1"/>
-          </a:fontRef>
-        </p:style>
-        <p:txBody>
-          <a:bodyPr rtlCol="0" anchor="ctr"/>
-          <a:lstStyle/>
-          <a:p>
-            <a:pPr algn="ctr"/>
-            <a:r>
-              <a:rPr lang="ko-KR" altLang="en-US" sz="1600" dirty="0"/>
-              <a:t>인증</a:t>
-            </a:r>
-          </a:p>
-        </p:txBody>
-      </p:sp>
-      <p:sp>
-        <p:nvSpPr>
-          <p:cNvPr id="10" name="직사각형 9">
-            <a:extLst>
-              <a:ext uri="{FF2B5EF4-FFF2-40B4-BE49-F238E27FC236}">
-                <a16:creationId xmlns:a16="http://schemas.microsoft.com/office/drawing/2014/main" id="{21BBC8A5-5FAC-43E5-94BC-6CE26648934F}"/>
-              </a:ext>
-            </a:extLst>
-          </p:cNvPr>
-          <p:cNvSpPr/>
-          <p:nvPr/>
-        </p:nvSpPr>
-        <p:spPr>
-          <a:xfrm>
-            <a:off x="3461343" y="3239891"/>
-            <a:ext cx="1065703" cy="442399"/>
-          </a:xfrm>
-          <a:prstGeom prst="rect">
-            <a:avLst/>
-          </a:prstGeom>
-        </p:spPr>
-        <p:style>
-          <a:lnRef idx="2">
-            <a:schemeClr val="accent2">
-              <a:shade val="50000"/>
-            </a:schemeClr>
-          </a:lnRef>
-          <a:fillRef idx="1">
-            <a:schemeClr val="accent2"/>
-          </a:fillRef>
-          <a:effectRef idx="0">
-            <a:schemeClr val="accent2"/>
-          </a:effectRef>
-          <a:fontRef idx="minor">
-            <a:schemeClr val="lt1"/>
-          </a:fontRef>
-        </p:style>
-        <p:txBody>
-          <a:bodyPr rtlCol="0" anchor="ctr"/>
-          <a:lstStyle/>
-          <a:p>
-            <a:pPr algn="ctr"/>
-            <a:r>
-              <a:rPr lang="ko-KR" altLang="en-US" sz="1600" dirty="0"/>
-              <a:t>접근제어</a:t>
-            </a:r>
-          </a:p>
-        </p:txBody>
-      </p:sp>
-      <p:sp>
-        <p:nvSpPr>
-          <p:cNvPr id="11" name="직사각형 10">
-            <a:extLst>
-              <a:ext uri="{FF2B5EF4-FFF2-40B4-BE49-F238E27FC236}">
-                <a16:creationId xmlns:a16="http://schemas.microsoft.com/office/drawing/2014/main" id="{55C63355-0F5A-4838-B0B2-98959EA5FBD4}"/>
-              </a:ext>
-            </a:extLst>
-          </p:cNvPr>
-          <p:cNvSpPr/>
-          <p:nvPr/>
-        </p:nvSpPr>
-        <p:spPr>
-          <a:xfrm>
-            <a:off x="3461343" y="3971192"/>
-            <a:ext cx="1065703" cy="442399"/>
-          </a:xfrm>
-          <a:prstGeom prst="rect">
-            <a:avLst/>
-          </a:prstGeom>
-        </p:spPr>
-        <p:style>
-          <a:lnRef idx="2">
-            <a:schemeClr val="accent2">
-              <a:shade val="50000"/>
-            </a:schemeClr>
-          </a:lnRef>
-          <a:fillRef idx="1">
-            <a:schemeClr val="accent2"/>
-          </a:fillRef>
-          <a:effectRef idx="0">
-            <a:schemeClr val="accent2"/>
-          </a:effectRef>
-          <a:fontRef idx="minor">
-            <a:schemeClr val="lt1"/>
-          </a:fontRef>
-        </p:style>
-        <p:txBody>
-          <a:bodyPr rtlCol="0" anchor="ctr"/>
-          <a:lstStyle/>
-          <a:p>
-            <a:pPr algn="ctr"/>
-            <a:r>
-              <a:rPr lang="ko-KR" altLang="en-US" sz="1600" dirty="0"/>
-              <a:t>파일관리</a:t>
-            </a:r>
-          </a:p>
-        </p:txBody>
-      </p:sp>
-      <p:sp>
-        <p:nvSpPr>
-          <p:cNvPr id="12" name="직사각형 11">
-            <a:extLst>
-              <a:ext uri="{FF2B5EF4-FFF2-40B4-BE49-F238E27FC236}">
-                <a16:creationId xmlns:a16="http://schemas.microsoft.com/office/drawing/2014/main" id="{2126FAFA-415E-4281-9853-F535C4088D47}"/>
-              </a:ext>
-            </a:extLst>
-          </p:cNvPr>
-          <p:cNvSpPr/>
-          <p:nvPr/>
-        </p:nvSpPr>
-        <p:spPr>
-          <a:xfrm>
-            <a:off x="5429386" y="2556000"/>
-            <a:ext cx="1065703" cy="442399"/>
-          </a:xfrm>
-          <a:prstGeom prst="rect">
-            <a:avLst/>
-          </a:prstGeom>
-        </p:spPr>
-        <p:style>
-          <a:lnRef idx="2">
-            <a:schemeClr val="accent2">
-              <a:shade val="50000"/>
-            </a:schemeClr>
-          </a:lnRef>
-          <a:fillRef idx="1">
-            <a:schemeClr val="accent2"/>
-          </a:fillRef>
-          <a:effectRef idx="0">
-            <a:schemeClr val="accent2"/>
-          </a:effectRef>
-          <a:fontRef idx="minor">
-            <a:schemeClr val="lt1"/>
-          </a:fontRef>
-        </p:style>
-        <p:txBody>
-          <a:bodyPr rtlCol="0" anchor="ctr"/>
-          <a:lstStyle/>
-          <a:p>
-            <a:pPr algn="ctr"/>
-            <a:r>
-              <a:rPr lang="ko-KR" altLang="en-US" sz="1600" dirty="0"/>
-              <a:t>보안</a:t>
-            </a:r>
-          </a:p>
-        </p:txBody>
-      </p:sp>
-      <p:sp>
-        <p:nvSpPr>
-          <p:cNvPr id="13" name="직사각형 12">
-            <a:extLst>
-              <a:ext uri="{FF2B5EF4-FFF2-40B4-BE49-F238E27FC236}">
-                <a16:creationId xmlns:a16="http://schemas.microsoft.com/office/drawing/2014/main" id="{6A9A597E-36AD-4B70-B8F3-72A6A52DB73B}"/>
-              </a:ext>
-            </a:extLst>
-          </p:cNvPr>
-          <p:cNvSpPr/>
-          <p:nvPr/>
-        </p:nvSpPr>
-        <p:spPr>
-          <a:xfrm>
-            <a:off x="5429386" y="3239891"/>
-            <a:ext cx="1065703" cy="442399"/>
-          </a:xfrm>
-          <a:prstGeom prst="rect">
-            <a:avLst/>
-          </a:prstGeom>
-        </p:spPr>
-        <p:style>
-          <a:lnRef idx="2">
-            <a:schemeClr val="accent2">
-              <a:shade val="50000"/>
-            </a:schemeClr>
-          </a:lnRef>
-          <a:fillRef idx="1">
-            <a:schemeClr val="accent2"/>
-          </a:fillRef>
-          <a:effectRef idx="0">
-            <a:schemeClr val="accent2"/>
-          </a:effectRef>
-          <a:fontRef idx="minor">
-            <a:schemeClr val="lt1"/>
-          </a:fontRef>
-        </p:style>
-        <p:txBody>
-          <a:bodyPr rtlCol="0" anchor="ctr"/>
-          <a:lstStyle/>
-          <a:p>
-            <a:pPr algn="ctr"/>
-            <a:r>
-              <a:rPr lang="ko-KR" altLang="en-US" sz="1600" dirty="0"/>
-              <a:t>성능</a:t>
-            </a:r>
-          </a:p>
-        </p:txBody>
-      </p:sp>
-      <p:sp>
-        <p:nvSpPr>
-          <p:cNvPr id="14" name="직사각형 13">
-            <a:extLst>
-              <a:ext uri="{FF2B5EF4-FFF2-40B4-BE49-F238E27FC236}">
-                <a16:creationId xmlns:a16="http://schemas.microsoft.com/office/drawing/2014/main" id="{919DEB9E-4681-46C3-B533-7CF8C746E1AB}"/>
-              </a:ext>
-            </a:extLst>
-          </p:cNvPr>
-          <p:cNvSpPr/>
-          <p:nvPr/>
-        </p:nvSpPr>
-        <p:spPr>
-          <a:xfrm>
-            <a:off x="5429386" y="3971192"/>
-            <a:ext cx="1065703" cy="442399"/>
-          </a:xfrm>
-          <a:prstGeom prst="rect">
-            <a:avLst/>
-          </a:prstGeom>
-        </p:spPr>
-        <p:style>
-          <a:lnRef idx="2">
-            <a:schemeClr val="accent2">
-              <a:shade val="50000"/>
-            </a:schemeClr>
-          </a:lnRef>
-          <a:fillRef idx="1">
-            <a:schemeClr val="accent2"/>
-          </a:fillRef>
-          <a:effectRef idx="0">
-            <a:schemeClr val="accent2"/>
-          </a:effectRef>
-          <a:fontRef idx="minor">
-            <a:schemeClr val="lt1"/>
-          </a:fontRef>
-        </p:style>
-        <p:txBody>
-          <a:bodyPr rtlCol="0" anchor="ctr"/>
-          <a:lstStyle/>
-          <a:p>
-            <a:pPr algn="ctr"/>
-            <a:r>
-              <a:rPr lang="ko-KR" altLang="en-US" sz="1600" dirty="0"/>
-              <a:t>유지보수</a:t>
-            </a:r>
-          </a:p>
-        </p:txBody>
-      </p:sp>
-      <p:pic>
-        <p:nvPicPr>
-          <p:cNvPr id="8" name="그림 7">
-            <a:extLst>
-              <a:ext uri="{FF2B5EF4-FFF2-40B4-BE49-F238E27FC236}">
-                <a16:creationId xmlns:a16="http://schemas.microsoft.com/office/drawing/2014/main" id="{4646A21B-628E-49B9-8D93-EB6B2AD224AC}"/>
+                <a16:creationId xmlns:a16="http://schemas.microsoft.com/office/drawing/2014/main" id="{E8959689-3AD7-4374-A7AC-AA23B0F8C904}"/>
               </a:ext>
             </a:extLst>
           </p:cNvPr>
@@ -17979,8 +19666,38 @@
         </p:blipFill>
         <p:spPr>
           <a:xfrm>
-            <a:off x="7177284" y="1562243"/>
-            <a:ext cx="4106864" cy="3733513"/>
+            <a:off x="1295400" y="1920629"/>
+            <a:ext cx="3686689" cy="2200582"/>
+          </a:xfrm>
+          <a:prstGeom prst="rect">
+            <a:avLst/>
+          </a:prstGeom>
+        </p:spPr>
+      </p:pic>
+      <p:pic>
+        <p:nvPicPr>
+          <p:cNvPr id="11" name="그림 10">
+            <a:extLst>
+              <a:ext uri="{FF2B5EF4-FFF2-40B4-BE49-F238E27FC236}">
+                <a16:creationId xmlns:a16="http://schemas.microsoft.com/office/drawing/2014/main" id="{BE0D9352-321B-4751-A2A8-12B717BAC8AB}"/>
+              </a:ext>
+            </a:extLst>
+          </p:cNvPr>
+          <p:cNvPicPr>
+            <a:picLocks noChangeAspect="1"/>
+          </p:cNvPicPr>
+          <p:nvPr/>
+        </p:nvPicPr>
+        <p:blipFill>
+          <a:blip r:embed="rId3"/>
+          <a:stretch>
+            <a:fillRect/>
+          </a:stretch>
+        </p:blipFill>
+        <p:spPr>
+          <a:xfrm>
+            <a:off x="5876271" y="1975362"/>
+            <a:ext cx="3734321" cy="2438740"/>
           </a:xfrm>
           <a:prstGeom prst="rect">
             <a:avLst/>
@@ -17990,7 +19707,7 @@
     </p:spTree>
     <p:extLst>
       <p:ext uri="{BB962C8B-B14F-4D97-AF65-F5344CB8AC3E}">
-        <p14:creationId xmlns:p14="http://schemas.microsoft.com/office/powerpoint/2010/main" val="1749076430"/>
+        <p14:creationId xmlns:p14="http://schemas.microsoft.com/office/powerpoint/2010/main" val="1274504814"/>
       </p:ext>
     </p:extLst>
   </p:cSld>

--- a/inflearn01/doc/교재_개정내용.pptx
+++ b/inflearn01/doc/교재_개정내용.pptx
@@ -5,10 +5,10 @@
     <p:sldMasterId id="2147483648" r:id="rId1"/>
   </p:sldMasterIdLst>
   <p:notesMasterIdLst>
-    <p:notesMasterId r:id="rId21"/>
+    <p:notesMasterId r:id="rId8"/>
   </p:notesMasterIdLst>
   <p:handoutMasterIdLst>
-    <p:handoutMasterId r:id="rId22"/>
+    <p:handoutMasterId r:id="rId9"/>
   </p:handoutMasterIdLst>
   <p:sldIdLst>
     <p:sldId id="261" r:id="rId2"/>
@@ -17,19 +17,6 @@
     <p:sldId id="309" r:id="rId5"/>
     <p:sldId id="311" r:id="rId6"/>
     <p:sldId id="290" r:id="rId7"/>
-    <p:sldId id="301" r:id="rId8"/>
-    <p:sldId id="302" r:id="rId9"/>
-    <p:sldId id="294" r:id="rId10"/>
-    <p:sldId id="295" r:id="rId11"/>
-    <p:sldId id="296" r:id="rId12"/>
-    <p:sldId id="312" r:id="rId13"/>
-    <p:sldId id="313" r:id="rId14"/>
-    <p:sldId id="314" r:id="rId15"/>
-    <p:sldId id="315" r:id="rId16"/>
-    <p:sldId id="300" r:id="rId17"/>
-    <p:sldId id="304" r:id="rId18"/>
-    <p:sldId id="306" r:id="rId19"/>
-    <p:sldId id="305" r:id="rId20"/>
   </p:sldIdLst>
   <p:sldSz cx="12192000" cy="6858000"/>
   <p:notesSz cx="6858000" cy="9144000"/>
@@ -240,7 +227,7 @@
                 <a:latin typeface="맑은 고딕" panose="020B0503020000020004" pitchFamily="50" charset="-127"/>
                 <a:ea typeface="맑은 고딕" panose="020B0503020000020004" pitchFamily="50" charset="-127"/>
               </a:rPr>
-              <a:t>2021년 5월 30일</a:t>
+              <a:t>2021년 6월 2일</a:t>
             </a:fld>
             <a:endParaRPr lang="ko-KR" altLang="en-US">
               <a:latin typeface="맑은 고딕" panose="020B0503020000020004" pitchFamily="50" charset="-127"/>
@@ -426,7 +413,7 @@
             <a:fld id="{BE16EC8A-0758-4FA9-BF4D-3119057076D1}" type="datetime4">
               <a:rPr lang="ko-KR" altLang="en-US" smtClean="0"/>
               <a:pPr/>
-              <a:t>2021년 5월 30일</a:t>
+              <a:t>2021년 6월 2일</a:t>
             </a:fld>
             <a:endParaRPr lang="ko-KR" altLang="en-US"/>
           </a:p>
@@ -3097,7 +3084,7 @@
           <a:p>
             <a:fld id="{2A5B65E4-62A8-4988-B07B-5D6D443B14ED}" type="datetime4">
               <a:rPr lang="ko-KR" altLang="en-US" smtClean="0"/>
-              <a:t>2021년 5월 30일</a:t>
+              <a:t>2021년 6월 2일</a:t>
             </a:fld>
             <a:endParaRPr lang="ko-KR" altLang="en-US"/>
           </a:p>
@@ -3353,7 +3340,7 @@
           <a:p>
             <a:fld id="{58EB6286-0DE7-4336-9826-977AD102FCF2}" type="datetime4">
               <a:rPr lang="ko-KR" altLang="en-US" noProof="0" smtClean="0"/>
-              <a:t>2021년 5월 30일</a:t>
+              <a:t>2021년 6월 2일</a:t>
             </a:fld>
             <a:endParaRPr lang="ko-KR" altLang="en-US" noProof="0"/>
           </a:p>
@@ -3549,7 +3536,7 @@
             <a:pPr rtl="0"/>
             <a:fld id="{6A5419DA-7218-42E5-A443-F000500111E1}" type="datetime4">
               <a:rPr lang="ko-KR" altLang="en-US" noProof="0" smtClean="0"/>
-              <a:t>2021년 5월 30일</a:t>
+              <a:t>2021년 6월 2일</a:t>
             </a:fld>
             <a:endParaRPr lang="ko-KR" altLang="en-US" noProof="0"/>
           </a:p>
@@ -5950,7 +5937,7 @@
           <a:p>
             <a:fld id="{E498C52F-1DF1-4226-BAB6-C1E2EE4C9D62}" type="datetime4">
               <a:rPr lang="ko-KR" altLang="en-US" noProof="0" smtClean="0"/>
-              <a:t>2021년 5월 30일</a:t>
+              <a:t>2021년 6월 2일</a:t>
             </a:fld>
             <a:endParaRPr lang="ko-KR" altLang="en-US" noProof="0"/>
           </a:p>
@@ -6469,7 +6456,7 @@
           <a:p>
             <a:fld id="{7B1E1FFC-F755-4558-8D3C-A157D1A01A8A}" type="datetime4">
               <a:rPr lang="ko-KR" altLang="en-US" noProof="0" smtClean="0"/>
-              <a:t>2021년 5월 30일</a:t>
+              <a:t>2021년 6월 2일</a:t>
             </a:fld>
             <a:endParaRPr lang="ko-KR" altLang="en-US" noProof="0"/>
           </a:p>
@@ -6613,7 +6600,7 @@
             <a:pPr rtl="0"/>
             <a:fld id="{DA2A33C0-A4A8-4C90-B6DA-35B8CF58C816}" type="datetime4">
               <a:rPr lang="ko-KR" altLang="en-US" noProof="0" smtClean="0"/>
-              <a:t>2021년 5월 30일</a:t>
+              <a:t>2021년 6월 2일</a:t>
             </a:fld>
             <a:endParaRPr lang="ko-KR" altLang="en-US" noProof="0"/>
           </a:p>
@@ -8561,7 +8548,7 @@
           <a:p>
             <a:fld id="{53CB1B8F-A14A-4BE4-A9B9-3B263F04145C}" type="datetime4">
               <a:rPr lang="ko-KR" altLang="en-US" noProof="0" smtClean="0"/>
-              <a:t>2021년 5월 30일</a:t>
+              <a:t>2021년 6월 2일</a:t>
             </a:fld>
             <a:endParaRPr lang="ko-KR" altLang="en-US" noProof="0"/>
           </a:p>
@@ -10858,7 +10845,7 @@
           <a:p>
             <a:fld id="{5B9196A3-957C-4113-A568-B6ED9AEA3D01}" type="datetime4">
               <a:rPr lang="ko-KR" altLang="en-US" noProof="0" smtClean="0"/>
-              <a:t>2021년 5월 30일</a:t>
+              <a:t>2021년 6월 2일</a:t>
             </a:fld>
             <a:endParaRPr lang="ko-KR" altLang="en-US" noProof="0"/>
           </a:p>
@@ -15175,7 +15162,7 @@
           <a:p>
             <a:fld id="{28BEB146-D335-4DA5-9826-58595BCDBE2E}" type="datetime4">
               <a:rPr lang="ko-KR" altLang="en-US" noProof="0" smtClean="0"/>
-              <a:t>2021년 5월 30일</a:t>
+              <a:t>2021년 6월 2일</a:t>
             </a:fld>
             <a:endParaRPr lang="ko-KR" altLang="en-US" noProof="0"/>
           </a:p>
@@ -15702,2908 +15689,6 @@
     <p:extLst>
       <p:ext uri="{BB962C8B-B14F-4D97-AF65-F5344CB8AC3E}">
         <p14:creationId xmlns:p14="http://schemas.microsoft.com/office/powerpoint/2010/main" val="106904919"/>
-      </p:ext>
-    </p:extLst>
-  </p:cSld>
-  <p:clrMapOvr>
-    <a:masterClrMapping/>
-  </p:clrMapOvr>
-  <mc:AlternateContent xmlns:mc="http://schemas.openxmlformats.org/markup-compatibility/2006" xmlns:p14="http://schemas.microsoft.com/office/powerpoint/2010/main">
-    <mc:Choice Requires="p14">
-      <p:transition spd="med" p14:dur="700">
-        <p:fade/>
-      </p:transition>
-    </mc:Choice>
-    <mc:Fallback xmlns="">
-      <p:transition spd="med">
-        <p:fade/>
-      </p:transition>
-    </mc:Fallback>
-  </mc:AlternateContent>
-</p:sld>
-</file>
-
-<file path=ppt/slides/slide10.xml><?xml version="1.0" encoding="utf-8"?>
-<p:sld xmlns:a="http://schemas.openxmlformats.org/drawingml/2006/main" xmlns:r="http://schemas.openxmlformats.org/officeDocument/2006/relationships" xmlns:p="http://schemas.openxmlformats.org/presentationml/2006/main">
-  <p:cSld>
-    <p:spTree>
-      <p:nvGrpSpPr>
-        <p:cNvPr id="1" name=""/>
-        <p:cNvGrpSpPr/>
-        <p:nvPr/>
-      </p:nvGrpSpPr>
-      <p:grpSpPr>
-        <a:xfrm>
-          <a:off x="0" y="0"/>
-          <a:ext cx="0" cy="0"/>
-          <a:chOff x="0" y="0"/>
-          <a:chExt cx="0" cy="0"/>
-        </a:xfrm>
-      </p:grpSpPr>
-      <p:sp>
-        <p:nvSpPr>
-          <p:cNvPr id="2" name="제목 1">
-            <a:extLst>
-              <a:ext uri="{FF2B5EF4-FFF2-40B4-BE49-F238E27FC236}">
-                <a16:creationId xmlns:a16="http://schemas.microsoft.com/office/drawing/2014/main" id="{FE8FFD71-05AC-4679-9BF5-2C7FBBB4AA51}"/>
-              </a:ext>
-            </a:extLst>
-          </p:cNvPr>
-          <p:cNvSpPr>
-            <a:spLocks noGrp="1"/>
-          </p:cNvSpPr>
-          <p:nvPr>
-            <p:ph type="title"/>
-          </p:nvPr>
-        </p:nvSpPr>
-        <p:spPr/>
-        <p:txBody>
-          <a:bodyPr/>
-          <a:lstStyle/>
-          <a:p>
-            <a:r>
-              <a:rPr lang="ko-KR" altLang="en-US" dirty="0"/>
-              <a:t>게시판 만들기</a:t>
-            </a:r>
-          </a:p>
-        </p:txBody>
-      </p:sp>
-      <p:pic>
-        <p:nvPicPr>
-          <p:cNvPr id="7" name="내용 개체 틀 6">
-            <a:extLst>
-              <a:ext uri="{FF2B5EF4-FFF2-40B4-BE49-F238E27FC236}">
-                <a16:creationId xmlns:a16="http://schemas.microsoft.com/office/drawing/2014/main" id="{847D722B-B00B-462A-A0A0-82E6320507D7}"/>
-              </a:ext>
-            </a:extLst>
-          </p:cNvPr>
-          <p:cNvPicPr>
-            <a:picLocks noGrp="1" noChangeAspect="1"/>
-          </p:cNvPicPr>
-          <p:nvPr>
-            <p:ph idx="1"/>
-          </p:nvPr>
-        </p:nvPicPr>
-        <p:blipFill rotWithShape="1">
-          <a:blip r:embed="rId2"/>
-          <a:srcRect t="9157" r="37388" b="41724"/>
-          <a:stretch/>
-        </p:blipFill>
-        <p:spPr>
-          <a:xfrm>
-            <a:off x="2375424" y="1912138"/>
-            <a:ext cx="3222910" cy="3627848"/>
-          </a:xfrm>
-        </p:spPr>
-      </p:pic>
-      <p:pic>
-        <p:nvPicPr>
-          <p:cNvPr id="12" name="내용 개체 틀 6">
-            <a:extLst>
-              <a:ext uri="{FF2B5EF4-FFF2-40B4-BE49-F238E27FC236}">
-                <a16:creationId xmlns:a16="http://schemas.microsoft.com/office/drawing/2014/main" id="{1619403B-ED49-45CE-BC44-60A05D1542E6}"/>
-              </a:ext>
-            </a:extLst>
-          </p:cNvPr>
-          <p:cNvPicPr>
-            <a:picLocks noChangeAspect="1"/>
-          </p:cNvPicPr>
-          <p:nvPr/>
-        </p:nvPicPr>
-        <p:blipFill rotWithShape="1">
-          <a:blip r:embed="rId2"/>
-          <a:srcRect t="67862" r="34366" b="5638"/>
-          <a:stretch/>
-        </p:blipFill>
-        <p:spPr>
-          <a:xfrm>
-            <a:off x="5742882" y="1953701"/>
-            <a:ext cx="3378447" cy="1957270"/>
-          </a:xfrm>
-          <a:prstGeom prst="rect">
-            <a:avLst/>
-          </a:prstGeom>
-        </p:spPr>
-      </p:pic>
-    </p:spTree>
-    <p:extLst>
-      <p:ext uri="{BB962C8B-B14F-4D97-AF65-F5344CB8AC3E}">
-        <p14:creationId xmlns:p14="http://schemas.microsoft.com/office/powerpoint/2010/main" val="524871147"/>
-      </p:ext>
-    </p:extLst>
-  </p:cSld>
-  <p:clrMapOvr>
-    <a:masterClrMapping/>
-  </p:clrMapOvr>
-  <mc:AlternateContent xmlns:mc="http://schemas.openxmlformats.org/markup-compatibility/2006" xmlns:p14="http://schemas.microsoft.com/office/powerpoint/2010/main">
-    <mc:Choice Requires="p14">
-      <p:transition spd="med" p14:dur="700">
-        <p:fade/>
-      </p:transition>
-    </mc:Choice>
-    <mc:Fallback xmlns="">
-      <p:transition spd="med">
-        <p:fade/>
-      </p:transition>
-    </mc:Fallback>
-  </mc:AlternateContent>
-</p:sld>
-</file>
-
-<file path=ppt/slides/slide11.xml><?xml version="1.0" encoding="utf-8"?>
-<p:sld xmlns:a="http://schemas.openxmlformats.org/drawingml/2006/main" xmlns:r="http://schemas.openxmlformats.org/officeDocument/2006/relationships" xmlns:p="http://schemas.openxmlformats.org/presentationml/2006/main">
-  <p:cSld>
-    <p:spTree>
-      <p:nvGrpSpPr>
-        <p:cNvPr id="1" name=""/>
-        <p:cNvGrpSpPr/>
-        <p:nvPr/>
-      </p:nvGrpSpPr>
-      <p:grpSpPr>
-        <a:xfrm>
-          <a:off x="0" y="0"/>
-          <a:ext cx="0" cy="0"/>
-          <a:chOff x="0" y="0"/>
-          <a:chExt cx="0" cy="0"/>
-        </a:xfrm>
-      </p:grpSpPr>
-      <p:sp>
-        <p:nvSpPr>
-          <p:cNvPr id="2" name="제목 1">
-            <a:extLst>
-              <a:ext uri="{FF2B5EF4-FFF2-40B4-BE49-F238E27FC236}">
-                <a16:creationId xmlns:a16="http://schemas.microsoft.com/office/drawing/2014/main" id="{FE8FFD71-05AC-4679-9BF5-2C7FBBB4AA51}"/>
-              </a:ext>
-            </a:extLst>
-          </p:cNvPr>
-          <p:cNvSpPr>
-            <a:spLocks noGrp="1"/>
-          </p:cNvSpPr>
-          <p:nvPr>
-            <p:ph type="title"/>
-          </p:nvPr>
-        </p:nvSpPr>
-        <p:spPr/>
-        <p:txBody>
-          <a:bodyPr/>
-          <a:lstStyle/>
-          <a:p>
-            <a:r>
-              <a:rPr lang="ko-KR" altLang="en-US" dirty="0"/>
-              <a:t>게시판 만들기</a:t>
-            </a:r>
-          </a:p>
-        </p:txBody>
-      </p:sp>
-      <p:pic>
-        <p:nvPicPr>
-          <p:cNvPr id="11" name="그림 10">
-            <a:extLst>
-              <a:ext uri="{FF2B5EF4-FFF2-40B4-BE49-F238E27FC236}">
-                <a16:creationId xmlns:a16="http://schemas.microsoft.com/office/drawing/2014/main" id="{408E1F3E-7D63-4397-9A0E-F1132699B968}"/>
-              </a:ext>
-            </a:extLst>
-          </p:cNvPr>
-          <p:cNvPicPr>
-            <a:picLocks noChangeAspect="1"/>
-          </p:cNvPicPr>
-          <p:nvPr/>
-        </p:nvPicPr>
-        <p:blipFill>
-          <a:blip r:embed="rId2"/>
-          <a:stretch>
-            <a:fillRect/>
-          </a:stretch>
-        </p:blipFill>
-        <p:spPr>
-          <a:xfrm>
-            <a:off x="2261301" y="1858552"/>
-            <a:ext cx="3718941" cy="4066842"/>
-          </a:xfrm>
-          <a:prstGeom prst="rect">
-            <a:avLst/>
-          </a:prstGeom>
-        </p:spPr>
-      </p:pic>
-    </p:spTree>
-    <p:extLst>
-      <p:ext uri="{BB962C8B-B14F-4D97-AF65-F5344CB8AC3E}">
-        <p14:creationId xmlns:p14="http://schemas.microsoft.com/office/powerpoint/2010/main" val="3028022120"/>
-      </p:ext>
-    </p:extLst>
-  </p:cSld>
-  <p:clrMapOvr>
-    <a:masterClrMapping/>
-  </p:clrMapOvr>
-  <mc:AlternateContent xmlns:mc="http://schemas.openxmlformats.org/markup-compatibility/2006" xmlns:p14="http://schemas.microsoft.com/office/powerpoint/2010/main">
-    <mc:Choice Requires="p14">
-      <p:transition spd="med" p14:dur="700">
-        <p:fade/>
-      </p:transition>
-    </mc:Choice>
-    <mc:Fallback xmlns="">
-      <p:transition spd="med">
-        <p:fade/>
-      </p:transition>
-    </mc:Fallback>
-  </mc:AlternateContent>
-</p:sld>
-</file>
-
-<file path=ppt/slides/slide12.xml><?xml version="1.0" encoding="utf-8"?>
-<p:sld xmlns:a="http://schemas.openxmlformats.org/drawingml/2006/main" xmlns:r="http://schemas.openxmlformats.org/officeDocument/2006/relationships" xmlns:p="http://schemas.openxmlformats.org/presentationml/2006/main">
-  <p:cSld>
-    <p:spTree>
-      <p:nvGrpSpPr>
-        <p:cNvPr id="1" name=""/>
-        <p:cNvGrpSpPr/>
-        <p:nvPr/>
-      </p:nvGrpSpPr>
-      <p:grpSpPr>
-        <a:xfrm>
-          <a:off x="0" y="0"/>
-          <a:ext cx="0" cy="0"/>
-          <a:chOff x="0" y="0"/>
-          <a:chExt cx="0" cy="0"/>
-        </a:xfrm>
-      </p:grpSpPr>
-      <p:sp>
-        <p:nvSpPr>
-          <p:cNvPr id="2" name="제목 1">
-            <a:extLst>
-              <a:ext uri="{FF2B5EF4-FFF2-40B4-BE49-F238E27FC236}">
-                <a16:creationId xmlns:a16="http://schemas.microsoft.com/office/drawing/2014/main" id="{A4022976-1DD5-4E1D-8E8F-56F702E8D3A6}"/>
-              </a:ext>
-            </a:extLst>
-          </p:cNvPr>
-          <p:cNvSpPr>
-            <a:spLocks noGrp="1"/>
-          </p:cNvSpPr>
-          <p:nvPr>
-            <p:ph type="title"/>
-          </p:nvPr>
-        </p:nvSpPr>
-        <p:spPr/>
-        <p:txBody>
-          <a:bodyPr/>
-          <a:lstStyle/>
-          <a:p>
-            <a:r>
-              <a:rPr lang="ko-KR" altLang="en-US" dirty="0" err="1"/>
-              <a:t>백엔드</a:t>
-            </a:r>
-            <a:r>
-              <a:rPr lang="ko-KR" altLang="en-US" dirty="0"/>
-              <a:t> 프레임워크 만들기</a:t>
-            </a:r>
-          </a:p>
-        </p:txBody>
-      </p:sp>
-      <p:sp>
-        <p:nvSpPr>
-          <p:cNvPr id="3" name="내용 개체 틀 2">
-            <a:extLst>
-              <a:ext uri="{FF2B5EF4-FFF2-40B4-BE49-F238E27FC236}">
-                <a16:creationId xmlns:a16="http://schemas.microsoft.com/office/drawing/2014/main" id="{25FAC798-D43A-4629-AF83-EBBE41DB06CD}"/>
-              </a:ext>
-            </a:extLst>
-          </p:cNvPr>
-          <p:cNvSpPr>
-            <a:spLocks noGrp="1"/>
-          </p:cNvSpPr>
-          <p:nvPr>
-            <p:ph idx="1"/>
-          </p:nvPr>
-        </p:nvSpPr>
-        <p:spPr/>
-        <p:txBody>
-          <a:bodyPr/>
-          <a:lstStyle/>
-          <a:p>
-            <a:r>
-              <a:rPr lang="en-US" altLang="ko-KR" dirty="0"/>
-              <a:t>1</a:t>
-            </a:r>
-            <a:r>
-              <a:rPr lang="ko-KR" altLang="en-US" dirty="0"/>
-              <a:t>주마다 섹션 </a:t>
-            </a:r>
-            <a:r>
-              <a:rPr lang="en-US" altLang="ko-KR" dirty="0"/>
-              <a:t>1</a:t>
-            </a:r>
-            <a:r>
-              <a:rPr lang="ko-KR" altLang="en-US" dirty="0"/>
-              <a:t>개 오픈</a:t>
-            </a:r>
-            <a:endParaRPr lang="en-US" altLang="ko-KR" dirty="0"/>
-          </a:p>
-          <a:p>
-            <a:pPr lvl="1"/>
-            <a:r>
-              <a:rPr lang="ko-KR" altLang="en-US" dirty="0"/>
-              <a:t>첫번째 섹션 오픈은 </a:t>
-            </a:r>
-            <a:r>
-              <a:rPr lang="en-US" altLang="ko-KR" dirty="0"/>
-              <a:t>6</a:t>
-            </a:r>
-            <a:r>
-              <a:rPr lang="ko-KR" altLang="en-US" dirty="0"/>
-              <a:t>월 </a:t>
-            </a:r>
-            <a:r>
-              <a:rPr lang="en-US" altLang="ko-KR" dirty="0"/>
-              <a:t>6</a:t>
-            </a:r>
-            <a:r>
-              <a:rPr lang="ko-KR" altLang="en-US" dirty="0"/>
-              <a:t>일</a:t>
-            </a:r>
-            <a:r>
-              <a:rPr lang="en-US" altLang="ko-KR" dirty="0"/>
-              <a:t>(</a:t>
-            </a:r>
-            <a:r>
-              <a:rPr lang="ko-KR" altLang="en-US" dirty="0"/>
-              <a:t>일</a:t>
-            </a:r>
-            <a:r>
-              <a:rPr lang="en-US" altLang="ko-KR" dirty="0"/>
-              <a:t>)</a:t>
-            </a:r>
-          </a:p>
-          <a:p>
-            <a:pPr lvl="1"/>
-            <a:r>
-              <a:rPr lang="ko-KR" altLang="en-US" dirty="0"/>
-              <a:t>총 </a:t>
-            </a:r>
-            <a:r>
-              <a:rPr lang="en-US" altLang="ko-KR" dirty="0"/>
-              <a:t>7</a:t>
-            </a:r>
-            <a:r>
-              <a:rPr lang="ko-KR" altLang="en-US" dirty="0"/>
-              <a:t>개의 섹션</a:t>
-            </a:r>
-            <a:endParaRPr lang="en-US" altLang="ko-KR" dirty="0"/>
-          </a:p>
-          <a:p>
-            <a:pPr lvl="2"/>
-            <a:r>
-              <a:rPr lang="ko-KR" altLang="en-US" dirty="0" err="1"/>
-              <a:t>비기능</a:t>
-            </a:r>
-            <a:r>
-              <a:rPr lang="ko-KR" altLang="en-US" dirty="0"/>
-              <a:t> 요구사항은 제외</a:t>
-            </a:r>
-            <a:endParaRPr lang="en-US" altLang="ko-KR" dirty="0"/>
-          </a:p>
-          <a:p>
-            <a:r>
-              <a:rPr lang="ko-KR" altLang="en-US" dirty="0"/>
-              <a:t>기존 섹션은 삭제하지 않고 뒤로 이동</a:t>
-            </a:r>
-            <a:endParaRPr lang="en-US" altLang="ko-KR" dirty="0"/>
-          </a:p>
-          <a:p>
-            <a:pPr lvl="1"/>
-            <a:endParaRPr lang="ko-KR" altLang="en-US" dirty="0"/>
-          </a:p>
-        </p:txBody>
-      </p:sp>
-    </p:spTree>
-    <p:extLst>
-      <p:ext uri="{BB962C8B-B14F-4D97-AF65-F5344CB8AC3E}">
-        <p14:creationId xmlns:p14="http://schemas.microsoft.com/office/powerpoint/2010/main" val="918003806"/>
-      </p:ext>
-    </p:extLst>
-  </p:cSld>
-  <p:clrMapOvr>
-    <a:masterClrMapping/>
-  </p:clrMapOvr>
-  <mc:AlternateContent xmlns:mc="http://schemas.openxmlformats.org/markup-compatibility/2006" xmlns:p14="http://schemas.microsoft.com/office/powerpoint/2010/main">
-    <mc:Choice Requires="p14">
-      <p:transition spd="med" p14:dur="700">
-        <p:fade/>
-      </p:transition>
-    </mc:Choice>
-    <mc:Fallback xmlns="">
-      <p:transition spd="med">
-        <p:fade/>
-      </p:transition>
-    </mc:Fallback>
-  </mc:AlternateContent>
-</p:sld>
-</file>
-
-<file path=ppt/slides/slide13.xml><?xml version="1.0" encoding="utf-8"?>
-<p:sld xmlns:a="http://schemas.openxmlformats.org/drawingml/2006/main" xmlns:r="http://schemas.openxmlformats.org/officeDocument/2006/relationships" xmlns:p="http://schemas.openxmlformats.org/presentationml/2006/main">
-  <p:cSld>
-    <p:spTree>
-      <p:nvGrpSpPr>
-        <p:cNvPr id="1" name=""/>
-        <p:cNvGrpSpPr/>
-        <p:nvPr/>
-      </p:nvGrpSpPr>
-      <p:grpSpPr>
-        <a:xfrm>
-          <a:off x="0" y="0"/>
-          <a:ext cx="0" cy="0"/>
-          <a:chOff x="0" y="0"/>
-          <a:chExt cx="0" cy="0"/>
-        </a:xfrm>
-      </p:grpSpPr>
-      <p:sp>
-        <p:nvSpPr>
-          <p:cNvPr id="2" name="제목 1">
-            <a:extLst>
-              <a:ext uri="{FF2B5EF4-FFF2-40B4-BE49-F238E27FC236}">
-                <a16:creationId xmlns:a16="http://schemas.microsoft.com/office/drawing/2014/main" id="{AAE73DD2-2542-494F-9196-ECEB111C6693}"/>
-              </a:ext>
-            </a:extLst>
-          </p:cNvPr>
-          <p:cNvSpPr>
-            <a:spLocks noGrp="1"/>
-          </p:cNvSpPr>
-          <p:nvPr>
-            <p:ph type="title"/>
-          </p:nvPr>
-        </p:nvSpPr>
-        <p:spPr/>
-        <p:txBody>
-          <a:bodyPr/>
-          <a:lstStyle/>
-          <a:p>
-            <a:endParaRPr lang="ko-KR" altLang="en-US"/>
-          </a:p>
-        </p:txBody>
-      </p:sp>
-      <p:sp>
-        <p:nvSpPr>
-          <p:cNvPr id="3" name="내용 개체 틀 2">
-            <a:extLst>
-              <a:ext uri="{FF2B5EF4-FFF2-40B4-BE49-F238E27FC236}">
-                <a16:creationId xmlns:a16="http://schemas.microsoft.com/office/drawing/2014/main" id="{8FD90A86-A97B-4CA5-BE2C-A6C65594F341}"/>
-              </a:ext>
-            </a:extLst>
-          </p:cNvPr>
-          <p:cNvSpPr>
-            <a:spLocks noGrp="1"/>
-          </p:cNvSpPr>
-          <p:nvPr>
-            <p:ph idx="1"/>
-          </p:nvPr>
-        </p:nvSpPr>
-        <p:spPr/>
-        <p:txBody>
-          <a:bodyPr/>
-          <a:lstStyle/>
-          <a:p>
-            <a:endParaRPr lang="ko-KR" altLang="en-US"/>
-          </a:p>
-        </p:txBody>
-      </p:sp>
-    </p:spTree>
-    <p:extLst>
-      <p:ext uri="{BB962C8B-B14F-4D97-AF65-F5344CB8AC3E}">
-        <p14:creationId xmlns:p14="http://schemas.microsoft.com/office/powerpoint/2010/main" val="799738532"/>
-      </p:ext>
-    </p:extLst>
-  </p:cSld>
-  <p:clrMapOvr>
-    <a:masterClrMapping/>
-  </p:clrMapOvr>
-  <mc:AlternateContent xmlns:mc="http://schemas.openxmlformats.org/markup-compatibility/2006" xmlns:p14="http://schemas.microsoft.com/office/powerpoint/2010/main">
-    <mc:Choice Requires="p14">
-      <p:transition spd="med" p14:dur="700">
-        <p:fade/>
-      </p:transition>
-    </mc:Choice>
-    <mc:Fallback xmlns="">
-      <p:transition spd="med">
-        <p:fade/>
-      </p:transition>
-    </mc:Fallback>
-  </mc:AlternateContent>
-</p:sld>
-</file>
-
-<file path=ppt/slides/slide14.xml><?xml version="1.0" encoding="utf-8"?>
-<p:sld xmlns:a="http://schemas.openxmlformats.org/drawingml/2006/main" xmlns:r="http://schemas.openxmlformats.org/officeDocument/2006/relationships" xmlns:p="http://schemas.openxmlformats.org/presentationml/2006/main">
-  <p:cSld>
-    <p:spTree>
-      <p:nvGrpSpPr>
-        <p:cNvPr id="1" name=""/>
-        <p:cNvGrpSpPr/>
-        <p:nvPr/>
-      </p:nvGrpSpPr>
-      <p:grpSpPr>
-        <a:xfrm>
-          <a:off x="0" y="0"/>
-          <a:ext cx="0" cy="0"/>
-          <a:chOff x="0" y="0"/>
-          <a:chExt cx="0" cy="0"/>
-        </a:xfrm>
-      </p:grpSpPr>
-      <p:sp>
-        <p:nvSpPr>
-          <p:cNvPr id="2" name="제목 1">
-            <a:extLst>
-              <a:ext uri="{FF2B5EF4-FFF2-40B4-BE49-F238E27FC236}">
-                <a16:creationId xmlns:a16="http://schemas.microsoft.com/office/drawing/2014/main" id="{97F8358B-7877-400C-9901-54D091608AA8}"/>
-              </a:ext>
-            </a:extLst>
-          </p:cNvPr>
-          <p:cNvSpPr>
-            <a:spLocks noGrp="1"/>
-          </p:cNvSpPr>
-          <p:nvPr>
-            <p:ph type="title"/>
-          </p:nvPr>
-        </p:nvSpPr>
-        <p:spPr/>
-        <p:txBody>
-          <a:bodyPr/>
-          <a:lstStyle/>
-          <a:p>
-            <a:endParaRPr lang="ko-KR" altLang="en-US"/>
-          </a:p>
-        </p:txBody>
-      </p:sp>
-      <p:sp>
-        <p:nvSpPr>
-          <p:cNvPr id="3" name="내용 개체 틀 2">
-            <a:extLst>
-              <a:ext uri="{FF2B5EF4-FFF2-40B4-BE49-F238E27FC236}">
-                <a16:creationId xmlns:a16="http://schemas.microsoft.com/office/drawing/2014/main" id="{E354A31C-D775-49D2-8222-036FE24A5738}"/>
-              </a:ext>
-            </a:extLst>
-          </p:cNvPr>
-          <p:cNvSpPr>
-            <a:spLocks noGrp="1"/>
-          </p:cNvSpPr>
-          <p:nvPr>
-            <p:ph idx="1"/>
-          </p:nvPr>
-        </p:nvSpPr>
-        <p:spPr/>
-        <p:txBody>
-          <a:bodyPr/>
-          <a:lstStyle/>
-          <a:p>
-            <a:endParaRPr lang="ko-KR" altLang="en-US"/>
-          </a:p>
-        </p:txBody>
-      </p:sp>
-    </p:spTree>
-    <p:extLst>
-      <p:ext uri="{BB962C8B-B14F-4D97-AF65-F5344CB8AC3E}">
-        <p14:creationId xmlns:p14="http://schemas.microsoft.com/office/powerpoint/2010/main" val="111942748"/>
-      </p:ext>
-    </p:extLst>
-  </p:cSld>
-  <p:clrMapOvr>
-    <a:masterClrMapping/>
-  </p:clrMapOvr>
-  <mc:AlternateContent xmlns:mc="http://schemas.openxmlformats.org/markup-compatibility/2006" xmlns:p14="http://schemas.microsoft.com/office/powerpoint/2010/main">
-    <mc:Choice Requires="p14">
-      <p:transition spd="med" p14:dur="700">
-        <p:fade/>
-      </p:transition>
-    </mc:Choice>
-    <mc:Fallback xmlns="">
-      <p:transition spd="med">
-        <p:fade/>
-      </p:transition>
-    </mc:Fallback>
-  </mc:AlternateContent>
-</p:sld>
-</file>
-
-<file path=ppt/slides/slide15.xml><?xml version="1.0" encoding="utf-8"?>
-<p:sld xmlns:a="http://schemas.openxmlformats.org/drawingml/2006/main" xmlns:r="http://schemas.openxmlformats.org/officeDocument/2006/relationships" xmlns:p="http://schemas.openxmlformats.org/presentationml/2006/main">
-  <p:cSld>
-    <p:spTree>
-      <p:nvGrpSpPr>
-        <p:cNvPr id="1" name=""/>
-        <p:cNvGrpSpPr/>
-        <p:nvPr/>
-      </p:nvGrpSpPr>
-      <p:grpSpPr>
-        <a:xfrm>
-          <a:off x="0" y="0"/>
-          <a:ext cx="0" cy="0"/>
-          <a:chOff x="0" y="0"/>
-          <a:chExt cx="0" cy="0"/>
-        </a:xfrm>
-      </p:grpSpPr>
-      <p:sp>
-        <p:nvSpPr>
-          <p:cNvPr id="2" name="제목 1">
-            <a:extLst>
-              <a:ext uri="{FF2B5EF4-FFF2-40B4-BE49-F238E27FC236}">
-                <a16:creationId xmlns:a16="http://schemas.microsoft.com/office/drawing/2014/main" id="{CED25931-FCB7-492F-B256-4F01F4B8B2B5}"/>
-              </a:ext>
-            </a:extLst>
-          </p:cNvPr>
-          <p:cNvSpPr>
-            <a:spLocks noGrp="1"/>
-          </p:cNvSpPr>
-          <p:nvPr>
-            <p:ph type="title"/>
-          </p:nvPr>
-        </p:nvSpPr>
-        <p:spPr/>
-        <p:txBody>
-          <a:bodyPr/>
-          <a:lstStyle/>
-          <a:p>
-            <a:endParaRPr lang="ko-KR" altLang="en-US"/>
-          </a:p>
-        </p:txBody>
-      </p:sp>
-      <p:sp>
-        <p:nvSpPr>
-          <p:cNvPr id="3" name="내용 개체 틀 2">
-            <a:extLst>
-              <a:ext uri="{FF2B5EF4-FFF2-40B4-BE49-F238E27FC236}">
-                <a16:creationId xmlns:a16="http://schemas.microsoft.com/office/drawing/2014/main" id="{80A07E91-7684-403E-A4DE-9CC4140D6F2F}"/>
-              </a:ext>
-            </a:extLst>
-          </p:cNvPr>
-          <p:cNvSpPr>
-            <a:spLocks noGrp="1"/>
-          </p:cNvSpPr>
-          <p:nvPr>
-            <p:ph idx="1"/>
-          </p:nvPr>
-        </p:nvSpPr>
-        <p:spPr/>
-        <p:txBody>
-          <a:bodyPr/>
-          <a:lstStyle/>
-          <a:p>
-            <a:endParaRPr lang="ko-KR" altLang="en-US"/>
-          </a:p>
-        </p:txBody>
-      </p:sp>
-    </p:spTree>
-    <p:extLst>
-      <p:ext uri="{BB962C8B-B14F-4D97-AF65-F5344CB8AC3E}">
-        <p14:creationId xmlns:p14="http://schemas.microsoft.com/office/powerpoint/2010/main" val="3528669573"/>
-      </p:ext>
-    </p:extLst>
-  </p:cSld>
-  <p:clrMapOvr>
-    <a:masterClrMapping/>
-  </p:clrMapOvr>
-  <mc:AlternateContent xmlns:mc="http://schemas.openxmlformats.org/markup-compatibility/2006" xmlns:p14="http://schemas.microsoft.com/office/powerpoint/2010/main">
-    <mc:Choice Requires="p14">
-      <p:transition spd="med" p14:dur="700">
-        <p:fade/>
-      </p:transition>
-    </mc:Choice>
-    <mc:Fallback xmlns="">
-      <p:transition spd="med">
-        <p:fade/>
-      </p:transition>
-    </mc:Fallback>
-  </mc:AlternateContent>
-</p:sld>
-</file>
-
-<file path=ppt/slides/slide16.xml><?xml version="1.0" encoding="utf-8"?>
-<p:sld xmlns:a="http://schemas.openxmlformats.org/drawingml/2006/main" xmlns:r="http://schemas.openxmlformats.org/officeDocument/2006/relationships" xmlns:p="http://schemas.openxmlformats.org/presentationml/2006/main">
-  <p:cSld>
-    <p:spTree>
-      <p:nvGrpSpPr>
-        <p:cNvPr id="1" name=""/>
-        <p:cNvGrpSpPr/>
-        <p:nvPr/>
-      </p:nvGrpSpPr>
-      <p:grpSpPr>
-        <a:xfrm>
-          <a:off x="0" y="0"/>
-          <a:ext cx="0" cy="0"/>
-          <a:chOff x="0" y="0"/>
-          <a:chExt cx="0" cy="0"/>
-        </a:xfrm>
-      </p:grpSpPr>
-      <p:sp>
-        <p:nvSpPr>
-          <p:cNvPr id="2" name="제목 1">
-            <a:extLst>
-              <a:ext uri="{FF2B5EF4-FFF2-40B4-BE49-F238E27FC236}">
-                <a16:creationId xmlns:a16="http://schemas.microsoft.com/office/drawing/2014/main" id="{C3DF3210-4719-486C-8BB5-9230827C840E}"/>
-              </a:ext>
-            </a:extLst>
-          </p:cNvPr>
-          <p:cNvSpPr>
-            <a:spLocks noGrp="1"/>
-          </p:cNvSpPr>
-          <p:nvPr>
-            <p:ph type="title"/>
-          </p:nvPr>
-        </p:nvSpPr>
-        <p:spPr/>
-        <p:txBody>
-          <a:bodyPr/>
-          <a:lstStyle/>
-          <a:p>
-            <a:r>
-              <a:rPr lang="ko-KR" altLang="en-US" dirty="0"/>
-              <a:t>게시판 만들기</a:t>
-            </a:r>
-          </a:p>
-        </p:txBody>
-      </p:sp>
-      <p:sp>
-        <p:nvSpPr>
-          <p:cNvPr id="4" name="직사각형 3">
-            <a:extLst>
-              <a:ext uri="{FF2B5EF4-FFF2-40B4-BE49-F238E27FC236}">
-                <a16:creationId xmlns:a16="http://schemas.microsoft.com/office/drawing/2014/main" id="{8526BF26-6D93-4D67-936D-481D96EF95E1}"/>
-              </a:ext>
-            </a:extLst>
-          </p:cNvPr>
-          <p:cNvSpPr/>
-          <p:nvPr/>
-        </p:nvSpPr>
-        <p:spPr>
-          <a:xfrm>
-            <a:off x="1493300" y="2177456"/>
-            <a:ext cx="1065703" cy="442399"/>
-          </a:xfrm>
-          <a:prstGeom prst="rect">
-            <a:avLst/>
-          </a:prstGeom>
-        </p:spPr>
-        <p:style>
-          <a:lnRef idx="2">
-            <a:schemeClr val="accent1">
-              <a:shade val="50000"/>
-            </a:schemeClr>
-          </a:lnRef>
-          <a:fillRef idx="1">
-            <a:schemeClr val="accent1"/>
-          </a:fillRef>
-          <a:effectRef idx="0">
-            <a:schemeClr val="accent1"/>
-          </a:effectRef>
-          <a:fontRef idx="minor">
-            <a:schemeClr val="lt1"/>
-          </a:fontRef>
-        </p:style>
-        <p:txBody>
-          <a:bodyPr rtlCol="0" anchor="ctr"/>
-          <a:lstStyle/>
-          <a:p>
-            <a:pPr algn="ctr"/>
-            <a:r>
-              <a:rPr lang="ko-KR" altLang="en-US" sz="1400" dirty="0"/>
-              <a:t>입력</a:t>
-            </a:r>
-          </a:p>
-        </p:txBody>
-      </p:sp>
-      <p:sp>
-        <p:nvSpPr>
-          <p:cNvPr id="5" name="직사각형 4">
-            <a:extLst>
-              <a:ext uri="{FF2B5EF4-FFF2-40B4-BE49-F238E27FC236}">
-                <a16:creationId xmlns:a16="http://schemas.microsoft.com/office/drawing/2014/main" id="{192ED789-3F9F-48DD-A936-C78ADCA44A09}"/>
-              </a:ext>
-            </a:extLst>
-          </p:cNvPr>
-          <p:cNvSpPr/>
-          <p:nvPr/>
-        </p:nvSpPr>
-        <p:spPr>
-          <a:xfrm>
-            <a:off x="1493300" y="2929873"/>
-            <a:ext cx="1065703" cy="442399"/>
-          </a:xfrm>
-          <a:prstGeom prst="rect">
-            <a:avLst/>
-          </a:prstGeom>
-        </p:spPr>
-        <p:style>
-          <a:lnRef idx="2">
-            <a:schemeClr val="accent1">
-              <a:shade val="50000"/>
-            </a:schemeClr>
-          </a:lnRef>
-          <a:fillRef idx="1">
-            <a:schemeClr val="accent1"/>
-          </a:fillRef>
-          <a:effectRef idx="0">
-            <a:schemeClr val="accent1"/>
-          </a:effectRef>
-          <a:fontRef idx="minor">
-            <a:schemeClr val="lt1"/>
-          </a:fontRef>
-        </p:style>
-        <p:txBody>
-          <a:bodyPr rtlCol="0" anchor="ctr"/>
-          <a:lstStyle/>
-          <a:p>
-            <a:pPr algn="ctr"/>
-            <a:r>
-              <a:rPr lang="ko-KR" altLang="en-US" sz="1400"/>
-              <a:t>수정</a:t>
-            </a:r>
-            <a:endParaRPr lang="ko-KR" altLang="en-US" sz="1400" dirty="0"/>
-          </a:p>
-        </p:txBody>
-      </p:sp>
-      <p:sp>
-        <p:nvSpPr>
-          <p:cNvPr id="6" name="직사각형 5">
-            <a:extLst>
-              <a:ext uri="{FF2B5EF4-FFF2-40B4-BE49-F238E27FC236}">
-                <a16:creationId xmlns:a16="http://schemas.microsoft.com/office/drawing/2014/main" id="{9887F412-954B-4CCE-A7DD-D8CEEAB0618D}"/>
-              </a:ext>
-            </a:extLst>
-          </p:cNvPr>
-          <p:cNvSpPr/>
-          <p:nvPr/>
-        </p:nvSpPr>
-        <p:spPr>
-          <a:xfrm>
-            <a:off x="1493299" y="3682290"/>
-            <a:ext cx="1065703" cy="442399"/>
-          </a:xfrm>
-          <a:prstGeom prst="rect">
-            <a:avLst/>
-          </a:prstGeom>
-        </p:spPr>
-        <p:style>
-          <a:lnRef idx="2">
-            <a:schemeClr val="accent1">
-              <a:shade val="50000"/>
-            </a:schemeClr>
-          </a:lnRef>
-          <a:fillRef idx="1">
-            <a:schemeClr val="accent1"/>
-          </a:fillRef>
-          <a:effectRef idx="0">
-            <a:schemeClr val="accent1"/>
-          </a:effectRef>
-          <a:fontRef idx="minor">
-            <a:schemeClr val="lt1"/>
-          </a:fontRef>
-        </p:style>
-        <p:txBody>
-          <a:bodyPr rtlCol="0" anchor="ctr"/>
-          <a:lstStyle/>
-          <a:p>
-            <a:pPr algn="ctr"/>
-            <a:r>
-              <a:rPr lang="ko-KR" altLang="en-US" sz="1400" dirty="0"/>
-              <a:t>삭제</a:t>
-            </a:r>
-          </a:p>
-        </p:txBody>
-      </p:sp>
-      <p:sp>
-        <p:nvSpPr>
-          <p:cNvPr id="7" name="직사각형 6">
-            <a:extLst>
-              <a:ext uri="{FF2B5EF4-FFF2-40B4-BE49-F238E27FC236}">
-                <a16:creationId xmlns:a16="http://schemas.microsoft.com/office/drawing/2014/main" id="{72A308C0-BBEA-443F-8C87-B588928F0744}"/>
-              </a:ext>
-            </a:extLst>
-          </p:cNvPr>
-          <p:cNvSpPr/>
-          <p:nvPr/>
-        </p:nvSpPr>
-        <p:spPr>
-          <a:xfrm>
-            <a:off x="1493299" y="4488957"/>
-            <a:ext cx="1065703" cy="442399"/>
-          </a:xfrm>
-          <a:prstGeom prst="rect">
-            <a:avLst/>
-          </a:prstGeom>
-        </p:spPr>
-        <p:style>
-          <a:lnRef idx="2">
-            <a:schemeClr val="accent1">
-              <a:shade val="50000"/>
-            </a:schemeClr>
-          </a:lnRef>
-          <a:fillRef idx="1">
-            <a:schemeClr val="accent1"/>
-          </a:fillRef>
-          <a:effectRef idx="0">
-            <a:schemeClr val="accent1"/>
-          </a:effectRef>
-          <a:fontRef idx="minor">
-            <a:schemeClr val="lt1"/>
-          </a:fontRef>
-        </p:style>
-        <p:txBody>
-          <a:bodyPr rtlCol="0" anchor="ctr"/>
-          <a:lstStyle/>
-          <a:p>
-            <a:pPr algn="ctr"/>
-            <a:r>
-              <a:rPr lang="ko-KR" altLang="en-US" sz="1400"/>
-              <a:t>조회</a:t>
-            </a:r>
-            <a:endParaRPr lang="ko-KR" altLang="en-US" sz="1400" dirty="0"/>
-          </a:p>
-        </p:txBody>
-      </p:sp>
-    </p:spTree>
-    <p:extLst>
-      <p:ext uri="{BB962C8B-B14F-4D97-AF65-F5344CB8AC3E}">
-        <p14:creationId xmlns:p14="http://schemas.microsoft.com/office/powerpoint/2010/main" val="650091539"/>
-      </p:ext>
-    </p:extLst>
-  </p:cSld>
-  <p:clrMapOvr>
-    <a:masterClrMapping/>
-  </p:clrMapOvr>
-  <mc:AlternateContent xmlns:mc="http://schemas.openxmlformats.org/markup-compatibility/2006" xmlns:p14="http://schemas.microsoft.com/office/powerpoint/2010/main">
-    <mc:Choice Requires="p14">
-      <p:transition spd="med" p14:dur="700">
-        <p:fade/>
-      </p:transition>
-    </mc:Choice>
-    <mc:Fallback xmlns="">
-      <p:transition spd="med">
-        <p:fade/>
-      </p:transition>
-    </mc:Fallback>
-  </mc:AlternateContent>
-</p:sld>
-</file>
-
-<file path=ppt/slides/slide17.xml><?xml version="1.0" encoding="utf-8"?>
-<p:sld xmlns:a="http://schemas.openxmlformats.org/drawingml/2006/main" xmlns:r="http://schemas.openxmlformats.org/officeDocument/2006/relationships" xmlns:p="http://schemas.openxmlformats.org/presentationml/2006/main">
-  <p:cSld>
-    <p:spTree>
-      <p:nvGrpSpPr>
-        <p:cNvPr id="1" name=""/>
-        <p:cNvGrpSpPr/>
-        <p:nvPr/>
-      </p:nvGrpSpPr>
-      <p:grpSpPr>
-        <a:xfrm>
-          <a:off x="0" y="0"/>
-          <a:ext cx="0" cy="0"/>
-          <a:chOff x="0" y="0"/>
-          <a:chExt cx="0" cy="0"/>
-        </a:xfrm>
-      </p:grpSpPr>
-      <p:sp>
-        <p:nvSpPr>
-          <p:cNvPr id="2" name="제목 1">
-            <a:extLst>
-              <a:ext uri="{FF2B5EF4-FFF2-40B4-BE49-F238E27FC236}">
-                <a16:creationId xmlns:a16="http://schemas.microsoft.com/office/drawing/2014/main" id="{C3DF3210-4719-486C-8BB5-9230827C840E}"/>
-              </a:ext>
-            </a:extLst>
-          </p:cNvPr>
-          <p:cNvSpPr>
-            <a:spLocks noGrp="1"/>
-          </p:cNvSpPr>
-          <p:nvPr>
-            <p:ph type="title"/>
-          </p:nvPr>
-        </p:nvSpPr>
-        <p:spPr/>
-        <p:txBody>
-          <a:bodyPr/>
-          <a:lstStyle/>
-          <a:p>
-            <a:r>
-              <a:rPr lang="ko-KR" altLang="en-US" dirty="0"/>
-              <a:t>게시판 만들기</a:t>
-            </a:r>
-          </a:p>
-        </p:txBody>
-      </p:sp>
-      <p:sp>
-        <p:nvSpPr>
-          <p:cNvPr id="4" name="직사각형 3">
-            <a:extLst>
-              <a:ext uri="{FF2B5EF4-FFF2-40B4-BE49-F238E27FC236}">
-                <a16:creationId xmlns:a16="http://schemas.microsoft.com/office/drawing/2014/main" id="{8526BF26-6D93-4D67-936D-481D96EF95E1}"/>
-              </a:ext>
-            </a:extLst>
-          </p:cNvPr>
-          <p:cNvSpPr/>
-          <p:nvPr/>
-        </p:nvSpPr>
-        <p:spPr>
-          <a:xfrm>
-            <a:off x="1493300" y="2177456"/>
-            <a:ext cx="1065703" cy="442399"/>
-          </a:xfrm>
-          <a:prstGeom prst="rect">
-            <a:avLst/>
-          </a:prstGeom>
-        </p:spPr>
-        <p:style>
-          <a:lnRef idx="2">
-            <a:schemeClr val="accent1">
-              <a:shade val="50000"/>
-            </a:schemeClr>
-          </a:lnRef>
-          <a:fillRef idx="1">
-            <a:schemeClr val="accent1"/>
-          </a:fillRef>
-          <a:effectRef idx="0">
-            <a:schemeClr val="accent1"/>
-          </a:effectRef>
-          <a:fontRef idx="minor">
-            <a:schemeClr val="lt1"/>
-          </a:fontRef>
-        </p:style>
-        <p:txBody>
-          <a:bodyPr rtlCol="0" anchor="ctr"/>
-          <a:lstStyle/>
-          <a:p>
-            <a:pPr algn="ctr"/>
-            <a:r>
-              <a:rPr lang="ko-KR" altLang="en-US" sz="1400" dirty="0"/>
-              <a:t>입력</a:t>
-            </a:r>
-          </a:p>
-        </p:txBody>
-      </p:sp>
-      <p:sp>
-        <p:nvSpPr>
-          <p:cNvPr id="5" name="직사각형 4">
-            <a:extLst>
-              <a:ext uri="{FF2B5EF4-FFF2-40B4-BE49-F238E27FC236}">
-                <a16:creationId xmlns:a16="http://schemas.microsoft.com/office/drawing/2014/main" id="{192ED789-3F9F-48DD-A936-C78ADCA44A09}"/>
-              </a:ext>
-            </a:extLst>
-          </p:cNvPr>
-          <p:cNvSpPr/>
-          <p:nvPr/>
-        </p:nvSpPr>
-        <p:spPr>
-          <a:xfrm>
-            <a:off x="1493300" y="2929873"/>
-            <a:ext cx="1065703" cy="442399"/>
-          </a:xfrm>
-          <a:prstGeom prst="rect">
-            <a:avLst/>
-          </a:prstGeom>
-        </p:spPr>
-        <p:style>
-          <a:lnRef idx="2">
-            <a:schemeClr val="accent1">
-              <a:shade val="50000"/>
-            </a:schemeClr>
-          </a:lnRef>
-          <a:fillRef idx="1">
-            <a:schemeClr val="accent1"/>
-          </a:fillRef>
-          <a:effectRef idx="0">
-            <a:schemeClr val="accent1"/>
-          </a:effectRef>
-          <a:fontRef idx="minor">
-            <a:schemeClr val="lt1"/>
-          </a:fontRef>
-        </p:style>
-        <p:txBody>
-          <a:bodyPr rtlCol="0" anchor="ctr"/>
-          <a:lstStyle/>
-          <a:p>
-            <a:pPr algn="ctr"/>
-            <a:r>
-              <a:rPr lang="ko-KR" altLang="en-US" sz="1400"/>
-              <a:t>수정</a:t>
-            </a:r>
-            <a:endParaRPr lang="ko-KR" altLang="en-US" sz="1400" dirty="0"/>
-          </a:p>
-        </p:txBody>
-      </p:sp>
-      <p:sp>
-        <p:nvSpPr>
-          <p:cNvPr id="6" name="직사각형 5">
-            <a:extLst>
-              <a:ext uri="{FF2B5EF4-FFF2-40B4-BE49-F238E27FC236}">
-                <a16:creationId xmlns:a16="http://schemas.microsoft.com/office/drawing/2014/main" id="{9887F412-954B-4CCE-A7DD-D8CEEAB0618D}"/>
-              </a:ext>
-            </a:extLst>
-          </p:cNvPr>
-          <p:cNvSpPr/>
-          <p:nvPr/>
-        </p:nvSpPr>
-        <p:spPr>
-          <a:xfrm>
-            <a:off x="1493299" y="3682290"/>
-            <a:ext cx="1065703" cy="442399"/>
-          </a:xfrm>
-          <a:prstGeom prst="rect">
-            <a:avLst/>
-          </a:prstGeom>
-        </p:spPr>
-        <p:style>
-          <a:lnRef idx="2">
-            <a:schemeClr val="accent1">
-              <a:shade val="50000"/>
-            </a:schemeClr>
-          </a:lnRef>
-          <a:fillRef idx="1">
-            <a:schemeClr val="accent1"/>
-          </a:fillRef>
-          <a:effectRef idx="0">
-            <a:schemeClr val="accent1"/>
-          </a:effectRef>
-          <a:fontRef idx="minor">
-            <a:schemeClr val="lt1"/>
-          </a:fontRef>
-        </p:style>
-        <p:txBody>
-          <a:bodyPr rtlCol="0" anchor="ctr"/>
-          <a:lstStyle/>
-          <a:p>
-            <a:pPr algn="ctr"/>
-            <a:r>
-              <a:rPr lang="ko-KR" altLang="en-US" sz="1400" dirty="0"/>
-              <a:t>삭제</a:t>
-            </a:r>
-          </a:p>
-        </p:txBody>
-      </p:sp>
-      <p:sp>
-        <p:nvSpPr>
-          <p:cNvPr id="7" name="직사각형 6">
-            <a:extLst>
-              <a:ext uri="{FF2B5EF4-FFF2-40B4-BE49-F238E27FC236}">
-                <a16:creationId xmlns:a16="http://schemas.microsoft.com/office/drawing/2014/main" id="{72A308C0-BBEA-443F-8C87-B588928F0744}"/>
-              </a:ext>
-            </a:extLst>
-          </p:cNvPr>
-          <p:cNvSpPr/>
-          <p:nvPr/>
-        </p:nvSpPr>
-        <p:spPr>
-          <a:xfrm>
-            <a:off x="1493299" y="4488957"/>
-            <a:ext cx="1065703" cy="442399"/>
-          </a:xfrm>
-          <a:prstGeom prst="rect">
-            <a:avLst/>
-          </a:prstGeom>
-        </p:spPr>
-        <p:style>
-          <a:lnRef idx="2">
-            <a:schemeClr val="accent1">
-              <a:shade val="50000"/>
-            </a:schemeClr>
-          </a:lnRef>
-          <a:fillRef idx="1">
-            <a:schemeClr val="accent1"/>
-          </a:fillRef>
-          <a:effectRef idx="0">
-            <a:schemeClr val="accent1"/>
-          </a:effectRef>
-          <a:fontRef idx="minor">
-            <a:schemeClr val="lt1"/>
-          </a:fontRef>
-        </p:style>
-        <p:txBody>
-          <a:bodyPr rtlCol="0" anchor="ctr"/>
-          <a:lstStyle/>
-          <a:p>
-            <a:pPr algn="ctr"/>
-            <a:r>
-              <a:rPr lang="ko-KR" altLang="en-US" sz="1400"/>
-              <a:t>조회</a:t>
-            </a:r>
-            <a:endParaRPr lang="ko-KR" altLang="en-US" sz="1400" dirty="0"/>
-          </a:p>
-        </p:txBody>
-      </p:sp>
-      <p:sp>
-        <p:nvSpPr>
-          <p:cNvPr id="12" name="직사각형 11">
-            <a:extLst>
-              <a:ext uri="{FF2B5EF4-FFF2-40B4-BE49-F238E27FC236}">
-                <a16:creationId xmlns:a16="http://schemas.microsoft.com/office/drawing/2014/main" id="{F0317928-2B73-45A2-B70F-D4F4CBD11AF8}"/>
-              </a:ext>
-            </a:extLst>
-          </p:cNvPr>
-          <p:cNvSpPr/>
-          <p:nvPr/>
-        </p:nvSpPr>
-        <p:spPr>
-          <a:xfrm>
-            <a:off x="3051405" y="2487474"/>
-            <a:ext cx="1065703" cy="442399"/>
-          </a:xfrm>
-          <a:prstGeom prst="rect">
-            <a:avLst/>
-          </a:prstGeom>
-        </p:spPr>
-        <p:style>
-          <a:lnRef idx="2">
-            <a:schemeClr val="accent1">
-              <a:shade val="50000"/>
-            </a:schemeClr>
-          </a:lnRef>
-          <a:fillRef idx="1">
-            <a:schemeClr val="accent1"/>
-          </a:fillRef>
-          <a:effectRef idx="0">
-            <a:schemeClr val="accent1"/>
-          </a:effectRef>
-          <a:fontRef idx="minor">
-            <a:schemeClr val="lt1"/>
-          </a:fontRef>
-        </p:style>
-        <p:txBody>
-          <a:bodyPr rtlCol="0" anchor="ctr"/>
-          <a:lstStyle/>
-          <a:p>
-            <a:pPr algn="ctr"/>
-            <a:r>
-              <a:rPr lang="ko-KR" altLang="en-US" sz="1400" dirty="0" err="1"/>
-              <a:t>서블릿</a:t>
-            </a:r>
-            <a:endParaRPr lang="ko-KR" altLang="en-US" sz="1400" dirty="0"/>
-          </a:p>
-        </p:txBody>
-      </p:sp>
-      <p:sp>
-        <p:nvSpPr>
-          <p:cNvPr id="13" name="직사각형 12">
-            <a:extLst>
-              <a:ext uri="{FF2B5EF4-FFF2-40B4-BE49-F238E27FC236}">
-                <a16:creationId xmlns:a16="http://schemas.microsoft.com/office/drawing/2014/main" id="{DDCE4059-DD10-4A18-AFA8-CCF63BD52C12}"/>
-              </a:ext>
-            </a:extLst>
-          </p:cNvPr>
-          <p:cNvSpPr/>
-          <p:nvPr/>
-        </p:nvSpPr>
-        <p:spPr>
-          <a:xfrm>
-            <a:off x="3051404" y="3284300"/>
-            <a:ext cx="1065703" cy="442399"/>
-          </a:xfrm>
-          <a:prstGeom prst="rect">
-            <a:avLst/>
-          </a:prstGeom>
-        </p:spPr>
-        <p:style>
-          <a:lnRef idx="2">
-            <a:schemeClr val="accent1">
-              <a:shade val="50000"/>
-            </a:schemeClr>
-          </a:lnRef>
-          <a:fillRef idx="1">
-            <a:schemeClr val="accent1"/>
-          </a:fillRef>
-          <a:effectRef idx="0">
-            <a:schemeClr val="accent1"/>
-          </a:effectRef>
-          <a:fontRef idx="minor">
-            <a:schemeClr val="lt1"/>
-          </a:fontRef>
-        </p:style>
-        <p:txBody>
-          <a:bodyPr rtlCol="0" anchor="ctr"/>
-          <a:lstStyle/>
-          <a:p>
-            <a:pPr algn="ctr"/>
-            <a:r>
-              <a:rPr lang="en-US" altLang="ko-KR" sz="1400" dirty="0"/>
-              <a:t>MVC</a:t>
-            </a:r>
-            <a:endParaRPr lang="ko-KR" altLang="en-US" sz="1400" dirty="0"/>
-          </a:p>
-        </p:txBody>
-      </p:sp>
-      <p:sp>
-        <p:nvSpPr>
-          <p:cNvPr id="14" name="직사각형 13">
-            <a:extLst>
-              <a:ext uri="{FF2B5EF4-FFF2-40B4-BE49-F238E27FC236}">
-                <a16:creationId xmlns:a16="http://schemas.microsoft.com/office/drawing/2014/main" id="{1B6E7718-D658-440F-86BB-90D98FA02CDA}"/>
-              </a:ext>
-            </a:extLst>
-          </p:cNvPr>
-          <p:cNvSpPr/>
-          <p:nvPr/>
-        </p:nvSpPr>
-        <p:spPr>
-          <a:xfrm>
-            <a:off x="3051404" y="4079456"/>
-            <a:ext cx="1065703" cy="442399"/>
-          </a:xfrm>
-          <a:prstGeom prst="rect">
-            <a:avLst/>
-          </a:prstGeom>
-        </p:spPr>
-        <p:style>
-          <a:lnRef idx="2">
-            <a:schemeClr val="accent1">
-              <a:shade val="50000"/>
-            </a:schemeClr>
-          </a:lnRef>
-          <a:fillRef idx="1">
-            <a:schemeClr val="accent1"/>
-          </a:fillRef>
-          <a:effectRef idx="0">
-            <a:schemeClr val="accent1"/>
-          </a:effectRef>
-          <a:fontRef idx="minor">
-            <a:schemeClr val="lt1"/>
-          </a:fontRef>
-        </p:style>
-        <p:txBody>
-          <a:bodyPr rtlCol="0" anchor="ctr"/>
-          <a:lstStyle/>
-          <a:p>
-            <a:pPr algn="ctr"/>
-            <a:r>
-              <a:rPr lang="ko-KR" altLang="en-US" sz="1200" dirty="0"/>
-              <a:t>프레임워크</a:t>
-            </a:r>
-          </a:p>
-        </p:txBody>
-      </p:sp>
-    </p:spTree>
-    <p:extLst>
-      <p:ext uri="{BB962C8B-B14F-4D97-AF65-F5344CB8AC3E}">
-        <p14:creationId xmlns:p14="http://schemas.microsoft.com/office/powerpoint/2010/main" val="1236967284"/>
-      </p:ext>
-    </p:extLst>
-  </p:cSld>
-  <p:clrMapOvr>
-    <a:masterClrMapping/>
-  </p:clrMapOvr>
-  <mc:AlternateContent xmlns:mc="http://schemas.openxmlformats.org/markup-compatibility/2006" xmlns:p14="http://schemas.microsoft.com/office/powerpoint/2010/main">
-    <mc:Choice Requires="p14">
-      <p:transition spd="med" p14:dur="700">
-        <p:fade/>
-      </p:transition>
-    </mc:Choice>
-    <mc:Fallback xmlns="">
-      <p:transition spd="med">
-        <p:fade/>
-      </p:transition>
-    </mc:Fallback>
-  </mc:AlternateContent>
-</p:sld>
-</file>
-
-<file path=ppt/slides/slide18.xml><?xml version="1.0" encoding="utf-8"?>
-<p:sld xmlns:a="http://schemas.openxmlformats.org/drawingml/2006/main" xmlns:r="http://schemas.openxmlformats.org/officeDocument/2006/relationships" xmlns:p="http://schemas.openxmlformats.org/presentationml/2006/main">
-  <p:cSld>
-    <p:spTree>
-      <p:nvGrpSpPr>
-        <p:cNvPr id="1" name=""/>
-        <p:cNvGrpSpPr/>
-        <p:nvPr/>
-      </p:nvGrpSpPr>
-      <p:grpSpPr>
-        <a:xfrm>
-          <a:off x="0" y="0"/>
-          <a:ext cx="0" cy="0"/>
-          <a:chOff x="0" y="0"/>
-          <a:chExt cx="0" cy="0"/>
-        </a:xfrm>
-      </p:grpSpPr>
-      <p:sp>
-        <p:nvSpPr>
-          <p:cNvPr id="2" name="제목 1">
-            <a:extLst>
-              <a:ext uri="{FF2B5EF4-FFF2-40B4-BE49-F238E27FC236}">
-                <a16:creationId xmlns:a16="http://schemas.microsoft.com/office/drawing/2014/main" id="{C3DF3210-4719-486C-8BB5-9230827C840E}"/>
-              </a:ext>
-            </a:extLst>
-          </p:cNvPr>
-          <p:cNvSpPr>
-            <a:spLocks noGrp="1"/>
-          </p:cNvSpPr>
-          <p:nvPr>
-            <p:ph type="title"/>
-          </p:nvPr>
-        </p:nvSpPr>
-        <p:spPr/>
-        <p:txBody>
-          <a:bodyPr/>
-          <a:lstStyle/>
-          <a:p>
-            <a:r>
-              <a:rPr lang="ko-KR" altLang="en-US" dirty="0"/>
-              <a:t>게시판 만들기</a:t>
-            </a:r>
-          </a:p>
-        </p:txBody>
-      </p:sp>
-      <p:sp>
-        <p:nvSpPr>
-          <p:cNvPr id="4" name="직사각형 3">
-            <a:extLst>
-              <a:ext uri="{FF2B5EF4-FFF2-40B4-BE49-F238E27FC236}">
-                <a16:creationId xmlns:a16="http://schemas.microsoft.com/office/drawing/2014/main" id="{8526BF26-6D93-4D67-936D-481D96EF95E1}"/>
-              </a:ext>
-            </a:extLst>
-          </p:cNvPr>
-          <p:cNvSpPr/>
-          <p:nvPr/>
-        </p:nvSpPr>
-        <p:spPr>
-          <a:xfrm>
-            <a:off x="1493300" y="2177456"/>
-            <a:ext cx="1065703" cy="442399"/>
-          </a:xfrm>
-          <a:prstGeom prst="rect">
-            <a:avLst/>
-          </a:prstGeom>
-        </p:spPr>
-        <p:style>
-          <a:lnRef idx="2">
-            <a:schemeClr val="accent1">
-              <a:shade val="50000"/>
-            </a:schemeClr>
-          </a:lnRef>
-          <a:fillRef idx="1">
-            <a:schemeClr val="accent1"/>
-          </a:fillRef>
-          <a:effectRef idx="0">
-            <a:schemeClr val="accent1"/>
-          </a:effectRef>
-          <a:fontRef idx="minor">
-            <a:schemeClr val="lt1"/>
-          </a:fontRef>
-        </p:style>
-        <p:txBody>
-          <a:bodyPr rtlCol="0" anchor="ctr"/>
-          <a:lstStyle/>
-          <a:p>
-            <a:pPr algn="ctr"/>
-            <a:r>
-              <a:rPr lang="ko-KR" altLang="en-US" sz="1400" dirty="0"/>
-              <a:t>입력</a:t>
-            </a:r>
-          </a:p>
-        </p:txBody>
-      </p:sp>
-      <p:sp>
-        <p:nvSpPr>
-          <p:cNvPr id="5" name="직사각형 4">
-            <a:extLst>
-              <a:ext uri="{FF2B5EF4-FFF2-40B4-BE49-F238E27FC236}">
-                <a16:creationId xmlns:a16="http://schemas.microsoft.com/office/drawing/2014/main" id="{192ED789-3F9F-48DD-A936-C78ADCA44A09}"/>
-              </a:ext>
-            </a:extLst>
-          </p:cNvPr>
-          <p:cNvSpPr/>
-          <p:nvPr/>
-        </p:nvSpPr>
-        <p:spPr>
-          <a:xfrm>
-            <a:off x="1493300" y="2929873"/>
-            <a:ext cx="1065703" cy="442399"/>
-          </a:xfrm>
-          <a:prstGeom prst="rect">
-            <a:avLst/>
-          </a:prstGeom>
-        </p:spPr>
-        <p:style>
-          <a:lnRef idx="2">
-            <a:schemeClr val="accent1">
-              <a:shade val="50000"/>
-            </a:schemeClr>
-          </a:lnRef>
-          <a:fillRef idx="1">
-            <a:schemeClr val="accent1"/>
-          </a:fillRef>
-          <a:effectRef idx="0">
-            <a:schemeClr val="accent1"/>
-          </a:effectRef>
-          <a:fontRef idx="minor">
-            <a:schemeClr val="lt1"/>
-          </a:fontRef>
-        </p:style>
-        <p:txBody>
-          <a:bodyPr rtlCol="0" anchor="ctr"/>
-          <a:lstStyle/>
-          <a:p>
-            <a:pPr algn="ctr"/>
-            <a:r>
-              <a:rPr lang="ko-KR" altLang="en-US" sz="1400"/>
-              <a:t>수정</a:t>
-            </a:r>
-            <a:endParaRPr lang="ko-KR" altLang="en-US" sz="1400" dirty="0"/>
-          </a:p>
-        </p:txBody>
-      </p:sp>
-      <p:sp>
-        <p:nvSpPr>
-          <p:cNvPr id="6" name="직사각형 5">
-            <a:extLst>
-              <a:ext uri="{FF2B5EF4-FFF2-40B4-BE49-F238E27FC236}">
-                <a16:creationId xmlns:a16="http://schemas.microsoft.com/office/drawing/2014/main" id="{9887F412-954B-4CCE-A7DD-D8CEEAB0618D}"/>
-              </a:ext>
-            </a:extLst>
-          </p:cNvPr>
-          <p:cNvSpPr/>
-          <p:nvPr/>
-        </p:nvSpPr>
-        <p:spPr>
-          <a:xfrm>
-            <a:off x="1493299" y="3682290"/>
-            <a:ext cx="1065703" cy="442399"/>
-          </a:xfrm>
-          <a:prstGeom prst="rect">
-            <a:avLst/>
-          </a:prstGeom>
-        </p:spPr>
-        <p:style>
-          <a:lnRef idx="2">
-            <a:schemeClr val="accent1">
-              <a:shade val="50000"/>
-            </a:schemeClr>
-          </a:lnRef>
-          <a:fillRef idx="1">
-            <a:schemeClr val="accent1"/>
-          </a:fillRef>
-          <a:effectRef idx="0">
-            <a:schemeClr val="accent1"/>
-          </a:effectRef>
-          <a:fontRef idx="minor">
-            <a:schemeClr val="lt1"/>
-          </a:fontRef>
-        </p:style>
-        <p:txBody>
-          <a:bodyPr rtlCol="0" anchor="ctr"/>
-          <a:lstStyle/>
-          <a:p>
-            <a:pPr algn="ctr"/>
-            <a:r>
-              <a:rPr lang="ko-KR" altLang="en-US" sz="1400" dirty="0"/>
-              <a:t>삭제</a:t>
-            </a:r>
-          </a:p>
-        </p:txBody>
-      </p:sp>
-      <p:sp>
-        <p:nvSpPr>
-          <p:cNvPr id="7" name="직사각형 6">
-            <a:extLst>
-              <a:ext uri="{FF2B5EF4-FFF2-40B4-BE49-F238E27FC236}">
-                <a16:creationId xmlns:a16="http://schemas.microsoft.com/office/drawing/2014/main" id="{72A308C0-BBEA-443F-8C87-B588928F0744}"/>
-              </a:ext>
-            </a:extLst>
-          </p:cNvPr>
-          <p:cNvSpPr/>
-          <p:nvPr/>
-        </p:nvSpPr>
-        <p:spPr>
-          <a:xfrm>
-            <a:off x="1493299" y="4488957"/>
-            <a:ext cx="1065703" cy="442399"/>
-          </a:xfrm>
-          <a:prstGeom prst="rect">
-            <a:avLst/>
-          </a:prstGeom>
-        </p:spPr>
-        <p:style>
-          <a:lnRef idx="2">
-            <a:schemeClr val="accent1">
-              <a:shade val="50000"/>
-            </a:schemeClr>
-          </a:lnRef>
-          <a:fillRef idx="1">
-            <a:schemeClr val="accent1"/>
-          </a:fillRef>
-          <a:effectRef idx="0">
-            <a:schemeClr val="accent1"/>
-          </a:effectRef>
-          <a:fontRef idx="minor">
-            <a:schemeClr val="lt1"/>
-          </a:fontRef>
-        </p:style>
-        <p:txBody>
-          <a:bodyPr rtlCol="0" anchor="ctr"/>
-          <a:lstStyle/>
-          <a:p>
-            <a:pPr algn="ctr"/>
-            <a:r>
-              <a:rPr lang="ko-KR" altLang="en-US" sz="1400"/>
-              <a:t>조회</a:t>
-            </a:r>
-            <a:endParaRPr lang="ko-KR" altLang="en-US" sz="1400" dirty="0"/>
-          </a:p>
-        </p:txBody>
-      </p:sp>
-      <p:sp>
-        <p:nvSpPr>
-          <p:cNvPr id="9" name="직사각형 8">
-            <a:extLst>
-              <a:ext uri="{FF2B5EF4-FFF2-40B4-BE49-F238E27FC236}">
-                <a16:creationId xmlns:a16="http://schemas.microsoft.com/office/drawing/2014/main" id="{38C3107B-5253-4A5D-9B5B-3D1FFB0FE964}"/>
-              </a:ext>
-            </a:extLst>
-          </p:cNvPr>
-          <p:cNvSpPr/>
-          <p:nvPr/>
-        </p:nvSpPr>
-        <p:spPr>
-          <a:xfrm>
-            <a:off x="4649408" y="2895183"/>
-            <a:ext cx="1065703" cy="486255"/>
-          </a:xfrm>
-          <a:prstGeom prst="rect">
-            <a:avLst/>
-          </a:prstGeom>
-        </p:spPr>
-        <p:style>
-          <a:lnRef idx="2">
-            <a:schemeClr val="accent1">
-              <a:shade val="50000"/>
-            </a:schemeClr>
-          </a:lnRef>
-          <a:fillRef idx="1">
-            <a:schemeClr val="accent1"/>
-          </a:fillRef>
-          <a:effectRef idx="0">
-            <a:schemeClr val="accent1"/>
-          </a:effectRef>
-          <a:fontRef idx="minor">
-            <a:schemeClr val="lt1"/>
-          </a:fontRef>
-        </p:style>
-        <p:txBody>
-          <a:bodyPr rtlCol="0" anchor="ctr"/>
-          <a:lstStyle/>
-          <a:p>
-            <a:pPr algn="ctr"/>
-            <a:r>
-              <a:rPr lang="ko-KR" altLang="en-US" sz="1400" dirty="0"/>
-              <a:t>인증</a:t>
-            </a:r>
-          </a:p>
-        </p:txBody>
-      </p:sp>
-      <p:sp>
-        <p:nvSpPr>
-          <p:cNvPr id="10" name="직사각형 9">
-            <a:extLst>
-              <a:ext uri="{FF2B5EF4-FFF2-40B4-BE49-F238E27FC236}">
-                <a16:creationId xmlns:a16="http://schemas.microsoft.com/office/drawing/2014/main" id="{21BBC8A5-5FAC-43E5-94BC-6CE26648934F}"/>
-              </a:ext>
-            </a:extLst>
-          </p:cNvPr>
-          <p:cNvSpPr/>
-          <p:nvPr/>
-        </p:nvSpPr>
-        <p:spPr>
-          <a:xfrm>
-            <a:off x="4649408" y="3640737"/>
-            <a:ext cx="1065703" cy="486255"/>
-          </a:xfrm>
-          <a:prstGeom prst="rect">
-            <a:avLst/>
-          </a:prstGeom>
-        </p:spPr>
-        <p:style>
-          <a:lnRef idx="2">
-            <a:schemeClr val="accent1">
-              <a:shade val="50000"/>
-            </a:schemeClr>
-          </a:lnRef>
-          <a:fillRef idx="1">
-            <a:schemeClr val="accent1"/>
-          </a:fillRef>
-          <a:effectRef idx="0">
-            <a:schemeClr val="accent1"/>
-          </a:effectRef>
-          <a:fontRef idx="minor">
-            <a:schemeClr val="lt1"/>
-          </a:fontRef>
-        </p:style>
-        <p:txBody>
-          <a:bodyPr rtlCol="0" anchor="ctr"/>
-          <a:lstStyle/>
-          <a:p>
-            <a:pPr algn="ctr"/>
-            <a:r>
-              <a:rPr lang="ko-KR" altLang="en-US" sz="1400" dirty="0"/>
-              <a:t>접근제어</a:t>
-            </a:r>
-          </a:p>
-        </p:txBody>
-      </p:sp>
-      <p:sp>
-        <p:nvSpPr>
-          <p:cNvPr id="11" name="직사각형 10">
-            <a:extLst>
-              <a:ext uri="{FF2B5EF4-FFF2-40B4-BE49-F238E27FC236}">
-                <a16:creationId xmlns:a16="http://schemas.microsoft.com/office/drawing/2014/main" id="{55C63355-0F5A-4838-B0B2-98959EA5FBD4}"/>
-              </a:ext>
-            </a:extLst>
-          </p:cNvPr>
-          <p:cNvSpPr/>
-          <p:nvPr/>
-        </p:nvSpPr>
-        <p:spPr>
-          <a:xfrm>
-            <a:off x="4649408" y="4387256"/>
-            <a:ext cx="1065703" cy="486255"/>
-          </a:xfrm>
-          <a:prstGeom prst="rect">
-            <a:avLst/>
-          </a:prstGeom>
-        </p:spPr>
-        <p:style>
-          <a:lnRef idx="2">
-            <a:schemeClr val="accent1">
-              <a:shade val="50000"/>
-            </a:schemeClr>
-          </a:lnRef>
-          <a:fillRef idx="1">
-            <a:schemeClr val="accent1"/>
-          </a:fillRef>
-          <a:effectRef idx="0">
-            <a:schemeClr val="accent1"/>
-          </a:effectRef>
-          <a:fontRef idx="minor">
-            <a:schemeClr val="lt1"/>
-          </a:fontRef>
-        </p:style>
-        <p:txBody>
-          <a:bodyPr rtlCol="0" anchor="ctr"/>
-          <a:lstStyle/>
-          <a:p>
-            <a:pPr algn="ctr"/>
-            <a:r>
-              <a:rPr lang="ko-KR" altLang="en-US" sz="1400" dirty="0"/>
-              <a:t>암호화</a:t>
-            </a:r>
-          </a:p>
-        </p:txBody>
-      </p:sp>
-      <p:sp>
-        <p:nvSpPr>
-          <p:cNvPr id="12" name="직사각형 11">
-            <a:extLst>
-              <a:ext uri="{FF2B5EF4-FFF2-40B4-BE49-F238E27FC236}">
-                <a16:creationId xmlns:a16="http://schemas.microsoft.com/office/drawing/2014/main" id="{F0317928-2B73-45A2-B70F-D4F4CBD11AF8}"/>
-              </a:ext>
-            </a:extLst>
-          </p:cNvPr>
-          <p:cNvSpPr/>
-          <p:nvPr/>
-        </p:nvSpPr>
-        <p:spPr>
-          <a:xfrm>
-            <a:off x="3051405" y="2487474"/>
-            <a:ext cx="1065703" cy="442399"/>
-          </a:xfrm>
-          <a:prstGeom prst="rect">
-            <a:avLst/>
-          </a:prstGeom>
-        </p:spPr>
-        <p:style>
-          <a:lnRef idx="2">
-            <a:schemeClr val="accent1">
-              <a:shade val="50000"/>
-            </a:schemeClr>
-          </a:lnRef>
-          <a:fillRef idx="1">
-            <a:schemeClr val="accent1"/>
-          </a:fillRef>
-          <a:effectRef idx="0">
-            <a:schemeClr val="accent1"/>
-          </a:effectRef>
-          <a:fontRef idx="minor">
-            <a:schemeClr val="lt1"/>
-          </a:fontRef>
-        </p:style>
-        <p:txBody>
-          <a:bodyPr rtlCol="0" anchor="ctr"/>
-          <a:lstStyle/>
-          <a:p>
-            <a:pPr algn="ctr"/>
-            <a:r>
-              <a:rPr lang="ko-KR" altLang="en-US" sz="1400" dirty="0" err="1"/>
-              <a:t>서블릿</a:t>
-            </a:r>
-            <a:endParaRPr lang="ko-KR" altLang="en-US" sz="1400" dirty="0"/>
-          </a:p>
-        </p:txBody>
-      </p:sp>
-      <p:sp>
-        <p:nvSpPr>
-          <p:cNvPr id="13" name="직사각형 12">
-            <a:extLst>
-              <a:ext uri="{FF2B5EF4-FFF2-40B4-BE49-F238E27FC236}">
-                <a16:creationId xmlns:a16="http://schemas.microsoft.com/office/drawing/2014/main" id="{DDCE4059-DD10-4A18-AFA8-CCF63BD52C12}"/>
-              </a:ext>
-            </a:extLst>
-          </p:cNvPr>
-          <p:cNvSpPr/>
-          <p:nvPr/>
-        </p:nvSpPr>
-        <p:spPr>
-          <a:xfrm>
-            <a:off x="3051404" y="3284300"/>
-            <a:ext cx="1065703" cy="442399"/>
-          </a:xfrm>
-          <a:prstGeom prst="rect">
-            <a:avLst/>
-          </a:prstGeom>
-        </p:spPr>
-        <p:style>
-          <a:lnRef idx="2">
-            <a:schemeClr val="accent1">
-              <a:shade val="50000"/>
-            </a:schemeClr>
-          </a:lnRef>
-          <a:fillRef idx="1">
-            <a:schemeClr val="accent1"/>
-          </a:fillRef>
-          <a:effectRef idx="0">
-            <a:schemeClr val="accent1"/>
-          </a:effectRef>
-          <a:fontRef idx="minor">
-            <a:schemeClr val="lt1"/>
-          </a:fontRef>
-        </p:style>
-        <p:txBody>
-          <a:bodyPr rtlCol="0" anchor="ctr"/>
-          <a:lstStyle/>
-          <a:p>
-            <a:pPr algn="ctr"/>
-            <a:r>
-              <a:rPr lang="en-US" altLang="ko-KR" sz="1400" dirty="0"/>
-              <a:t>MVC</a:t>
-            </a:r>
-            <a:endParaRPr lang="ko-KR" altLang="en-US" sz="1400" dirty="0"/>
-          </a:p>
-        </p:txBody>
-      </p:sp>
-      <p:sp>
-        <p:nvSpPr>
-          <p:cNvPr id="14" name="직사각형 13">
-            <a:extLst>
-              <a:ext uri="{FF2B5EF4-FFF2-40B4-BE49-F238E27FC236}">
-                <a16:creationId xmlns:a16="http://schemas.microsoft.com/office/drawing/2014/main" id="{1B6E7718-D658-440F-86BB-90D98FA02CDA}"/>
-              </a:ext>
-            </a:extLst>
-          </p:cNvPr>
-          <p:cNvSpPr/>
-          <p:nvPr/>
-        </p:nvSpPr>
-        <p:spPr>
-          <a:xfrm>
-            <a:off x="3051404" y="4079456"/>
-            <a:ext cx="1065703" cy="442399"/>
-          </a:xfrm>
-          <a:prstGeom prst="rect">
-            <a:avLst/>
-          </a:prstGeom>
-        </p:spPr>
-        <p:style>
-          <a:lnRef idx="2">
-            <a:schemeClr val="accent1">
-              <a:shade val="50000"/>
-            </a:schemeClr>
-          </a:lnRef>
-          <a:fillRef idx="1">
-            <a:schemeClr val="accent1"/>
-          </a:fillRef>
-          <a:effectRef idx="0">
-            <a:schemeClr val="accent1"/>
-          </a:effectRef>
-          <a:fontRef idx="minor">
-            <a:schemeClr val="lt1"/>
-          </a:fontRef>
-        </p:style>
-        <p:txBody>
-          <a:bodyPr rtlCol="0" anchor="ctr"/>
-          <a:lstStyle/>
-          <a:p>
-            <a:pPr algn="ctr"/>
-            <a:r>
-              <a:rPr lang="ko-KR" altLang="en-US" sz="1200" dirty="0"/>
-              <a:t>프레임워크</a:t>
-            </a:r>
-          </a:p>
-        </p:txBody>
-      </p:sp>
-      <p:sp>
-        <p:nvSpPr>
-          <p:cNvPr id="15" name="직사각형 14">
-            <a:extLst>
-              <a:ext uri="{FF2B5EF4-FFF2-40B4-BE49-F238E27FC236}">
-                <a16:creationId xmlns:a16="http://schemas.microsoft.com/office/drawing/2014/main" id="{6C33FABE-FB93-47DD-8109-2521306D056C}"/>
-              </a:ext>
-            </a:extLst>
-          </p:cNvPr>
-          <p:cNvSpPr/>
-          <p:nvPr/>
-        </p:nvSpPr>
-        <p:spPr>
-          <a:xfrm>
-            <a:off x="4649408" y="2149629"/>
-            <a:ext cx="1065703" cy="486255"/>
-          </a:xfrm>
-          <a:prstGeom prst="rect">
-            <a:avLst/>
-          </a:prstGeom>
-        </p:spPr>
-        <p:style>
-          <a:lnRef idx="2">
-            <a:schemeClr val="accent1">
-              <a:shade val="50000"/>
-            </a:schemeClr>
-          </a:lnRef>
-          <a:fillRef idx="1">
-            <a:schemeClr val="accent1"/>
-          </a:fillRef>
-          <a:effectRef idx="0">
-            <a:schemeClr val="accent1"/>
-          </a:effectRef>
-          <a:fontRef idx="minor">
-            <a:schemeClr val="lt1"/>
-          </a:fontRef>
-        </p:style>
-        <p:txBody>
-          <a:bodyPr rtlCol="0" anchor="ctr"/>
-          <a:lstStyle/>
-          <a:p>
-            <a:pPr algn="ctr"/>
-            <a:r>
-              <a:rPr lang="ko-KR" altLang="en-US" sz="1400" dirty="0"/>
-              <a:t>트랜잭션</a:t>
-            </a:r>
-          </a:p>
-        </p:txBody>
-      </p:sp>
-      <p:sp>
-        <p:nvSpPr>
-          <p:cNvPr id="16" name="직사각형 15">
-            <a:extLst>
-              <a:ext uri="{FF2B5EF4-FFF2-40B4-BE49-F238E27FC236}">
-                <a16:creationId xmlns:a16="http://schemas.microsoft.com/office/drawing/2014/main" id="{924B1DF4-6A35-42DB-8C7F-392B2DB1B9AA}"/>
-              </a:ext>
-            </a:extLst>
-          </p:cNvPr>
-          <p:cNvSpPr/>
-          <p:nvPr/>
-        </p:nvSpPr>
-        <p:spPr>
-          <a:xfrm>
-            <a:off x="4649407" y="5133775"/>
-            <a:ext cx="1065703" cy="486255"/>
-          </a:xfrm>
-          <a:prstGeom prst="rect">
-            <a:avLst/>
-          </a:prstGeom>
-        </p:spPr>
-        <p:style>
-          <a:lnRef idx="2">
-            <a:schemeClr val="accent1">
-              <a:shade val="50000"/>
-            </a:schemeClr>
-          </a:lnRef>
-          <a:fillRef idx="1">
-            <a:schemeClr val="accent1"/>
-          </a:fillRef>
-          <a:effectRef idx="0">
-            <a:schemeClr val="accent1"/>
-          </a:effectRef>
-          <a:fontRef idx="minor">
-            <a:schemeClr val="lt1"/>
-          </a:fontRef>
-        </p:style>
-        <p:txBody>
-          <a:bodyPr rtlCol="0" anchor="ctr"/>
-          <a:lstStyle/>
-          <a:p>
-            <a:pPr algn="ctr"/>
-            <a:r>
-              <a:rPr lang="ko-KR" altLang="en-US" sz="1400" dirty="0"/>
-              <a:t>로그</a:t>
-            </a:r>
-          </a:p>
-        </p:txBody>
-      </p:sp>
-      <p:sp>
-        <p:nvSpPr>
-          <p:cNvPr id="17" name="직사각형 16">
-            <a:extLst>
-              <a:ext uri="{FF2B5EF4-FFF2-40B4-BE49-F238E27FC236}">
-                <a16:creationId xmlns:a16="http://schemas.microsoft.com/office/drawing/2014/main" id="{CA3E20DB-8F45-4171-9DFB-FBD0E4DF807C}"/>
-              </a:ext>
-            </a:extLst>
-          </p:cNvPr>
-          <p:cNvSpPr/>
-          <p:nvPr/>
-        </p:nvSpPr>
-        <p:spPr>
-          <a:xfrm>
-            <a:off x="4666948" y="1403110"/>
-            <a:ext cx="1065703" cy="486255"/>
-          </a:xfrm>
-          <a:prstGeom prst="rect">
-            <a:avLst/>
-          </a:prstGeom>
-        </p:spPr>
-        <p:style>
-          <a:lnRef idx="2">
-            <a:schemeClr val="accent1">
-              <a:shade val="50000"/>
-            </a:schemeClr>
-          </a:lnRef>
-          <a:fillRef idx="1">
-            <a:schemeClr val="accent1"/>
-          </a:fillRef>
-          <a:effectRef idx="0">
-            <a:schemeClr val="accent1"/>
-          </a:effectRef>
-          <a:fontRef idx="minor">
-            <a:schemeClr val="lt1"/>
-          </a:fontRef>
-        </p:style>
-        <p:txBody>
-          <a:bodyPr rtlCol="0" anchor="ctr"/>
-          <a:lstStyle/>
-          <a:p>
-            <a:pPr algn="ctr"/>
-            <a:r>
-              <a:rPr lang="ko-KR" altLang="en-US" sz="1400" dirty="0"/>
-              <a:t>입력</a:t>
-            </a:r>
-            <a:r>
-              <a:rPr lang="en-US" altLang="ko-KR" sz="1400" dirty="0"/>
-              <a:t>/</a:t>
-            </a:r>
-            <a:r>
-              <a:rPr lang="ko-KR" altLang="en-US" sz="1400" dirty="0"/>
-              <a:t>출력</a:t>
-            </a:r>
-          </a:p>
-        </p:txBody>
-      </p:sp>
-    </p:spTree>
-    <p:extLst>
-      <p:ext uri="{BB962C8B-B14F-4D97-AF65-F5344CB8AC3E}">
-        <p14:creationId xmlns:p14="http://schemas.microsoft.com/office/powerpoint/2010/main" val="3651741227"/>
-      </p:ext>
-    </p:extLst>
-  </p:cSld>
-  <p:clrMapOvr>
-    <a:masterClrMapping/>
-  </p:clrMapOvr>
-  <mc:AlternateContent xmlns:mc="http://schemas.openxmlformats.org/markup-compatibility/2006" xmlns:p14="http://schemas.microsoft.com/office/powerpoint/2010/main">
-    <mc:Choice Requires="p14">
-      <p:transition spd="med" p14:dur="700">
-        <p:fade/>
-      </p:transition>
-    </mc:Choice>
-    <mc:Fallback xmlns="">
-      <p:transition spd="med">
-        <p:fade/>
-      </p:transition>
-    </mc:Fallback>
-  </mc:AlternateContent>
-</p:sld>
-</file>
-
-<file path=ppt/slides/slide19.xml><?xml version="1.0" encoding="utf-8"?>
-<p:sld xmlns:a="http://schemas.openxmlformats.org/drawingml/2006/main" xmlns:r="http://schemas.openxmlformats.org/officeDocument/2006/relationships" xmlns:p="http://schemas.openxmlformats.org/presentationml/2006/main">
-  <p:cSld>
-    <p:spTree>
-      <p:nvGrpSpPr>
-        <p:cNvPr id="1" name=""/>
-        <p:cNvGrpSpPr/>
-        <p:nvPr/>
-      </p:nvGrpSpPr>
-      <p:grpSpPr>
-        <a:xfrm>
-          <a:off x="0" y="0"/>
-          <a:ext cx="0" cy="0"/>
-          <a:chOff x="0" y="0"/>
-          <a:chExt cx="0" cy="0"/>
-        </a:xfrm>
-      </p:grpSpPr>
-      <p:sp>
-        <p:nvSpPr>
-          <p:cNvPr id="2" name="제목 1">
-            <a:extLst>
-              <a:ext uri="{FF2B5EF4-FFF2-40B4-BE49-F238E27FC236}">
-                <a16:creationId xmlns:a16="http://schemas.microsoft.com/office/drawing/2014/main" id="{C3DF3210-4719-486C-8BB5-9230827C840E}"/>
-              </a:ext>
-            </a:extLst>
-          </p:cNvPr>
-          <p:cNvSpPr>
-            <a:spLocks noGrp="1"/>
-          </p:cNvSpPr>
-          <p:nvPr>
-            <p:ph type="title"/>
-          </p:nvPr>
-        </p:nvSpPr>
-        <p:spPr/>
-        <p:txBody>
-          <a:bodyPr/>
-          <a:lstStyle/>
-          <a:p>
-            <a:r>
-              <a:rPr lang="ko-KR" altLang="en-US" dirty="0"/>
-              <a:t>게시판 만들기</a:t>
-            </a:r>
-          </a:p>
-        </p:txBody>
-      </p:sp>
-      <p:sp>
-        <p:nvSpPr>
-          <p:cNvPr id="4" name="직사각형 3">
-            <a:extLst>
-              <a:ext uri="{FF2B5EF4-FFF2-40B4-BE49-F238E27FC236}">
-                <a16:creationId xmlns:a16="http://schemas.microsoft.com/office/drawing/2014/main" id="{8526BF26-6D93-4D67-936D-481D96EF95E1}"/>
-              </a:ext>
-            </a:extLst>
-          </p:cNvPr>
-          <p:cNvSpPr/>
-          <p:nvPr/>
-        </p:nvSpPr>
-        <p:spPr>
-          <a:xfrm>
-            <a:off x="1493300" y="2177456"/>
-            <a:ext cx="1065703" cy="442399"/>
-          </a:xfrm>
-          <a:prstGeom prst="rect">
-            <a:avLst/>
-          </a:prstGeom>
-        </p:spPr>
-        <p:style>
-          <a:lnRef idx="2">
-            <a:schemeClr val="accent1">
-              <a:shade val="50000"/>
-            </a:schemeClr>
-          </a:lnRef>
-          <a:fillRef idx="1">
-            <a:schemeClr val="accent1"/>
-          </a:fillRef>
-          <a:effectRef idx="0">
-            <a:schemeClr val="accent1"/>
-          </a:effectRef>
-          <a:fontRef idx="minor">
-            <a:schemeClr val="lt1"/>
-          </a:fontRef>
-        </p:style>
-        <p:txBody>
-          <a:bodyPr rtlCol="0" anchor="ctr"/>
-          <a:lstStyle/>
-          <a:p>
-            <a:pPr algn="ctr"/>
-            <a:r>
-              <a:rPr lang="ko-KR" altLang="en-US" sz="1400" dirty="0"/>
-              <a:t>입력</a:t>
-            </a:r>
-          </a:p>
-        </p:txBody>
-      </p:sp>
-      <p:sp>
-        <p:nvSpPr>
-          <p:cNvPr id="5" name="직사각형 4">
-            <a:extLst>
-              <a:ext uri="{FF2B5EF4-FFF2-40B4-BE49-F238E27FC236}">
-                <a16:creationId xmlns:a16="http://schemas.microsoft.com/office/drawing/2014/main" id="{192ED789-3F9F-48DD-A936-C78ADCA44A09}"/>
-              </a:ext>
-            </a:extLst>
-          </p:cNvPr>
-          <p:cNvSpPr/>
-          <p:nvPr/>
-        </p:nvSpPr>
-        <p:spPr>
-          <a:xfrm>
-            <a:off x="1493300" y="2929873"/>
-            <a:ext cx="1065703" cy="442399"/>
-          </a:xfrm>
-          <a:prstGeom prst="rect">
-            <a:avLst/>
-          </a:prstGeom>
-        </p:spPr>
-        <p:style>
-          <a:lnRef idx="2">
-            <a:schemeClr val="accent1">
-              <a:shade val="50000"/>
-            </a:schemeClr>
-          </a:lnRef>
-          <a:fillRef idx="1">
-            <a:schemeClr val="accent1"/>
-          </a:fillRef>
-          <a:effectRef idx="0">
-            <a:schemeClr val="accent1"/>
-          </a:effectRef>
-          <a:fontRef idx="minor">
-            <a:schemeClr val="lt1"/>
-          </a:fontRef>
-        </p:style>
-        <p:txBody>
-          <a:bodyPr rtlCol="0" anchor="ctr"/>
-          <a:lstStyle/>
-          <a:p>
-            <a:pPr algn="ctr"/>
-            <a:r>
-              <a:rPr lang="ko-KR" altLang="en-US" sz="1400"/>
-              <a:t>수정</a:t>
-            </a:r>
-            <a:endParaRPr lang="ko-KR" altLang="en-US" sz="1400" dirty="0"/>
-          </a:p>
-        </p:txBody>
-      </p:sp>
-      <p:sp>
-        <p:nvSpPr>
-          <p:cNvPr id="6" name="직사각형 5">
-            <a:extLst>
-              <a:ext uri="{FF2B5EF4-FFF2-40B4-BE49-F238E27FC236}">
-                <a16:creationId xmlns:a16="http://schemas.microsoft.com/office/drawing/2014/main" id="{9887F412-954B-4CCE-A7DD-D8CEEAB0618D}"/>
-              </a:ext>
-            </a:extLst>
-          </p:cNvPr>
-          <p:cNvSpPr/>
-          <p:nvPr/>
-        </p:nvSpPr>
-        <p:spPr>
-          <a:xfrm>
-            <a:off x="1493299" y="3682290"/>
-            <a:ext cx="1065703" cy="442399"/>
-          </a:xfrm>
-          <a:prstGeom prst="rect">
-            <a:avLst/>
-          </a:prstGeom>
-        </p:spPr>
-        <p:style>
-          <a:lnRef idx="2">
-            <a:schemeClr val="accent1">
-              <a:shade val="50000"/>
-            </a:schemeClr>
-          </a:lnRef>
-          <a:fillRef idx="1">
-            <a:schemeClr val="accent1"/>
-          </a:fillRef>
-          <a:effectRef idx="0">
-            <a:schemeClr val="accent1"/>
-          </a:effectRef>
-          <a:fontRef idx="minor">
-            <a:schemeClr val="lt1"/>
-          </a:fontRef>
-        </p:style>
-        <p:txBody>
-          <a:bodyPr rtlCol="0" anchor="ctr"/>
-          <a:lstStyle/>
-          <a:p>
-            <a:pPr algn="ctr"/>
-            <a:r>
-              <a:rPr lang="ko-KR" altLang="en-US" sz="1400" dirty="0"/>
-              <a:t>삭제</a:t>
-            </a:r>
-          </a:p>
-        </p:txBody>
-      </p:sp>
-      <p:sp>
-        <p:nvSpPr>
-          <p:cNvPr id="7" name="직사각형 6">
-            <a:extLst>
-              <a:ext uri="{FF2B5EF4-FFF2-40B4-BE49-F238E27FC236}">
-                <a16:creationId xmlns:a16="http://schemas.microsoft.com/office/drawing/2014/main" id="{72A308C0-BBEA-443F-8C87-B588928F0744}"/>
-              </a:ext>
-            </a:extLst>
-          </p:cNvPr>
-          <p:cNvSpPr/>
-          <p:nvPr/>
-        </p:nvSpPr>
-        <p:spPr>
-          <a:xfrm>
-            <a:off x="1493299" y="4488957"/>
-            <a:ext cx="1065703" cy="442399"/>
-          </a:xfrm>
-          <a:prstGeom prst="rect">
-            <a:avLst/>
-          </a:prstGeom>
-        </p:spPr>
-        <p:style>
-          <a:lnRef idx="2">
-            <a:schemeClr val="accent1">
-              <a:shade val="50000"/>
-            </a:schemeClr>
-          </a:lnRef>
-          <a:fillRef idx="1">
-            <a:schemeClr val="accent1"/>
-          </a:fillRef>
-          <a:effectRef idx="0">
-            <a:schemeClr val="accent1"/>
-          </a:effectRef>
-          <a:fontRef idx="minor">
-            <a:schemeClr val="lt1"/>
-          </a:fontRef>
-        </p:style>
-        <p:txBody>
-          <a:bodyPr rtlCol="0" anchor="ctr"/>
-          <a:lstStyle/>
-          <a:p>
-            <a:pPr algn="ctr"/>
-            <a:r>
-              <a:rPr lang="ko-KR" altLang="en-US" sz="1400"/>
-              <a:t>조회</a:t>
-            </a:r>
-            <a:endParaRPr lang="ko-KR" altLang="en-US" sz="1400" dirty="0"/>
-          </a:p>
-        </p:txBody>
-      </p:sp>
-      <p:sp>
-        <p:nvSpPr>
-          <p:cNvPr id="9" name="직사각형 8">
-            <a:extLst>
-              <a:ext uri="{FF2B5EF4-FFF2-40B4-BE49-F238E27FC236}">
-                <a16:creationId xmlns:a16="http://schemas.microsoft.com/office/drawing/2014/main" id="{38C3107B-5253-4A5D-9B5B-3D1FFB0FE964}"/>
-              </a:ext>
-            </a:extLst>
-          </p:cNvPr>
-          <p:cNvSpPr/>
-          <p:nvPr/>
-        </p:nvSpPr>
-        <p:spPr>
-          <a:xfrm>
-            <a:off x="4649408" y="2895183"/>
-            <a:ext cx="1065703" cy="486255"/>
-          </a:xfrm>
-          <a:prstGeom prst="rect">
-            <a:avLst/>
-          </a:prstGeom>
-        </p:spPr>
-        <p:style>
-          <a:lnRef idx="2">
-            <a:schemeClr val="accent1">
-              <a:shade val="50000"/>
-            </a:schemeClr>
-          </a:lnRef>
-          <a:fillRef idx="1">
-            <a:schemeClr val="accent1"/>
-          </a:fillRef>
-          <a:effectRef idx="0">
-            <a:schemeClr val="accent1"/>
-          </a:effectRef>
-          <a:fontRef idx="minor">
-            <a:schemeClr val="lt1"/>
-          </a:fontRef>
-        </p:style>
-        <p:txBody>
-          <a:bodyPr rtlCol="0" anchor="ctr"/>
-          <a:lstStyle/>
-          <a:p>
-            <a:pPr algn="ctr"/>
-            <a:r>
-              <a:rPr lang="ko-KR" altLang="en-US" sz="1400" dirty="0"/>
-              <a:t>인증</a:t>
-            </a:r>
-          </a:p>
-        </p:txBody>
-      </p:sp>
-      <p:sp>
-        <p:nvSpPr>
-          <p:cNvPr id="10" name="직사각형 9">
-            <a:extLst>
-              <a:ext uri="{FF2B5EF4-FFF2-40B4-BE49-F238E27FC236}">
-                <a16:creationId xmlns:a16="http://schemas.microsoft.com/office/drawing/2014/main" id="{21BBC8A5-5FAC-43E5-94BC-6CE26648934F}"/>
-              </a:ext>
-            </a:extLst>
-          </p:cNvPr>
-          <p:cNvSpPr/>
-          <p:nvPr/>
-        </p:nvSpPr>
-        <p:spPr>
-          <a:xfrm>
-            <a:off x="4649408" y="3640737"/>
-            <a:ext cx="1065703" cy="486255"/>
-          </a:xfrm>
-          <a:prstGeom prst="rect">
-            <a:avLst/>
-          </a:prstGeom>
-        </p:spPr>
-        <p:style>
-          <a:lnRef idx="2">
-            <a:schemeClr val="accent1">
-              <a:shade val="50000"/>
-            </a:schemeClr>
-          </a:lnRef>
-          <a:fillRef idx="1">
-            <a:schemeClr val="accent1"/>
-          </a:fillRef>
-          <a:effectRef idx="0">
-            <a:schemeClr val="accent1"/>
-          </a:effectRef>
-          <a:fontRef idx="minor">
-            <a:schemeClr val="lt1"/>
-          </a:fontRef>
-        </p:style>
-        <p:txBody>
-          <a:bodyPr rtlCol="0" anchor="ctr"/>
-          <a:lstStyle/>
-          <a:p>
-            <a:pPr algn="ctr"/>
-            <a:r>
-              <a:rPr lang="ko-KR" altLang="en-US" sz="1400" dirty="0"/>
-              <a:t>접근제어</a:t>
-            </a:r>
-          </a:p>
-        </p:txBody>
-      </p:sp>
-      <p:sp>
-        <p:nvSpPr>
-          <p:cNvPr id="11" name="직사각형 10">
-            <a:extLst>
-              <a:ext uri="{FF2B5EF4-FFF2-40B4-BE49-F238E27FC236}">
-                <a16:creationId xmlns:a16="http://schemas.microsoft.com/office/drawing/2014/main" id="{55C63355-0F5A-4838-B0B2-98959EA5FBD4}"/>
-              </a:ext>
-            </a:extLst>
-          </p:cNvPr>
-          <p:cNvSpPr/>
-          <p:nvPr/>
-        </p:nvSpPr>
-        <p:spPr>
-          <a:xfrm>
-            <a:off x="4649408" y="4387256"/>
-            <a:ext cx="1065703" cy="486255"/>
-          </a:xfrm>
-          <a:prstGeom prst="rect">
-            <a:avLst/>
-          </a:prstGeom>
-        </p:spPr>
-        <p:style>
-          <a:lnRef idx="2">
-            <a:schemeClr val="accent1">
-              <a:shade val="50000"/>
-            </a:schemeClr>
-          </a:lnRef>
-          <a:fillRef idx="1">
-            <a:schemeClr val="accent1"/>
-          </a:fillRef>
-          <a:effectRef idx="0">
-            <a:schemeClr val="accent1"/>
-          </a:effectRef>
-          <a:fontRef idx="minor">
-            <a:schemeClr val="lt1"/>
-          </a:fontRef>
-        </p:style>
-        <p:txBody>
-          <a:bodyPr rtlCol="0" anchor="ctr"/>
-          <a:lstStyle/>
-          <a:p>
-            <a:pPr algn="ctr"/>
-            <a:r>
-              <a:rPr lang="ko-KR" altLang="en-US" sz="1400" dirty="0"/>
-              <a:t>암호화</a:t>
-            </a:r>
-          </a:p>
-        </p:txBody>
-      </p:sp>
-      <p:sp>
-        <p:nvSpPr>
-          <p:cNvPr id="12" name="직사각형 11">
-            <a:extLst>
-              <a:ext uri="{FF2B5EF4-FFF2-40B4-BE49-F238E27FC236}">
-                <a16:creationId xmlns:a16="http://schemas.microsoft.com/office/drawing/2014/main" id="{F0317928-2B73-45A2-B70F-D4F4CBD11AF8}"/>
-              </a:ext>
-            </a:extLst>
-          </p:cNvPr>
-          <p:cNvSpPr/>
-          <p:nvPr/>
-        </p:nvSpPr>
-        <p:spPr>
-          <a:xfrm>
-            <a:off x="3051405" y="2487474"/>
-            <a:ext cx="1065703" cy="442399"/>
-          </a:xfrm>
-          <a:prstGeom prst="rect">
-            <a:avLst/>
-          </a:prstGeom>
-        </p:spPr>
-        <p:style>
-          <a:lnRef idx="2">
-            <a:schemeClr val="accent1">
-              <a:shade val="50000"/>
-            </a:schemeClr>
-          </a:lnRef>
-          <a:fillRef idx="1">
-            <a:schemeClr val="accent1"/>
-          </a:fillRef>
-          <a:effectRef idx="0">
-            <a:schemeClr val="accent1"/>
-          </a:effectRef>
-          <a:fontRef idx="minor">
-            <a:schemeClr val="lt1"/>
-          </a:fontRef>
-        </p:style>
-        <p:txBody>
-          <a:bodyPr rtlCol="0" anchor="ctr"/>
-          <a:lstStyle/>
-          <a:p>
-            <a:pPr algn="ctr"/>
-            <a:r>
-              <a:rPr lang="ko-KR" altLang="en-US" sz="1400" dirty="0" err="1"/>
-              <a:t>서블릿</a:t>
-            </a:r>
-            <a:endParaRPr lang="ko-KR" altLang="en-US" sz="1400" dirty="0"/>
-          </a:p>
-        </p:txBody>
-      </p:sp>
-      <p:sp>
-        <p:nvSpPr>
-          <p:cNvPr id="13" name="직사각형 12">
-            <a:extLst>
-              <a:ext uri="{FF2B5EF4-FFF2-40B4-BE49-F238E27FC236}">
-                <a16:creationId xmlns:a16="http://schemas.microsoft.com/office/drawing/2014/main" id="{DDCE4059-DD10-4A18-AFA8-CCF63BD52C12}"/>
-              </a:ext>
-            </a:extLst>
-          </p:cNvPr>
-          <p:cNvSpPr/>
-          <p:nvPr/>
-        </p:nvSpPr>
-        <p:spPr>
-          <a:xfrm>
-            <a:off x="3051404" y="3284300"/>
-            <a:ext cx="1065703" cy="442399"/>
-          </a:xfrm>
-          <a:prstGeom prst="rect">
-            <a:avLst/>
-          </a:prstGeom>
-        </p:spPr>
-        <p:style>
-          <a:lnRef idx="2">
-            <a:schemeClr val="accent1">
-              <a:shade val="50000"/>
-            </a:schemeClr>
-          </a:lnRef>
-          <a:fillRef idx="1">
-            <a:schemeClr val="accent1"/>
-          </a:fillRef>
-          <a:effectRef idx="0">
-            <a:schemeClr val="accent1"/>
-          </a:effectRef>
-          <a:fontRef idx="minor">
-            <a:schemeClr val="lt1"/>
-          </a:fontRef>
-        </p:style>
-        <p:txBody>
-          <a:bodyPr rtlCol="0" anchor="ctr"/>
-          <a:lstStyle/>
-          <a:p>
-            <a:pPr algn="ctr"/>
-            <a:r>
-              <a:rPr lang="en-US" altLang="ko-KR" sz="1400" dirty="0"/>
-              <a:t>MVC</a:t>
-            </a:r>
-            <a:endParaRPr lang="ko-KR" altLang="en-US" sz="1400" dirty="0"/>
-          </a:p>
-        </p:txBody>
-      </p:sp>
-      <p:sp>
-        <p:nvSpPr>
-          <p:cNvPr id="14" name="직사각형 13">
-            <a:extLst>
-              <a:ext uri="{FF2B5EF4-FFF2-40B4-BE49-F238E27FC236}">
-                <a16:creationId xmlns:a16="http://schemas.microsoft.com/office/drawing/2014/main" id="{1B6E7718-D658-440F-86BB-90D98FA02CDA}"/>
-              </a:ext>
-            </a:extLst>
-          </p:cNvPr>
-          <p:cNvSpPr/>
-          <p:nvPr/>
-        </p:nvSpPr>
-        <p:spPr>
-          <a:xfrm>
-            <a:off x="3051404" y="4079456"/>
-            <a:ext cx="1065703" cy="442399"/>
-          </a:xfrm>
-          <a:prstGeom prst="rect">
-            <a:avLst/>
-          </a:prstGeom>
-        </p:spPr>
-        <p:style>
-          <a:lnRef idx="2">
-            <a:schemeClr val="accent1">
-              <a:shade val="50000"/>
-            </a:schemeClr>
-          </a:lnRef>
-          <a:fillRef idx="1">
-            <a:schemeClr val="accent1"/>
-          </a:fillRef>
-          <a:effectRef idx="0">
-            <a:schemeClr val="accent1"/>
-          </a:effectRef>
-          <a:fontRef idx="minor">
-            <a:schemeClr val="lt1"/>
-          </a:fontRef>
-        </p:style>
-        <p:txBody>
-          <a:bodyPr rtlCol="0" anchor="ctr"/>
-          <a:lstStyle/>
-          <a:p>
-            <a:pPr algn="ctr"/>
-            <a:r>
-              <a:rPr lang="ko-KR" altLang="en-US" sz="1200" dirty="0"/>
-              <a:t>프레임워크</a:t>
-            </a:r>
-          </a:p>
-        </p:txBody>
-      </p:sp>
-      <p:sp>
-        <p:nvSpPr>
-          <p:cNvPr id="15" name="직사각형 14">
-            <a:extLst>
-              <a:ext uri="{FF2B5EF4-FFF2-40B4-BE49-F238E27FC236}">
-                <a16:creationId xmlns:a16="http://schemas.microsoft.com/office/drawing/2014/main" id="{6C33FABE-FB93-47DD-8109-2521306D056C}"/>
-              </a:ext>
-            </a:extLst>
-          </p:cNvPr>
-          <p:cNvSpPr/>
-          <p:nvPr/>
-        </p:nvSpPr>
-        <p:spPr>
-          <a:xfrm>
-            <a:off x="4649408" y="2149629"/>
-            <a:ext cx="1065703" cy="486255"/>
-          </a:xfrm>
-          <a:prstGeom prst="rect">
-            <a:avLst/>
-          </a:prstGeom>
-        </p:spPr>
-        <p:style>
-          <a:lnRef idx="2">
-            <a:schemeClr val="accent1">
-              <a:shade val="50000"/>
-            </a:schemeClr>
-          </a:lnRef>
-          <a:fillRef idx="1">
-            <a:schemeClr val="accent1"/>
-          </a:fillRef>
-          <a:effectRef idx="0">
-            <a:schemeClr val="accent1"/>
-          </a:effectRef>
-          <a:fontRef idx="minor">
-            <a:schemeClr val="lt1"/>
-          </a:fontRef>
-        </p:style>
-        <p:txBody>
-          <a:bodyPr rtlCol="0" anchor="ctr"/>
-          <a:lstStyle/>
-          <a:p>
-            <a:pPr algn="ctr"/>
-            <a:r>
-              <a:rPr lang="ko-KR" altLang="en-US" sz="1400" dirty="0"/>
-              <a:t>트랜잭션</a:t>
-            </a:r>
-          </a:p>
-        </p:txBody>
-      </p:sp>
-      <p:sp>
-        <p:nvSpPr>
-          <p:cNvPr id="16" name="직사각형 15">
-            <a:extLst>
-              <a:ext uri="{FF2B5EF4-FFF2-40B4-BE49-F238E27FC236}">
-                <a16:creationId xmlns:a16="http://schemas.microsoft.com/office/drawing/2014/main" id="{924B1DF4-6A35-42DB-8C7F-392B2DB1B9AA}"/>
-              </a:ext>
-            </a:extLst>
-          </p:cNvPr>
-          <p:cNvSpPr/>
-          <p:nvPr/>
-        </p:nvSpPr>
-        <p:spPr>
-          <a:xfrm>
-            <a:off x="4649407" y="5133775"/>
-            <a:ext cx="1065703" cy="486255"/>
-          </a:xfrm>
-          <a:prstGeom prst="rect">
-            <a:avLst/>
-          </a:prstGeom>
-        </p:spPr>
-        <p:style>
-          <a:lnRef idx="2">
-            <a:schemeClr val="accent1">
-              <a:shade val="50000"/>
-            </a:schemeClr>
-          </a:lnRef>
-          <a:fillRef idx="1">
-            <a:schemeClr val="accent1"/>
-          </a:fillRef>
-          <a:effectRef idx="0">
-            <a:schemeClr val="accent1"/>
-          </a:effectRef>
-          <a:fontRef idx="minor">
-            <a:schemeClr val="lt1"/>
-          </a:fontRef>
-        </p:style>
-        <p:txBody>
-          <a:bodyPr rtlCol="0" anchor="ctr"/>
-          <a:lstStyle/>
-          <a:p>
-            <a:pPr algn="ctr"/>
-            <a:r>
-              <a:rPr lang="ko-KR" altLang="en-US" sz="1400" dirty="0"/>
-              <a:t>로그</a:t>
-            </a:r>
-          </a:p>
-        </p:txBody>
-      </p:sp>
-      <p:sp>
-        <p:nvSpPr>
-          <p:cNvPr id="17" name="직사각형 16">
-            <a:extLst>
-              <a:ext uri="{FF2B5EF4-FFF2-40B4-BE49-F238E27FC236}">
-                <a16:creationId xmlns:a16="http://schemas.microsoft.com/office/drawing/2014/main" id="{CA3E20DB-8F45-4171-9DFB-FBD0E4DF807C}"/>
-              </a:ext>
-            </a:extLst>
-          </p:cNvPr>
-          <p:cNvSpPr/>
-          <p:nvPr/>
-        </p:nvSpPr>
-        <p:spPr>
-          <a:xfrm>
-            <a:off x="4666948" y="1403110"/>
-            <a:ext cx="1065703" cy="486255"/>
-          </a:xfrm>
-          <a:prstGeom prst="rect">
-            <a:avLst/>
-          </a:prstGeom>
-        </p:spPr>
-        <p:style>
-          <a:lnRef idx="2">
-            <a:schemeClr val="accent1">
-              <a:shade val="50000"/>
-            </a:schemeClr>
-          </a:lnRef>
-          <a:fillRef idx="1">
-            <a:schemeClr val="accent1"/>
-          </a:fillRef>
-          <a:effectRef idx="0">
-            <a:schemeClr val="accent1"/>
-          </a:effectRef>
-          <a:fontRef idx="minor">
-            <a:schemeClr val="lt1"/>
-          </a:fontRef>
-        </p:style>
-        <p:txBody>
-          <a:bodyPr rtlCol="0" anchor="ctr"/>
-          <a:lstStyle/>
-          <a:p>
-            <a:pPr algn="ctr"/>
-            <a:r>
-              <a:rPr lang="ko-KR" altLang="en-US" sz="1400" dirty="0"/>
-              <a:t>입력</a:t>
-            </a:r>
-            <a:r>
-              <a:rPr lang="en-US" altLang="ko-KR" sz="1400" dirty="0"/>
-              <a:t>/</a:t>
-            </a:r>
-            <a:r>
-              <a:rPr lang="ko-KR" altLang="en-US" sz="1400" dirty="0"/>
-              <a:t>출력</a:t>
-            </a:r>
-          </a:p>
-        </p:txBody>
-      </p:sp>
-      <p:sp>
-        <p:nvSpPr>
-          <p:cNvPr id="18" name="직사각형 17">
-            <a:extLst>
-              <a:ext uri="{FF2B5EF4-FFF2-40B4-BE49-F238E27FC236}">
-                <a16:creationId xmlns:a16="http://schemas.microsoft.com/office/drawing/2014/main" id="{58D47F3B-0CE4-496D-B2DB-70E18D7B8BFE}"/>
-              </a:ext>
-            </a:extLst>
-          </p:cNvPr>
-          <p:cNvSpPr/>
-          <p:nvPr/>
-        </p:nvSpPr>
-        <p:spPr>
-          <a:xfrm>
-            <a:off x="6209316" y="1992187"/>
-            <a:ext cx="1198370" cy="3000311"/>
-          </a:xfrm>
-          <a:prstGeom prst="rect">
-            <a:avLst/>
-          </a:prstGeom>
-        </p:spPr>
-        <p:style>
-          <a:lnRef idx="2">
-            <a:schemeClr val="accent1">
-              <a:shade val="50000"/>
-            </a:schemeClr>
-          </a:lnRef>
-          <a:fillRef idx="1">
-            <a:schemeClr val="accent1"/>
-          </a:fillRef>
-          <a:effectRef idx="0">
-            <a:schemeClr val="accent1"/>
-          </a:effectRef>
-          <a:fontRef idx="minor">
-            <a:schemeClr val="lt1"/>
-          </a:fontRef>
-        </p:style>
-        <p:txBody>
-          <a:bodyPr rtlCol="0" anchor="ctr"/>
-          <a:lstStyle/>
-          <a:p>
-            <a:pPr algn="ctr"/>
-            <a:r>
-              <a:rPr lang="ko-KR" altLang="en-US" sz="1400" dirty="0" err="1"/>
-              <a:t>비기능</a:t>
-            </a:r>
-            <a:endParaRPr lang="en-US" altLang="ko-KR" sz="1400" dirty="0"/>
-          </a:p>
-          <a:p>
-            <a:pPr algn="ctr"/>
-            <a:r>
-              <a:rPr lang="ko-KR" altLang="en-US" sz="1400" dirty="0"/>
-              <a:t>품질속성</a:t>
-            </a:r>
-          </a:p>
-        </p:txBody>
-      </p:sp>
-      <p:pic>
-        <p:nvPicPr>
-          <p:cNvPr id="19" name="그림 18">
-            <a:extLst>
-              <a:ext uri="{FF2B5EF4-FFF2-40B4-BE49-F238E27FC236}">
-                <a16:creationId xmlns:a16="http://schemas.microsoft.com/office/drawing/2014/main" id="{41121A81-91A9-4E25-9938-E6AC07A3970E}"/>
-              </a:ext>
-            </a:extLst>
-          </p:cNvPr>
-          <p:cNvPicPr>
-            <a:picLocks noChangeAspect="1"/>
-          </p:cNvPicPr>
-          <p:nvPr/>
-        </p:nvPicPr>
-        <p:blipFill>
-          <a:blip r:embed="rId2"/>
-          <a:stretch>
-            <a:fillRect/>
-          </a:stretch>
-        </p:blipFill>
-        <p:spPr>
-          <a:xfrm>
-            <a:off x="7997163" y="677232"/>
-            <a:ext cx="3488914" cy="3171740"/>
-          </a:xfrm>
-          <a:prstGeom prst="rect">
-            <a:avLst/>
-          </a:prstGeom>
-        </p:spPr>
-      </p:pic>
-    </p:spTree>
-    <p:extLst>
-      <p:ext uri="{BB962C8B-B14F-4D97-AF65-F5344CB8AC3E}">
-        <p14:creationId xmlns:p14="http://schemas.microsoft.com/office/powerpoint/2010/main" val="3198798244"/>
       </p:ext>
     </p:extLst>
   </p:cSld>
@@ -19250,464 +16335,6 @@
     <p:extLst>
       <p:ext uri="{BB962C8B-B14F-4D97-AF65-F5344CB8AC3E}">
         <p14:creationId xmlns:p14="http://schemas.microsoft.com/office/powerpoint/2010/main" val="2827076805"/>
-      </p:ext>
-    </p:extLst>
-  </p:cSld>
-  <p:clrMapOvr>
-    <a:masterClrMapping/>
-  </p:clrMapOvr>
-  <mc:AlternateContent xmlns:mc="http://schemas.openxmlformats.org/markup-compatibility/2006" xmlns:p14="http://schemas.microsoft.com/office/powerpoint/2010/main">
-    <mc:Choice Requires="p14">
-      <p:transition spd="med" p14:dur="700">
-        <p:fade/>
-      </p:transition>
-    </mc:Choice>
-    <mc:Fallback xmlns="">
-      <p:transition spd="med">
-        <p:fade/>
-      </p:transition>
-    </mc:Fallback>
-  </mc:AlternateContent>
-</p:sld>
-</file>
-
-<file path=ppt/slides/slide7.xml><?xml version="1.0" encoding="utf-8"?>
-<p:sld xmlns:a="http://schemas.openxmlformats.org/drawingml/2006/main" xmlns:r="http://schemas.openxmlformats.org/officeDocument/2006/relationships" xmlns:p="http://schemas.openxmlformats.org/presentationml/2006/main">
-  <p:cSld>
-    <p:spTree>
-      <p:nvGrpSpPr>
-        <p:cNvPr id="1" name=""/>
-        <p:cNvGrpSpPr/>
-        <p:nvPr/>
-      </p:nvGrpSpPr>
-      <p:grpSpPr>
-        <a:xfrm>
-          <a:off x="0" y="0"/>
-          <a:ext cx="0" cy="0"/>
-          <a:chOff x="0" y="0"/>
-          <a:chExt cx="0" cy="0"/>
-        </a:xfrm>
-      </p:grpSpPr>
-      <p:sp>
-        <p:nvSpPr>
-          <p:cNvPr id="2" name="제목 1">
-            <a:extLst>
-              <a:ext uri="{FF2B5EF4-FFF2-40B4-BE49-F238E27FC236}">
-                <a16:creationId xmlns:a16="http://schemas.microsoft.com/office/drawing/2014/main" id="{DA025078-A6EB-4793-BF9E-30A86A83B69F}"/>
-              </a:ext>
-            </a:extLst>
-          </p:cNvPr>
-          <p:cNvSpPr>
-            <a:spLocks noGrp="1"/>
-          </p:cNvSpPr>
-          <p:nvPr>
-            <p:ph type="title"/>
-          </p:nvPr>
-        </p:nvSpPr>
-        <p:spPr/>
-        <p:txBody>
-          <a:bodyPr/>
-          <a:lstStyle/>
-          <a:p>
-            <a:r>
-              <a:rPr lang="ko-KR" altLang="en-US" dirty="0"/>
-              <a:t>게시판 만들기</a:t>
-            </a:r>
-          </a:p>
-        </p:txBody>
-      </p:sp>
-      <p:sp>
-        <p:nvSpPr>
-          <p:cNvPr id="3" name="내용 개체 틀 2">
-            <a:extLst>
-              <a:ext uri="{FF2B5EF4-FFF2-40B4-BE49-F238E27FC236}">
-                <a16:creationId xmlns:a16="http://schemas.microsoft.com/office/drawing/2014/main" id="{BC5E4DF8-CFD6-4461-838C-0090AF0CC4ED}"/>
-              </a:ext>
-            </a:extLst>
-          </p:cNvPr>
-          <p:cNvSpPr>
-            <a:spLocks noGrp="1"/>
-          </p:cNvSpPr>
-          <p:nvPr>
-            <p:ph idx="1"/>
-          </p:nvPr>
-        </p:nvSpPr>
-        <p:spPr/>
-        <p:txBody>
-          <a:bodyPr/>
-          <a:lstStyle/>
-          <a:p>
-            <a:r>
-              <a:rPr lang="ko-KR" altLang="en-US" dirty="0"/>
-              <a:t>게시물은 누구나 조회 가능하다</a:t>
-            </a:r>
-            <a:endParaRPr lang="en-US" altLang="ko-KR" dirty="0"/>
-          </a:p>
-          <a:p>
-            <a:r>
-              <a:rPr lang="ko-KR" altLang="en-US" dirty="0"/>
-              <a:t>쓰기와 수정 화면이 있다</a:t>
-            </a:r>
-            <a:r>
-              <a:rPr lang="en-US" altLang="ko-KR" dirty="0"/>
-              <a:t>.</a:t>
-            </a:r>
-          </a:p>
-          <a:p>
-            <a:pPr lvl="1"/>
-            <a:r>
-              <a:rPr lang="ko-KR" altLang="en-US" dirty="0"/>
-              <a:t>로그인한 사용자만 쓰기와 수정이 가능</a:t>
-            </a:r>
-            <a:endParaRPr lang="en-US" altLang="ko-KR" dirty="0"/>
-          </a:p>
-          <a:p>
-            <a:pPr lvl="1"/>
-            <a:r>
-              <a:rPr lang="ko-KR" altLang="en-US" dirty="0"/>
-              <a:t>자신의 글만 수정</a:t>
-            </a:r>
-            <a:r>
-              <a:rPr lang="en-US" altLang="ko-KR" dirty="0"/>
-              <a:t>, </a:t>
-            </a:r>
-            <a:r>
-              <a:rPr lang="ko-KR" altLang="en-US" dirty="0"/>
-              <a:t>삭제가 가능</a:t>
-            </a:r>
-            <a:endParaRPr lang="en-US" altLang="ko-KR" dirty="0"/>
-          </a:p>
-          <a:p>
-            <a:r>
-              <a:rPr lang="ko-KR" altLang="en-US" dirty="0"/>
-              <a:t>관리자는 모든 글에 대해 수정과 삭제가 가능</a:t>
-            </a:r>
-            <a:endParaRPr lang="en-US" altLang="ko-KR" dirty="0"/>
-          </a:p>
-          <a:p>
-            <a:pPr lvl="1"/>
-            <a:r>
-              <a:rPr lang="ko-KR" altLang="en-US" dirty="0"/>
-              <a:t>여러 개의 글 제목을 한번에 수정하는 기능</a:t>
-            </a:r>
-            <a:endParaRPr lang="en-US" altLang="ko-KR" dirty="0"/>
-          </a:p>
-          <a:p>
-            <a:pPr lvl="1"/>
-            <a:r>
-              <a:rPr lang="ko-KR" altLang="en-US" dirty="0"/>
-              <a:t>게시물 전체 삭제 기능</a:t>
-            </a:r>
-            <a:endParaRPr lang="en-US" altLang="ko-KR" dirty="0"/>
-          </a:p>
-          <a:p>
-            <a:pPr lvl="2"/>
-            <a:r>
-              <a:rPr lang="ko-KR" altLang="en-US" dirty="0"/>
-              <a:t>전체 </a:t>
-            </a:r>
-            <a:r>
-              <a:rPr lang="ko-KR" altLang="en-US" dirty="0" err="1"/>
-              <a:t>삭제시</a:t>
-            </a:r>
-            <a:r>
-              <a:rPr lang="ko-KR" altLang="en-US" dirty="0"/>
-              <a:t> 관리자 아이피를 확인한다</a:t>
-            </a:r>
-            <a:r>
-              <a:rPr lang="en-US" altLang="ko-KR" dirty="0"/>
-              <a:t>.</a:t>
-            </a:r>
-          </a:p>
-        </p:txBody>
-      </p:sp>
-    </p:spTree>
-    <p:extLst>
-      <p:ext uri="{BB962C8B-B14F-4D97-AF65-F5344CB8AC3E}">
-        <p14:creationId xmlns:p14="http://schemas.microsoft.com/office/powerpoint/2010/main" val="657425010"/>
-      </p:ext>
-    </p:extLst>
-  </p:cSld>
-  <p:clrMapOvr>
-    <a:masterClrMapping/>
-  </p:clrMapOvr>
-  <mc:AlternateContent xmlns:mc="http://schemas.openxmlformats.org/markup-compatibility/2006" xmlns:p14="http://schemas.microsoft.com/office/powerpoint/2010/main">
-    <mc:Choice Requires="p14">
-      <p:transition spd="med" p14:dur="700">
-        <p:fade/>
-      </p:transition>
-    </mc:Choice>
-    <mc:Fallback xmlns="">
-      <p:transition spd="med">
-        <p:fade/>
-      </p:transition>
-    </mc:Fallback>
-  </mc:AlternateContent>
-</p:sld>
-</file>
-
-<file path=ppt/slides/slide8.xml><?xml version="1.0" encoding="utf-8"?>
-<p:sld xmlns:a="http://schemas.openxmlformats.org/drawingml/2006/main" xmlns:r="http://schemas.openxmlformats.org/officeDocument/2006/relationships" xmlns:p="http://schemas.openxmlformats.org/presentationml/2006/main">
-  <p:cSld>
-    <p:spTree>
-      <p:nvGrpSpPr>
-        <p:cNvPr id="1" name=""/>
-        <p:cNvGrpSpPr/>
-        <p:nvPr/>
-      </p:nvGrpSpPr>
-      <p:grpSpPr>
-        <a:xfrm>
-          <a:off x="0" y="0"/>
-          <a:ext cx="0" cy="0"/>
-          <a:chOff x="0" y="0"/>
-          <a:chExt cx="0" cy="0"/>
-        </a:xfrm>
-      </p:grpSpPr>
-      <p:sp>
-        <p:nvSpPr>
-          <p:cNvPr id="2" name="제목 1">
-            <a:extLst>
-              <a:ext uri="{FF2B5EF4-FFF2-40B4-BE49-F238E27FC236}">
-                <a16:creationId xmlns:a16="http://schemas.microsoft.com/office/drawing/2014/main" id="{85606143-7793-490C-ABFB-AD6BFC0B52B1}"/>
-              </a:ext>
-            </a:extLst>
-          </p:cNvPr>
-          <p:cNvSpPr>
-            <a:spLocks noGrp="1"/>
-          </p:cNvSpPr>
-          <p:nvPr>
-            <p:ph type="title"/>
-          </p:nvPr>
-        </p:nvSpPr>
-        <p:spPr/>
-        <p:txBody>
-          <a:bodyPr/>
-          <a:lstStyle/>
-          <a:p>
-            <a:r>
-              <a:rPr lang="ko-KR" altLang="en-US" dirty="0"/>
-              <a:t>게시판 만들기</a:t>
-            </a:r>
-          </a:p>
-        </p:txBody>
-      </p:sp>
-      <p:sp>
-        <p:nvSpPr>
-          <p:cNvPr id="3" name="내용 개체 틀 2">
-            <a:extLst>
-              <a:ext uri="{FF2B5EF4-FFF2-40B4-BE49-F238E27FC236}">
-                <a16:creationId xmlns:a16="http://schemas.microsoft.com/office/drawing/2014/main" id="{6CF79056-C7A1-4A8A-B67C-18C83FF2DB81}"/>
-              </a:ext>
-            </a:extLst>
-          </p:cNvPr>
-          <p:cNvSpPr>
-            <a:spLocks noGrp="1"/>
-          </p:cNvSpPr>
-          <p:nvPr>
-            <p:ph idx="1"/>
-          </p:nvPr>
-        </p:nvSpPr>
-        <p:spPr/>
-        <p:txBody>
-          <a:bodyPr/>
-          <a:lstStyle/>
-          <a:p>
-            <a:r>
-              <a:rPr lang="ko-KR" altLang="en-US" dirty="0"/>
-              <a:t>글에는 첨부파일을 등록할 수 있다</a:t>
-            </a:r>
-            <a:r>
-              <a:rPr lang="en-US" altLang="ko-KR" dirty="0"/>
-              <a:t>.</a:t>
-            </a:r>
-          </a:p>
-          <a:p>
-            <a:pPr lvl="1"/>
-            <a:r>
-              <a:rPr lang="en-US" altLang="ko-KR" dirty="0"/>
-              <a:t>2</a:t>
-            </a:r>
-            <a:r>
-              <a:rPr lang="ko-KR" altLang="en-US" dirty="0"/>
-              <a:t>개의 첨부파일 등록</a:t>
-            </a:r>
-            <a:endParaRPr lang="en-US" altLang="ko-KR" dirty="0"/>
-          </a:p>
-          <a:p>
-            <a:pPr lvl="1"/>
-            <a:r>
-              <a:rPr lang="ko-KR" altLang="en-US" dirty="0"/>
-              <a:t>글 </a:t>
-            </a:r>
-            <a:r>
-              <a:rPr lang="ko-KR" altLang="en-US" dirty="0" err="1"/>
-              <a:t>수정시</a:t>
-            </a:r>
-            <a:r>
-              <a:rPr lang="ko-KR" altLang="en-US" dirty="0"/>
-              <a:t> 첨부파일을 교체할 수 있다</a:t>
-            </a:r>
-            <a:r>
-              <a:rPr lang="en-US" altLang="ko-KR" dirty="0"/>
-              <a:t>.</a:t>
-            </a:r>
-          </a:p>
-          <a:p>
-            <a:r>
-              <a:rPr lang="ko-KR" altLang="en-US" dirty="0" err="1"/>
-              <a:t>프론트엔드</a:t>
-            </a:r>
-            <a:r>
-              <a:rPr lang="ko-KR" altLang="en-US" dirty="0"/>
-              <a:t> 기술은 사용 하지 않습니다</a:t>
-            </a:r>
-            <a:r>
-              <a:rPr lang="en-US" altLang="ko-KR" dirty="0"/>
-              <a:t>.</a:t>
-            </a:r>
-          </a:p>
-          <a:p>
-            <a:pPr marL="0" indent="0">
-              <a:buNone/>
-            </a:pPr>
-            <a:endParaRPr lang="ko-KR" altLang="en-US" dirty="0"/>
-          </a:p>
-        </p:txBody>
-      </p:sp>
-    </p:spTree>
-    <p:extLst>
-      <p:ext uri="{BB962C8B-B14F-4D97-AF65-F5344CB8AC3E}">
-        <p14:creationId xmlns:p14="http://schemas.microsoft.com/office/powerpoint/2010/main" val="3080948619"/>
-      </p:ext>
-    </p:extLst>
-  </p:cSld>
-  <p:clrMapOvr>
-    <a:masterClrMapping/>
-  </p:clrMapOvr>
-  <mc:AlternateContent xmlns:mc="http://schemas.openxmlformats.org/markup-compatibility/2006" xmlns:p14="http://schemas.microsoft.com/office/powerpoint/2010/main">
-    <mc:Choice Requires="p14">
-      <p:transition spd="med" p14:dur="700">
-        <p:fade/>
-      </p:transition>
-    </mc:Choice>
-    <mc:Fallback xmlns="">
-      <p:transition spd="med">
-        <p:fade/>
-      </p:transition>
-    </mc:Fallback>
-  </mc:AlternateContent>
-</p:sld>
-</file>
-
-<file path=ppt/slides/slide9.xml><?xml version="1.0" encoding="utf-8"?>
-<p:sld xmlns:a="http://schemas.openxmlformats.org/drawingml/2006/main" xmlns:r="http://schemas.openxmlformats.org/officeDocument/2006/relationships" xmlns:p="http://schemas.openxmlformats.org/presentationml/2006/main">
-  <p:cSld>
-    <p:spTree>
-      <p:nvGrpSpPr>
-        <p:cNvPr id="1" name=""/>
-        <p:cNvGrpSpPr/>
-        <p:nvPr/>
-      </p:nvGrpSpPr>
-      <p:grpSpPr>
-        <a:xfrm>
-          <a:off x="0" y="0"/>
-          <a:ext cx="0" cy="0"/>
-          <a:chOff x="0" y="0"/>
-          <a:chExt cx="0" cy="0"/>
-        </a:xfrm>
-      </p:grpSpPr>
-      <p:sp>
-        <p:nvSpPr>
-          <p:cNvPr id="2" name="제목 1">
-            <a:extLst>
-              <a:ext uri="{FF2B5EF4-FFF2-40B4-BE49-F238E27FC236}">
-                <a16:creationId xmlns:a16="http://schemas.microsoft.com/office/drawing/2014/main" id="{8A483029-EECF-4B9C-A989-97DF83DF63A7}"/>
-              </a:ext>
-            </a:extLst>
-          </p:cNvPr>
-          <p:cNvSpPr>
-            <a:spLocks noGrp="1"/>
-          </p:cNvSpPr>
-          <p:nvPr>
-            <p:ph type="title"/>
-          </p:nvPr>
-        </p:nvSpPr>
-        <p:spPr/>
-        <p:txBody>
-          <a:bodyPr/>
-          <a:lstStyle/>
-          <a:p>
-            <a:r>
-              <a:rPr lang="ko-KR" altLang="en-US" dirty="0"/>
-              <a:t>게시판 만들기</a:t>
-            </a:r>
-          </a:p>
-        </p:txBody>
-      </p:sp>
-      <p:pic>
-        <p:nvPicPr>
-          <p:cNvPr id="9" name="그림 8">
-            <a:extLst>
-              <a:ext uri="{FF2B5EF4-FFF2-40B4-BE49-F238E27FC236}">
-                <a16:creationId xmlns:a16="http://schemas.microsoft.com/office/drawing/2014/main" id="{E8959689-3AD7-4374-A7AC-AA23B0F8C904}"/>
-              </a:ext>
-            </a:extLst>
-          </p:cNvPr>
-          <p:cNvPicPr>
-            <a:picLocks noChangeAspect="1"/>
-          </p:cNvPicPr>
-          <p:nvPr/>
-        </p:nvPicPr>
-        <p:blipFill>
-          <a:blip r:embed="rId2"/>
-          <a:stretch>
-            <a:fillRect/>
-          </a:stretch>
-        </p:blipFill>
-        <p:spPr>
-          <a:xfrm>
-            <a:off x="1295400" y="1920629"/>
-            <a:ext cx="3686689" cy="2200582"/>
-          </a:xfrm>
-          <a:prstGeom prst="rect">
-            <a:avLst/>
-          </a:prstGeom>
-        </p:spPr>
-      </p:pic>
-      <p:pic>
-        <p:nvPicPr>
-          <p:cNvPr id="11" name="그림 10">
-            <a:extLst>
-              <a:ext uri="{FF2B5EF4-FFF2-40B4-BE49-F238E27FC236}">
-                <a16:creationId xmlns:a16="http://schemas.microsoft.com/office/drawing/2014/main" id="{BE0D9352-321B-4751-A2A8-12B717BAC8AB}"/>
-              </a:ext>
-            </a:extLst>
-          </p:cNvPr>
-          <p:cNvPicPr>
-            <a:picLocks noChangeAspect="1"/>
-          </p:cNvPicPr>
-          <p:nvPr/>
-        </p:nvPicPr>
-        <p:blipFill>
-          <a:blip r:embed="rId3"/>
-          <a:stretch>
-            <a:fillRect/>
-          </a:stretch>
-        </p:blipFill>
-        <p:spPr>
-          <a:xfrm>
-            <a:off x="5876271" y="1975362"/>
-            <a:ext cx="3734321" cy="2438740"/>
-          </a:xfrm>
-          <a:prstGeom prst="rect">
-            <a:avLst/>
-          </a:prstGeom>
-        </p:spPr>
-      </p:pic>
-    </p:spTree>
-    <p:extLst>
-      <p:ext uri="{BB962C8B-B14F-4D97-AF65-F5344CB8AC3E}">
-        <p14:creationId xmlns:p14="http://schemas.microsoft.com/office/powerpoint/2010/main" val="1274504814"/>
       </p:ext>
     </p:extLst>
   </p:cSld>
